--- a/Flutter - State Management.pptx
+++ b/Flutter - State Management.pptx
@@ -5,7 +5,7 @@
     <p:sldMasterId id="2147483659" r:id="rId1"/>
   </p:sldMasterIdLst>
   <p:notesMasterIdLst>
-    <p:notesMasterId r:id="rId20"/>
+    <p:notesMasterId r:id="rId12"/>
   </p:notesMasterIdLst>
   <p:sldIdLst>
     <p:sldId id="257" r:id="rId2"/>
@@ -13,39 +13,31 @@
     <p:sldId id="259" r:id="rId4"/>
     <p:sldId id="260" r:id="rId5"/>
     <p:sldId id="275" r:id="rId6"/>
-    <p:sldId id="279" r:id="rId7"/>
-    <p:sldId id="276" r:id="rId8"/>
-    <p:sldId id="277" r:id="rId9"/>
-    <p:sldId id="278" r:id="rId10"/>
-    <p:sldId id="281" r:id="rId11"/>
-    <p:sldId id="282" r:id="rId12"/>
-    <p:sldId id="283" r:id="rId13"/>
-    <p:sldId id="261" r:id="rId14"/>
-    <p:sldId id="284" r:id="rId15"/>
-    <p:sldId id="285" r:id="rId16"/>
-    <p:sldId id="286" r:id="rId17"/>
-    <p:sldId id="287" r:id="rId18"/>
-    <p:sldId id="256" r:id="rId19"/>
+    <p:sldId id="276" r:id="rId7"/>
+    <p:sldId id="288" r:id="rId8"/>
+    <p:sldId id="285" r:id="rId9"/>
+    <p:sldId id="287" r:id="rId10"/>
+    <p:sldId id="256" r:id="rId11"/>
   </p:sldIdLst>
   <p:sldSz cx="9144000" cy="5143500" type="screen16x9"/>
   <p:notesSz cx="6858000" cy="9144000"/>
   <p:embeddedFontLst>
     <p:embeddedFont>
       <p:font typeface="Barlow" panose="00000500000000000000" pitchFamily="2" charset="0"/>
-      <p:regular r:id="rId21"/>
-      <p:bold r:id="rId22"/>
-      <p:italic r:id="rId23"/>
-      <p:boldItalic r:id="rId24"/>
+      <p:regular r:id="rId13"/>
+      <p:bold r:id="rId14"/>
+      <p:italic r:id="rId15"/>
+      <p:boldItalic r:id="rId16"/>
     </p:embeddedFont>
     <p:embeddedFont>
       <p:font typeface="Barlow Light" panose="00000400000000000000" pitchFamily="2" charset="0"/>
-      <p:regular r:id="rId25"/>
-      <p:italic r:id="rId26"/>
+      <p:regular r:id="rId17"/>
+      <p:italic r:id="rId18"/>
     </p:embeddedFont>
     <p:embeddedFont>
       <p:font typeface="Raleway SemiBold" pitchFamily="2" charset="0"/>
-      <p:bold r:id="rId27"/>
-      <p:boldItalic r:id="rId28"/>
+      <p:bold r:id="rId19"/>
+      <p:boldItalic r:id="rId20"/>
     </p:embeddedFont>
   </p:embeddedFontLst>
   <p:defaultTextStyle>
@@ -846,873 +838,6 @@
   <p:cSld>
     <p:spTree>
       <p:nvGrpSpPr>
-        <p:cNvPr id="1" name="Shape 82"/>
-        <p:cNvGrpSpPr/>
-        <p:nvPr/>
-      </p:nvGrpSpPr>
-      <p:grpSpPr>
-        <a:xfrm>
-          <a:off x="0" y="0"/>
-          <a:ext cx="0" cy="0"/>
-          <a:chOff x="0" y="0"/>
-          <a:chExt cx="0" cy="0"/>
-        </a:xfrm>
-      </p:grpSpPr>
-      <p:sp>
-        <p:nvSpPr>
-          <p:cNvPr id="83" name="Google Shape;83;g1106072c58a_0_13:notes"/>
-          <p:cNvSpPr>
-            <a:spLocks noGrp="1" noRot="1" noChangeAspect="1"/>
-          </p:cNvSpPr>
-          <p:nvPr>
-            <p:ph type="sldImg" idx="2"/>
-          </p:nvPr>
-        </p:nvSpPr>
-        <p:spPr>
-          <a:xfrm>
-            <a:off x="381000" y="685800"/>
-            <a:ext cx="6096000" cy="3429000"/>
-          </a:xfrm>
-          <a:custGeom>
-            <a:avLst/>
-            <a:gdLst/>
-            <a:ahLst/>
-            <a:cxnLst/>
-            <a:rect l="l" t="t" r="r" b="b"/>
-            <a:pathLst>
-              <a:path w="120000" h="120000" extrusionOk="0">
-                <a:moveTo>
-                  <a:pt x="0" y="0"/>
-                </a:moveTo>
-                <a:lnTo>
-                  <a:pt x="120000" y="0"/>
-                </a:lnTo>
-                <a:lnTo>
-                  <a:pt x="120000" y="120000"/>
-                </a:lnTo>
-                <a:lnTo>
-                  <a:pt x="0" y="120000"/>
-                </a:lnTo>
-                <a:close/>
-              </a:path>
-            </a:pathLst>
-          </a:custGeom>
-        </p:spPr>
-      </p:sp>
-      <p:sp>
-        <p:nvSpPr>
-          <p:cNvPr id="84" name="Google Shape;84;g1106072c58a_0_13:notes"/>
-          <p:cNvSpPr txBox="1">
-            <a:spLocks noGrp="1"/>
-          </p:cNvSpPr>
-          <p:nvPr>
-            <p:ph type="body" idx="1"/>
-          </p:nvPr>
-        </p:nvSpPr>
-        <p:spPr>
-          <a:xfrm>
-            <a:off x="685800" y="4343400"/>
-            <a:ext cx="5486400" cy="4114800"/>
-          </a:xfrm>
-          <a:prstGeom prst="rect">
-            <a:avLst/>
-          </a:prstGeom>
-        </p:spPr>
-        <p:txBody>
-          <a:bodyPr spcFirstLastPara="1" wrap="square" lIns="91425" tIns="91425" rIns="91425" bIns="91425" anchor="t" anchorCtr="0">
-            <a:noAutofit/>
-          </a:bodyPr>
-          <a:lstStyle/>
-          <a:p>
-            <a:pPr marL="0" lvl="0" indent="0" algn="l" rtl="0">
-              <a:spcBef>
-                <a:spcPts val="0"/>
-              </a:spcBef>
-              <a:spcAft>
-                <a:spcPts val="0"/>
-              </a:spcAft>
-              <a:buNone/>
-            </a:pPr>
-            <a:endParaRPr/>
-          </a:p>
-        </p:txBody>
-      </p:sp>
-    </p:spTree>
-    <p:extLst>
-      <p:ext uri="{BB962C8B-B14F-4D97-AF65-F5344CB8AC3E}">
-        <p14:creationId xmlns:p14="http://schemas.microsoft.com/office/powerpoint/2010/main" val="138998031"/>
-      </p:ext>
-    </p:extLst>
-  </p:cSld>
-  <p:clrMapOvr>
-    <a:masterClrMapping/>
-  </p:clrMapOvr>
-</p:notes>
-</file>
-
-<file path=ppt/notesSlides/notesSlide11.xml><?xml version="1.0" encoding="utf-8"?>
-<p:notes xmlns:a="http://schemas.openxmlformats.org/drawingml/2006/main" xmlns:r="http://schemas.openxmlformats.org/officeDocument/2006/relationships" xmlns:p="http://schemas.openxmlformats.org/presentationml/2006/main" showMasterSp="0" showMasterPhAnim="0">
-  <p:cSld>
-    <p:spTree>
-      <p:nvGrpSpPr>
-        <p:cNvPr id="1" name="Shape 82"/>
-        <p:cNvGrpSpPr/>
-        <p:nvPr/>
-      </p:nvGrpSpPr>
-      <p:grpSpPr>
-        <a:xfrm>
-          <a:off x="0" y="0"/>
-          <a:ext cx="0" cy="0"/>
-          <a:chOff x="0" y="0"/>
-          <a:chExt cx="0" cy="0"/>
-        </a:xfrm>
-      </p:grpSpPr>
-      <p:sp>
-        <p:nvSpPr>
-          <p:cNvPr id="83" name="Google Shape;83;g1106072c58a_0_13:notes"/>
-          <p:cNvSpPr>
-            <a:spLocks noGrp="1" noRot="1" noChangeAspect="1"/>
-          </p:cNvSpPr>
-          <p:nvPr>
-            <p:ph type="sldImg" idx="2"/>
-          </p:nvPr>
-        </p:nvSpPr>
-        <p:spPr>
-          <a:xfrm>
-            <a:off x="381000" y="685800"/>
-            <a:ext cx="6096000" cy="3429000"/>
-          </a:xfrm>
-          <a:custGeom>
-            <a:avLst/>
-            <a:gdLst/>
-            <a:ahLst/>
-            <a:cxnLst/>
-            <a:rect l="l" t="t" r="r" b="b"/>
-            <a:pathLst>
-              <a:path w="120000" h="120000" extrusionOk="0">
-                <a:moveTo>
-                  <a:pt x="0" y="0"/>
-                </a:moveTo>
-                <a:lnTo>
-                  <a:pt x="120000" y="0"/>
-                </a:lnTo>
-                <a:lnTo>
-                  <a:pt x="120000" y="120000"/>
-                </a:lnTo>
-                <a:lnTo>
-                  <a:pt x="0" y="120000"/>
-                </a:lnTo>
-                <a:close/>
-              </a:path>
-            </a:pathLst>
-          </a:custGeom>
-        </p:spPr>
-      </p:sp>
-      <p:sp>
-        <p:nvSpPr>
-          <p:cNvPr id="84" name="Google Shape;84;g1106072c58a_0_13:notes"/>
-          <p:cNvSpPr txBox="1">
-            <a:spLocks noGrp="1"/>
-          </p:cNvSpPr>
-          <p:nvPr>
-            <p:ph type="body" idx="1"/>
-          </p:nvPr>
-        </p:nvSpPr>
-        <p:spPr>
-          <a:xfrm>
-            <a:off x="685800" y="4343400"/>
-            <a:ext cx="5486400" cy="4114800"/>
-          </a:xfrm>
-          <a:prstGeom prst="rect">
-            <a:avLst/>
-          </a:prstGeom>
-        </p:spPr>
-        <p:txBody>
-          <a:bodyPr spcFirstLastPara="1" wrap="square" lIns="91425" tIns="91425" rIns="91425" bIns="91425" anchor="t" anchorCtr="0">
-            <a:noAutofit/>
-          </a:bodyPr>
-          <a:lstStyle/>
-          <a:p>
-            <a:pPr marL="0" lvl="0" indent="0" algn="l" rtl="0">
-              <a:spcBef>
-                <a:spcPts val="0"/>
-              </a:spcBef>
-              <a:spcAft>
-                <a:spcPts val="0"/>
-              </a:spcAft>
-              <a:buNone/>
-            </a:pPr>
-            <a:endParaRPr/>
-          </a:p>
-        </p:txBody>
-      </p:sp>
-    </p:spTree>
-    <p:extLst>
-      <p:ext uri="{BB962C8B-B14F-4D97-AF65-F5344CB8AC3E}">
-        <p14:creationId xmlns:p14="http://schemas.microsoft.com/office/powerpoint/2010/main" val="3245658488"/>
-      </p:ext>
-    </p:extLst>
-  </p:cSld>
-  <p:clrMapOvr>
-    <a:masterClrMapping/>
-  </p:clrMapOvr>
-</p:notes>
-</file>
-
-<file path=ppt/notesSlides/notesSlide12.xml><?xml version="1.0" encoding="utf-8"?>
-<p:notes xmlns:a="http://schemas.openxmlformats.org/drawingml/2006/main" xmlns:r="http://schemas.openxmlformats.org/officeDocument/2006/relationships" xmlns:p="http://schemas.openxmlformats.org/presentationml/2006/main" showMasterSp="0" showMasterPhAnim="0">
-  <p:cSld>
-    <p:spTree>
-      <p:nvGrpSpPr>
-        <p:cNvPr id="1" name="Shape 89"/>
-        <p:cNvGrpSpPr/>
-        <p:nvPr/>
-      </p:nvGrpSpPr>
-      <p:grpSpPr>
-        <a:xfrm>
-          <a:off x="0" y="0"/>
-          <a:ext cx="0" cy="0"/>
-          <a:chOff x="0" y="0"/>
-          <a:chExt cx="0" cy="0"/>
-        </a:xfrm>
-      </p:grpSpPr>
-      <p:sp>
-        <p:nvSpPr>
-          <p:cNvPr id="90" name="Google Shape;90;g1106072c58a_0_19:notes"/>
-          <p:cNvSpPr>
-            <a:spLocks noGrp="1" noRot="1" noChangeAspect="1"/>
-          </p:cNvSpPr>
-          <p:nvPr>
-            <p:ph type="sldImg" idx="2"/>
-          </p:nvPr>
-        </p:nvSpPr>
-        <p:spPr>
-          <a:xfrm>
-            <a:off x="381000" y="685800"/>
-            <a:ext cx="6096000" cy="3429000"/>
-          </a:xfrm>
-          <a:custGeom>
-            <a:avLst/>
-            <a:gdLst/>
-            <a:ahLst/>
-            <a:cxnLst/>
-            <a:rect l="l" t="t" r="r" b="b"/>
-            <a:pathLst>
-              <a:path w="120000" h="120000" extrusionOk="0">
-                <a:moveTo>
-                  <a:pt x="0" y="0"/>
-                </a:moveTo>
-                <a:lnTo>
-                  <a:pt x="120000" y="0"/>
-                </a:lnTo>
-                <a:lnTo>
-                  <a:pt x="120000" y="120000"/>
-                </a:lnTo>
-                <a:lnTo>
-                  <a:pt x="0" y="120000"/>
-                </a:lnTo>
-                <a:close/>
-              </a:path>
-            </a:pathLst>
-          </a:custGeom>
-        </p:spPr>
-      </p:sp>
-      <p:sp>
-        <p:nvSpPr>
-          <p:cNvPr id="91" name="Google Shape;91;g1106072c58a_0_19:notes"/>
-          <p:cNvSpPr txBox="1">
-            <a:spLocks noGrp="1"/>
-          </p:cNvSpPr>
-          <p:nvPr>
-            <p:ph type="body" idx="1"/>
-          </p:nvPr>
-        </p:nvSpPr>
-        <p:spPr>
-          <a:xfrm>
-            <a:off x="685800" y="4343400"/>
-            <a:ext cx="5486400" cy="4114800"/>
-          </a:xfrm>
-          <a:prstGeom prst="rect">
-            <a:avLst/>
-          </a:prstGeom>
-        </p:spPr>
-        <p:txBody>
-          <a:bodyPr spcFirstLastPara="1" wrap="square" lIns="91425" tIns="91425" rIns="91425" bIns="91425" anchor="t" anchorCtr="0">
-            <a:noAutofit/>
-          </a:bodyPr>
-          <a:lstStyle/>
-          <a:p>
-            <a:pPr marL="0" lvl="0" indent="0" algn="l" rtl="0">
-              <a:spcBef>
-                <a:spcPts val="0"/>
-              </a:spcBef>
-              <a:spcAft>
-                <a:spcPts val="0"/>
-              </a:spcAft>
-              <a:buNone/>
-            </a:pPr>
-            <a:endParaRPr/>
-          </a:p>
-        </p:txBody>
-      </p:sp>
-    </p:spTree>
-    <p:extLst>
-      <p:ext uri="{BB962C8B-B14F-4D97-AF65-F5344CB8AC3E}">
-        <p14:creationId xmlns:p14="http://schemas.microsoft.com/office/powerpoint/2010/main" val="983119943"/>
-      </p:ext>
-    </p:extLst>
-  </p:cSld>
-  <p:clrMapOvr>
-    <a:masterClrMapping/>
-  </p:clrMapOvr>
-</p:notes>
-</file>
-
-<file path=ppt/notesSlides/notesSlide13.xml><?xml version="1.0" encoding="utf-8"?>
-<p:notes xmlns:a="http://schemas.openxmlformats.org/drawingml/2006/main" xmlns:r="http://schemas.openxmlformats.org/officeDocument/2006/relationships" xmlns:p="http://schemas.openxmlformats.org/presentationml/2006/main" showMasterSp="0" showMasterPhAnim="0">
-  <p:cSld>
-    <p:spTree>
-      <p:nvGrpSpPr>
-        <p:cNvPr id="1" name="Shape 89"/>
-        <p:cNvGrpSpPr/>
-        <p:nvPr/>
-      </p:nvGrpSpPr>
-      <p:grpSpPr>
-        <a:xfrm>
-          <a:off x="0" y="0"/>
-          <a:ext cx="0" cy="0"/>
-          <a:chOff x="0" y="0"/>
-          <a:chExt cx="0" cy="0"/>
-        </a:xfrm>
-      </p:grpSpPr>
-      <p:sp>
-        <p:nvSpPr>
-          <p:cNvPr id="90" name="Google Shape;90;g1106072c58a_0_19:notes"/>
-          <p:cNvSpPr>
-            <a:spLocks noGrp="1" noRot="1" noChangeAspect="1"/>
-          </p:cNvSpPr>
-          <p:nvPr>
-            <p:ph type="sldImg" idx="2"/>
-          </p:nvPr>
-        </p:nvSpPr>
-        <p:spPr>
-          <a:xfrm>
-            <a:off x="381000" y="685800"/>
-            <a:ext cx="6096000" cy="3429000"/>
-          </a:xfrm>
-          <a:custGeom>
-            <a:avLst/>
-            <a:gdLst/>
-            <a:ahLst/>
-            <a:cxnLst/>
-            <a:rect l="l" t="t" r="r" b="b"/>
-            <a:pathLst>
-              <a:path w="120000" h="120000" extrusionOk="0">
-                <a:moveTo>
-                  <a:pt x="0" y="0"/>
-                </a:moveTo>
-                <a:lnTo>
-                  <a:pt x="120000" y="0"/>
-                </a:lnTo>
-                <a:lnTo>
-                  <a:pt x="120000" y="120000"/>
-                </a:lnTo>
-                <a:lnTo>
-                  <a:pt x="0" y="120000"/>
-                </a:lnTo>
-                <a:close/>
-              </a:path>
-            </a:pathLst>
-          </a:custGeom>
-        </p:spPr>
-      </p:sp>
-      <p:sp>
-        <p:nvSpPr>
-          <p:cNvPr id="91" name="Google Shape;91;g1106072c58a_0_19:notes"/>
-          <p:cNvSpPr txBox="1">
-            <a:spLocks noGrp="1"/>
-          </p:cNvSpPr>
-          <p:nvPr>
-            <p:ph type="body" idx="1"/>
-          </p:nvPr>
-        </p:nvSpPr>
-        <p:spPr>
-          <a:xfrm>
-            <a:off x="685800" y="4343400"/>
-            <a:ext cx="5486400" cy="4114800"/>
-          </a:xfrm>
-          <a:prstGeom prst="rect">
-            <a:avLst/>
-          </a:prstGeom>
-        </p:spPr>
-        <p:txBody>
-          <a:bodyPr spcFirstLastPara="1" wrap="square" lIns="91425" tIns="91425" rIns="91425" bIns="91425" anchor="t" anchorCtr="0">
-            <a:noAutofit/>
-          </a:bodyPr>
-          <a:lstStyle/>
-          <a:p>
-            <a:pPr marL="0" lvl="0" indent="0" algn="l" rtl="0">
-              <a:spcBef>
-                <a:spcPts val="0"/>
-              </a:spcBef>
-              <a:spcAft>
-                <a:spcPts val="0"/>
-              </a:spcAft>
-              <a:buNone/>
-            </a:pPr>
-            <a:endParaRPr/>
-          </a:p>
-        </p:txBody>
-      </p:sp>
-    </p:spTree>
-  </p:cSld>
-  <p:clrMapOvr>
-    <a:masterClrMapping/>
-  </p:clrMapOvr>
-</p:notes>
-</file>
-
-<file path=ppt/notesSlides/notesSlide14.xml><?xml version="1.0" encoding="utf-8"?>
-<p:notes xmlns:a="http://schemas.openxmlformats.org/drawingml/2006/main" xmlns:r="http://schemas.openxmlformats.org/officeDocument/2006/relationships" xmlns:p="http://schemas.openxmlformats.org/presentationml/2006/main" showMasterSp="0" showMasterPhAnim="0">
-  <p:cSld>
-    <p:spTree>
-      <p:nvGrpSpPr>
-        <p:cNvPr id="1" name="Shape 82"/>
-        <p:cNvGrpSpPr/>
-        <p:nvPr/>
-      </p:nvGrpSpPr>
-      <p:grpSpPr>
-        <a:xfrm>
-          <a:off x="0" y="0"/>
-          <a:ext cx="0" cy="0"/>
-          <a:chOff x="0" y="0"/>
-          <a:chExt cx="0" cy="0"/>
-        </a:xfrm>
-      </p:grpSpPr>
-      <p:sp>
-        <p:nvSpPr>
-          <p:cNvPr id="83" name="Google Shape;83;g1106072c58a_0_13:notes"/>
-          <p:cNvSpPr>
-            <a:spLocks noGrp="1" noRot="1" noChangeAspect="1"/>
-          </p:cNvSpPr>
-          <p:nvPr>
-            <p:ph type="sldImg" idx="2"/>
-          </p:nvPr>
-        </p:nvSpPr>
-        <p:spPr>
-          <a:xfrm>
-            <a:off x="381000" y="685800"/>
-            <a:ext cx="6096000" cy="3429000"/>
-          </a:xfrm>
-          <a:custGeom>
-            <a:avLst/>
-            <a:gdLst/>
-            <a:ahLst/>
-            <a:cxnLst/>
-            <a:rect l="l" t="t" r="r" b="b"/>
-            <a:pathLst>
-              <a:path w="120000" h="120000" extrusionOk="0">
-                <a:moveTo>
-                  <a:pt x="0" y="0"/>
-                </a:moveTo>
-                <a:lnTo>
-                  <a:pt x="120000" y="0"/>
-                </a:lnTo>
-                <a:lnTo>
-                  <a:pt x="120000" y="120000"/>
-                </a:lnTo>
-                <a:lnTo>
-                  <a:pt x="0" y="120000"/>
-                </a:lnTo>
-                <a:close/>
-              </a:path>
-            </a:pathLst>
-          </a:custGeom>
-        </p:spPr>
-      </p:sp>
-      <p:sp>
-        <p:nvSpPr>
-          <p:cNvPr id="84" name="Google Shape;84;g1106072c58a_0_13:notes"/>
-          <p:cNvSpPr txBox="1">
-            <a:spLocks noGrp="1"/>
-          </p:cNvSpPr>
-          <p:nvPr>
-            <p:ph type="body" idx="1"/>
-          </p:nvPr>
-        </p:nvSpPr>
-        <p:spPr>
-          <a:xfrm>
-            <a:off x="685800" y="4343400"/>
-            <a:ext cx="5486400" cy="4114800"/>
-          </a:xfrm>
-          <a:prstGeom prst="rect">
-            <a:avLst/>
-          </a:prstGeom>
-        </p:spPr>
-        <p:txBody>
-          <a:bodyPr spcFirstLastPara="1" wrap="square" lIns="91425" tIns="91425" rIns="91425" bIns="91425" anchor="t" anchorCtr="0">
-            <a:noAutofit/>
-          </a:bodyPr>
-          <a:lstStyle/>
-          <a:p>
-            <a:pPr marL="0" lvl="0" indent="0" algn="l" rtl="0">
-              <a:spcBef>
-                <a:spcPts val="0"/>
-              </a:spcBef>
-              <a:spcAft>
-                <a:spcPts val="0"/>
-              </a:spcAft>
-              <a:buNone/>
-            </a:pPr>
-            <a:endParaRPr/>
-          </a:p>
-        </p:txBody>
-      </p:sp>
-    </p:spTree>
-    <p:extLst>
-      <p:ext uri="{BB962C8B-B14F-4D97-AF65-F5344CB8AC3E}">
-        <p14:creationId xmlns:p14="http://schemas.microsoft.com/office/powerpoint/2010/main" val="1936646437"/>
-      </p:ext>
-    </p:extLst>
-  </p:cSld>
-  <p:clrMapOvr>
-    <a:masterClrMapping/>
-  </p:clrMapOvr>
-</p:notes>
-</file>
-
-<file path=ppt/notesSlides/notesSlide15.xml><?xml version="1.0" encoding="utf-8"?>
-<p:notes xmlns:a="http://schemas.openxmlformats.org/drawingml/2006/main" xmlns:r="http://schemas.openxmlformats.org/officeDocument/2006/relationships" xmlns:p="http://schemas.openxmlformats.org/presentationml/2006/main" showMasterSp="0" showMasterPhAnim="0">
-  <p:cSld>
-    <p:spTree>
-      <p:nvGrpSpPr>
-        <p:cNvPr id="1" name="Shape 82"/>
-        <p:cNvGrpSpPr/>
-        <p:nvPr/>
-      </p:nvGrpSpPr>
-      <p:grpSpPr>
-        <a:xfrm>
-          <a:off x="0" y="0"/>
-          <a:ext cx="0" cy="0"/>
-          <a:chOff x="0" y="0"/>
-          <a:chExt cx="0" cy="0"/>
-        </a:xfrm>
-      </p:grpSpPr>
-      <p:sp>
-        <p:nvSpPr>
-          <p:cNvPr id="83" name="Google Shape;83;g1106072c58a_0_13:notes"/>
-          <p:cNvSpPr>
-            <a:spLocks noGrp="1" noRot="1" noChangeAspect="1"/>
-          </p:cNvSpPr>
-          <p:nvPr>
-            <p:ph type="sldImg" idx="2"/>
-          </p:nvPr>
-        </p:nvSpPr>
-        <p:spPr>
-          <a:xfrm>
-            <a:off x="381000" y="685800"/>
-            <a:ext cx="6096000" cy="3429000"/>
-          </a:xfrm>
-          <a:custGeom>
-            <a:avLst/>
-            <a:gdLst/>
-            <a:ahLst/>
-            <a:cxnLst/>
-            <a:rect l="l" t="t" r="r" b="b"/>
-            <a:pathLst>
-              <a:path w="120000" h="120000" extrusionOk="0">
-                <a:moveTo>
-                  <a:pt x="0" y="0"/>
-                </a:moveTo>
-                <a:lnTo>
-                  <a:pt x="120000" y="0"/>
-                </a:lnTo>
-                <a:lnTo>
-                  <a:pt x="120000" y="120000"/>
-                </a:lnTo>
-                <a:lnTo>
-                  <a:pt x="0" y="120000"/>
-                </a:lnTo>
-                <a:close/>
-              </a:path>
-            </a:pathLst>
-          </a:custGeom>
-        </p:spPr>
-      </p:sp>
-      <p:sp>
-        <p:nvSpPr>
-          <p:cNvPr id="84" name="Google Shape;84;g1106072c58a_0_13:notes"/>
-          <p:cNvSpPr txBox="1">
-            <a:spLocks noGrp="1"/>
-          </p:cNvSpPr>
-          <p:nvPr>
-            <p:ph type="body" idx="1"/>
-          </p:nvPr>
-        </p:nvSpPr>
-        <p:spPr>
-          <a:xfrm>
-            <a:off x="685800" y="4343400"/>
-            <a:ext cx="5486400" cy="4114800"/>
-          </a:xfrm>
-          <a:prstGeom prst="rect">
-            <a:avLst/>
-          </a:prstGeom>
-        </p:spPr>
-        <p:txBody>
-          <a:bodyPr spcFirstLastPara="1" wrap="square" lIns="91425" tIns="91425" rIns="91425" bIns="91425" anchor="t" anchorCtr="0">
-            <a:noAutofit/>
-          </a:bodyPr>
-          <a:lstStyle/>
-          <a:p>
-            <a:pPr marL="0" lvl="0" indent="0" algn="l" rtl="0">
-              <a:spcBef>
-                <a:spcPts val="0"/>
-              </a:spcBef>
-              <a:spcAft>
-                <a:spcPts val="0"/>
-              </a:spcAft>
-              <a:buNone/>
-            </a:pPr>
-            <a:endParaRPr/>
-          </a:p>
-        </p:txBody>
-      </p:sp>
-    </p:spTree>
-    <p:extLst>
-      <p:ext uri="{BB962C8B-B14F-4D97-AF65-F5344CB8AC3E}">
-        <p14:creationId xmlns:p14="http://schemas.microsoft.com/office/powerpoint/2010/main" val="3584769485"/>
-      </p:ext>
-    </p:extLst>
-  </p:cSld>
-  <p:clrMapOvr>
-    <a:masterClrMapping/>
-  </p:clrMapOvr>
-</p:notes>
-</file>
-
-<file path=ppt/notesSlides/notesSlide16.xml><?xml version="1.0" encoding="utf-8"?>
-<p:notes xmlns:a="http://schemas.openxmlformats.org/drawingml/2006/main" xmlns:r="http://schemas.openxmlformats.org/officeDocument/2006/relationships" xmlns:p="http://schemas.openxmlformats.org/presentationml/2006/main" showMasterSp="0" showMasterPhAnim="0">
-  <p:cSld>
-    <p:spTree>
-      <p:nvGrpSpPr>
-        <p:cNvPr id="1" name="Shape 82"/>
-        <p:cNvGrpSpPr/>
-        <p:nvPr/>
-      </p:nvGrpSpPr>
-      <p:grpSpPr>
-        <a:xfrm>
-          <a:off x="0" y="0"/>
-          <a:ext cx="0" cy="0"/>
-          <a:chOff x="0" y="0"/>
-          <a:chExt cx="0" cy="0"/>
-        </a:xfrm>
-      </p:grpSpPr>
-      <p:sp>
-        <p:nvSpPr>
-          <p:cNvPr id="83" name="Google Shape;83;g1106072c58a_0_13:notes"/>
-          <p:cNvSpPr>
-            <a:spLocks noGrp="1" noRot="1" noChangeAspect="1"/>
-          </p:cNvSpPr>
-          <p:nvPr>
-            <p:ph type="sldImg" idx="2"/>
-          </p:nvPr>
-        </p:nvSpPr>
-        <p:spPr>
-          <a:xfrm>
-            <a:off x="381000" y="685800"/>
-            <a:ext cx="6096000" cy="3429000"/>
-          </a:xfrm>
-          <a:custGeom>
-            <a:avLst/>
-            <a:gdLst/>
-            <a:ahLst/>
-            <a:cxnLst/>
-            <a:rect l="l" t="t" r="r" b="b"/>
-            <a:pathLst>
-              <a:path w="120000" h="120000" extrusionOk="0">
-                <a:moveTo>
-                  <a:pt x="0" y="0"/>
-                </a:moveTo>
-                <a:lnTo>
-                  <a:pt x="120000" y="0"/>
-                </a:lnTo>
-                <a:lnTo>
-                  <a:pt x="120000" y="120000"/>
-                </a:lnTo>
-                <a:lnTo>
-                  <a:pt x="0" y="120000"/>
-                </a:lnTo>
-                <a:close/>
-              </a:path>
-            </a:pathLst>
-          </a:custGeom>
-        </p:spPr>
-      </p:sp>
-      <p:sp>
-        <p:nvSpPr>
-          <p:cNvPr id="84" name="Google Shape;84;g1106072c58a_0_13:notes"/>
-          <p:cNvSpPr txBox="1">
-            <a:spLocks noGrp="1"/>
-          </p:cNvSpPr>
-          <p:nvPr>
-            <p:ph type="body" idx="1"/>
-          </p:nvPr>
-        </p:nvSpPr>
-        <p:spPr>
-          <a:xfrm>
-            <a:off x="685800" y="4343400"/>
-            <a:ext cx="5486400" cy="4114800"/>
-          </a:xfrm>
-          <a:prstGeom prst="rect">
-            <a:avLst/>
-          </a:prstGeom>
-        </p:spPr>
-        <p:txBody>
-          <a:bodyPr spcFirstLastPara="1" wrap="square" lIns="91425" tIns="91425" rIns="91425" bIns="91425" anchor="t" anchorCtr="0">
-            <a:noAutofit/>
-          </a:bodyPr>
-          <a:lstStyle/>
-          <a:p>
-            <a:pPr marL="0" lvl="0" indent="0" algn="l" rtl="0">
-              <a:spcBef>
-                <a:spcPts val="0"/>
-              </a:spcBef>
-              <a:spcAft>
-                <a:spcPts val="0"/>
-              </a:spcAft>
-              <a:buNone/>
-            </a:pPr>
-            <a:endParaRPr/>
-          </a:p>
-        </p:txBody>
-      </p:sp>
-    </p:spTree>
-    <p:extLst>
-      <p:ext uri="{BB962C8B-B14F-4D97-AF65-F5344CB8AC3E}">
-        <p14:creationId xmlns:p14="http://schemas.microsoft.com/office/powerpoint/2010/main" val="774386301"/>
-      </p:ext>
-    </p:extLst>
-  </p:cSld>
-  <p:clrMapOvr>
-    <a:masterClrMapping/>
-  </p:clrMapOvr>
-</p:notes>
-</file>
-
-<file path=ppt/notesSlides/notesSlide17.xml><?xml version="1.0" encoding="utf-8"?>
-<p:notes xmlns:a="http://schemas.openxmlformats.org/drawingml/2006/main" xmlns:r="http://schemas.openxmlformats.org/officeDocument/2006/relationships" xmlns:p="http://schemas.openxmlformats.org/presentationml/2006/main" showMasterSp="0" showMasterPhAnim="0">
-  <p:cSld>
-    <p:spTree>
-      <p:nvGrpSpPr>
-        <p:cNvPr id="1" name="Shape 82"/>
-        <p:cNvGrpSpPr/>
-        <p:nvPr/>
-      </p:nvGrpSpPr>
-      <p:grpSpPr>
-        <a:xfrm>
-          <a:off x="0" y="0"/>
-          <a:ext cx="0" cy="0"/>
-          <a:chOff x="0" y="0"/>
-          <a:chExt cx="0" cy="0"/>
-        </a:xfrm>
-      </p:grpSpPr>
-      <p:sp>
-        <p:nvSpPr>
-          <p:cNvPr id="83" name="Google Shape;83;g1106072c58a_0_13:notes"/>
-          <p:cNvSpPr>
-            <a:spLocks noGrp="1" noRot="1" noChangeAspect="1"/>
-          </p:cNvSpPr>
-          <p:nvPr>
-            <p:ph type="sldImg" idx="2"/>
-          </p:nvPr>
-        </p:nvSpPr>
-        <p:spPr>
-          <a:xfrm>
-            <a:off x="381000" y="685800"/>
-            <a:ext cx="6096000" cy="3429000"/>
-          </a:xfrm>
-          <a:custGeom>
-            <a:avLst/>
-            <a:gdLst/>
-            <a:ahLst/>
-            <a:cxnLst/>
-            <a:rect l="l" t="t" r="r" b="b"/>
-            <a:pathLst>
-              <a:path w="120000" h="120000" extrusionOk="0">
-                <a:moveTo>
-                  <a:pt x="0" y="0"/>
-                </a:moveTo>
-                <a:lnTo>
-                  <a:pt x="120000" y="0"/>
-                </a:lnTo>
-                <a:lnTo>
-                  <a:pt x="120000" y="120000"/>
-                </a:lnTo>
-                <a:lnTo>
-                  <a:pt x="0" y="120000"/>
-                </a:lnTo>
-                <a:close/>
-              </a:path>
-            </a:pathLst>
-          </a:custGeom>
-        </p:spPr>
-      </p:sp>
-      <p:sp>
-        <p:nvSpPr>
-          <p:cNvPr id="84" name="Google Shape;84;g1106072c58a_0_13:notes"/>
-          <p:cNvSpPr txBox="1">
-            <a:spLocks noGrp="1"/>
-          </p:cNvSpPr>
-          <p:nvPr>
-            <p:ph type="body" idx="1"/>
-          </p:nvPr>
-        </p:nvSpPr>
-        <p:spPr>
-          <a:xfrm>
-            <a:off x="685800" y="4343400"/>
-            <a:ext cx="5486400" cy="4114800"/>
-          </a:xfrm>
-          <a:prstGeom prst="rect">
-            <a:avLst/>
-          </a:prstGeom>
-        </p:spPr>
-        <p:txBody>
-          <a:bodyPr spcFirstLastPara="1" wrap="square" lIns="91425" tIns="91425" rIns="91425" bIns="91425" anchor="t" anchorCtr="0">
-            <a:noAutofit/>
-          </a:bodyPr>
-          <a:lstStyle/>
-          <a:p>
-            <a:pPr marL="0" lvl="0" indent="0" algn="l" rtl="0">
-              <a:spcBef>
-                <a:spcPts val="0"/>
-              </a:spcBef>
-              <a:spcAft>
-                <a:spcPts val="0"/>
-              </a:spcAft>
-              <a:buNone/>
-            </a:pPr>
-            <a:endParaRPr/>
-          </a:p>
-        </p:txBody>
-      </p:sp>
-    </p:spTree>
-    <p:extLst>
-      <p:ext uri="{BB962C8B-B14F-4D97-AF65-F5344CB8AC3E}">
-        <p14:creationId xmlns:p14="http://schemas.microsoft.com/office/powerpoint/2010/main" val="3705024366"/>
-      </p:ext>
-    </p:extLst>
-  </p:cSld>
-  <p:clrMapOvr>
-    <a:masterClrMapping/>
-  </p:clrMapOvr>
-</p:notes>
-</file>
-
-<file path=ppt/notesSlides/notesSlide18.xml><?xml version="1.0" encoding="utf-8"?>
-<p:notes xmlns:a="http://schemas.openxmlformats.org/drawingml/2006/main" xmlns:r="http://schemas.openxmlformats.org/officeDocument/2006/relationships" xmlns:p="http://schemas.openxmlformats.org/presentationml/2006/main" showMasterSp="0" showMasterPhAnim="0">
-  <p:cSld>
-    <p:spTree>
-      <p:nvGrpSpPr>
         <p:cNvPr id="1" name="Shape 50"/>
         <p:cNvGrpSpPr/>
         <p:nvPr/>
@@ -2332,7 +1457,7 @@
     </p:spTree>
     <p:extLst>
       <p:ext uri="{BB962C8B-B14F-4D97-AF65-F5344CB8AC3E}">
-        <p14:creationId xmlns:p14="http://schemas.microsoft.com/office/powerpoint/2010/main" val="2152006852"/>
+        <p14:creationId xmlns:p14="http://schemas.microsoft.com/office/powerpoint/2010/main" val="2759411670"/>
       </p:ext>
     </p:extLst>
   </p:cSld>
@@ -2441,7 +1566,7 @@
     </p:spTree>
     <p:extLst>
       <p:ext uri="{BB962C8B-B14F-4D97-AF65-F5344CB8AC3E}">
-        <p14:creationId xmlns:p14="http://schemas.microsoft.com/office/powerpoint/2010/main" val="2759411670"/>
+        <p14:creationId xmlns:p14="http://schemas.microsoft.com/office/powerpoint/2010/main" val="1822950220"/>
       </p:ext>
     </p:extLst>
   </p:cSld>
@@ -2550,7 +1675,7 @@
     </p:spTree>
     <p:extLst>
       <p:ext uri="{BB962C8B-B14F-4D97-AF65-F5344CB8AC3E}">
-        <p14:creationId xmlns:p14="http://schemas.microsoft.com/office/powerpoint/2010/main" val="3129139383"/>
+        <p14:creationId xmlns:p14="http://schemas.microsoft.com/office/powerpoint/2010/main" val="3584769485"/>
       </p:ext>
     </p:extLst>
   </p:cSld>
@@ -2659,7 +1784,7 @@
     </p:spTree>
     <p:extLst>
       <p:ext uri="{BB962C8B-B14F-4D97-AF65-F5344CB8AC3E}">
-        <p14:creationId xmlns:p14="http://schemas.microsoft.com/office/powerpoint/2010/main" val="1416931723"/>
+        <p14:creationId xmlns:p14="http://schemas.microsoft.com/office/powerpoint/2010/main" val="3705024366"/>
       </p:ext>
     </p:extLst>
   </p:cSld>
@@ -7503,3185 +6628,6 @@
   <p:cSld>
     <p:spTree>
       <p:nvGrpSpPr>
-        <p:cNvPr id="1" name="Shape 85"/>
-        <p:cNvGrpSpPr/>
-        <p:nvPr/>
-      </p:nvGrpSpPr>
-      <p:grpSpPr>
-        <a:xfrm>
-          <a:off x="0" y="0"/>
-          <a:ext cx="0" cy="0"/>
-          <a:chOff x="0" y="0"/>
-          <a:chExt cx="0" cy="0"/>
-        </a:xfrm>
-      </p:grpSpPr>
-      <p:sp>
-        <p:nvSpPr>
-          <p:cNvPr id="86" name="Google Shape;86;p17"/>
-          <p:cNvSpPr txBox="1">
-            <a:spLocks noGrp="1"/>
-          </p:cNvSpPr>
-          <p:nvPr>
-            <p:ph type="title"/>
-          </p:nvPr>
-        </p:nvSpPr>
-        <p:spPr>
-          <a:xfrm>
-            <a:off x="311700" y="445025"/>
-            <a:ext cx="8520600" cy="572700"/>
-          </a:xfrm>
-          <a:prstGeom prst="rect">
-            <a:avLst/>
-          </a:prstGeom>
-        </p:spPr>
-        <p:txBody>
-          <a:bodyPr spcFirstLastPara="1" wrap="square" lIns="91425" tIns="91425" rIns="91425" bIns="91425" anchor="t" anchorCtr="0">
-            <a:normAutofit fontScale="90000"/>
-          </a:bodyPr>
-          <a:lstStyle/>
-          <a:p>
-            <a:pPr marL="0" lvl="0" indent="0" algn="l" rtl="0">
-              <a:spcBef>
-                <a:spcPts val="0"/>
-              </a:spcBef>
-              <a:spcAft>
-                <a:spcPts val="0"/>
-              </a:spcAft>
-              <a:buNone/>
-            </a:pPr>
-            <a:endParaRPr/>
-          </a:p>
-        </p:txBody>
-      </p:sp>
-      <p:sp>
-        <p:nvSpPr>
-          <p:cNvPr id="87" name="Google Shape;87;p17"/>
-          <p:cNvSpPr txBox="1">
-            <a:spLocks noGrp="1"/>
-          </p:cNvSpPr>
-          <p:nvPr>
-            <p:ph type="body" idx="1"/>
-          </p:nvPr>
-        </p:nvSpPr>
-        <p:spPr>
-          <a:xfrm>
-            <a:off x="311700" y="1152475"/>
-            <a:ext cx="8520600" cy="3416400"/>
-          </a:xfrm>
-          <a:prstGeom prst="rect">
-            <a:avLst/>
-          </a:prstGeom>
-        </p:spPr>
-        <p:txBody>
-          <a:bodyPr spcFirstLastPara="1" wrap="square" lIns="91425" tIns="91425" rIns="91425" bIns="91425" anchor="t" anchorCtr="0">
-            <a:normAutofit/>
-          </a:bodyPr>
-          <a:lstStyle/>
-          <a:p>
-            <a:pPr marL="0" lvl="0" indent="0" algn="l" rtl="0">
-              <a:spcBef>
-                <a:spcPts val="0"/>
-              </a:spcBef>
-              <a:spcAft>
-                <a:spcPts val="1200"/>
-              </a:spcAft>
-              <a:buNone/>
-            </a:pPr>
-            <a:endParaRPr/>
-          </a:p>
-        </p:txBody>
-      </p:sp>
-      <p:pic>
-        <p:nvPicPr>
-          <p:cNvPr id="88" name="Google Shape;88;p17"/>
-          <p:cNvPicPr preferRelativeResize="0"/>
-          <p:nvPr/>
-        </p:nvPicPr>
-        <p:blipFill>
-          <a:blip r:embed="rId3">
-            <a:alphaModFix/>
-          </a:blip>
-          <a:stretch>
-            <a:fillRect/>
-          </a:stretch>
-        </p:blipFill>
-        <p:spPr>
-          <a:xfrm>
-            <a:off x="0" y="0"/>
-            <a:ext cx="9144003" cy="5143501"/>
-          </a:xfrm>
-          <a:prstGeom prst="rect">
-            <a:avLst/>
-          </a:prstGeom>
-          <a:noFill/>
-          <a:ln>
-            <a:noFill/>
-          </a:ln>
-        </p:spPr>
-      </p:pic>
-      <p:sp>
-        <p:nvSpPr>
-          <p:cNvPr id="6" name="Google Shape;595;p17">
-            <a:extLst>
-              <a:ext uri="{FF2B5EF4-FFF2-40B4-BE49-F238E27FC236}">
-                <a16:creationId xmlns:a16="http://schemas.microsoft.com/office/drawing/2014/main" id="{F130A763-8215-40A3-99CE-15755CF72539}"/>
-              </a:ext>
-            </a:extLst>
-          </p:cNvPr>
-          <p:cNvSpPr txBox="1"/>
-          <p:nvPr/>
-        </p:nvSpPr>
-        <p:spPr>
-          <a:xfrm>
-            <a:off x="311700" y="1246538"/>
-            <a:ext cx="8520600" cy="3451937"/>
-          </a:xfrm>
-          <a:prstGeom prst="rect">
-            <a:avLst/>
-          </a:prstGeom>
-          <a:noFill/>
-          <a:ln>
-            <a:noFill/>
-          </a:ln>
-        </p:spPr>
-        <p:txBody>
-          <a:bodyPr wrap="square" lIns="0" tIns="0" rIns="0" bIns="0" anchor="t" anchorCtr="0">
-            <a:noAutofit/>
-          </a:bodyPr>
-          <a:lstStyle>
-            <a:defPPr marR="0" lvl="0" algn="l" rtl="0">
-              <a:lnSpc>
-                <a:spcPct val="100000"/>
-              </a:lnSpc>
-              <a:spcBef>
-                <a:spcPts val="0"/>
-              </a:spcBef>
-              <a:spcAft>
-                <a:spcPts val="0"/>
-              </a:spcAft>
-            </a:defPPr>
-            <a:lvl1pPr marL="457200" marR="0" lvl="0" indent="-342900" algn="l" rtl="0">
-              <a:lnSpc>
-                <a:spcPct val="110000"/>
-              </a:lnSpc>
-              <a:spcBef>
-                <a:spcPts val="600"/>
-              </a:spcBef>
-              <a:spcAft>
-                <a:spcPts val="0"/>
-              </a:spcAft>
-              <a:buClr>
-                <a:schemeClr val="accent1"/>
-              </a:buClr>
-              <a:buSzPts val="1800"/>
-              <a:buFont typeface="Barlow Light"/>
-              <a:buChar char="▸"/>
-              <a:defRPr sz="2000" b="0" i="0" u="none" strike="noStrike" cap="none">
-                <a:solidFill>
-                  <a:schemeClr val="dk1"/>
-                </a:solidFill>
-                <a:latin typeface="Barlow Light"/>
-                <a:ea typeface="Barlow Light"/>
-                <a:cs typeface="Barlow Light"/>
-                <a:sym typeface="Barlow Light"/>
-              </a:defRPr>
-            </a:lvl1pPr>
-            <a:lvl2pPr marL="914400" marR="0" lvl="1" indent="-342900" algn="l" rtl="0">
-              <a:lnSpc>
-                <a:spcPct val="110000"/>
-              </a:lnSpc>
-              <a:spcBef>
-                <a:spcPts val="600"/>
-              </a:spcBef>
-              <a:spcAft>
-                <a:spcPts val="0"/>
-              </a:spcAft>
-              <a:buClr>
-                <a:schemeClr val="accent1"/>
-              </a:buClr>
-              <a:buSzPts val="1800"/>
-              <a:buFont typeface="Barlow Light"/>
-              <a:buChar char="▹"/>
-              <a:defRPr sz="2000" b="0" i="0" u="none" strike="noStrike" cap="none">
-                <a:solidFill>
-                  <a:schemeClr val="dk1"/>
-                </a:solidFill>
-                <a:latin typeface="Barlow Light"/>
-                <a:ea typeface="Barlow Light"/>
-                <a:cs typeface="Barlow Light"/>
-                <a:sym typeface="Barlow Light"/>
-              </a:defRPr>
-            </a:lvl2pPr>
-            <a:lvl3pPr marL="1371600" marR="0" lvl="2" indent="-342900" algn="l" rtl="0">
-              <a:lnSpc>
-                <a:spcPct val="110000"/>
-              </a:lnSpc>
-              <a:spcBef>
-                <a:spcPts val="600"/>
-              </a:spcBef>
-              <a:spcAft>
-                <a:spcPts val="0"/>
-              </a:spcAft>
-              <a:buClr>
-                <a:schemeClr val="accent1"/>
-              </a:buClr>
-              <a:buSzPts val="1800"/>
-              <a:buFont typeface="Barlow Light"/>
-              <a:buChar char="▹"/>
-              <a:defRPr sz="2000" b="0" i="0" u="none" strike="noStrike" cap="none">
-                <a:solidFill>
-                  <a:schemeClr val="dk1"/>
-                </a:solidFill>
-                <a:latin typeface="Barlow Light"/>
-                <a:ea typeface="Barlow Light"/>
-                <a:cs typeface="Barlow Light"/>
-                <a:sym typeface="Barlow Light"/>
-              </a:defRPr>
-            </a:lvl3pPr>
-            <a:lvl4pPr marL="1828800" marR="0" lvl="3" indent="-355600" algn="l" rtl="0">
-              <a:lnSpc>
-                <a:spcPct val="110000"/>
-              </a:lnSpc>
-              <a:spcBef>
-                <a:spcPts val="600"/>
-              </a:spcBef>
-              <a:spcAft>
-                <a:spcPts val="0"/>
-              </a:spcAft>
-              <a:buClr>
-                <a:schemeClr val="dk1"/>
-              </a:buClr>
-              <a:buSzPts val="2000"/>
-              <a:buFont typeface="Barlow Light"/>
-              <a:buChar char="▹"/>
-              <a:defRPr sz="2000" b="0" i="0" u="none" strike="noStrike" cap="none">
-                <a:solidFill>
-                  <a:schemeClr val="dk1"/>
-                </a:solidFill>
-                <a:latin typeface="Barlow Light"/>
-                <a:ea typeface="Barlow Light"/>
-                <a:cs typeface="Barlow Light"/>
-                <a:sym typeface="Barlow Light"/>
-              </a:defRPr>
-            </a:lvl4pPr>
-            <a:lvl5pPr marL="2286000" marR="0" lvl="4" indent="-355600" algn="l" rtl="0">
-              <a:lnSpc>
-                <a:spcPct val="110000"/>
-              </a:lnSpc>
-              <a:spcBef>
-                <a:spcPts val="600"/>
-              </a:spcBef>
-              <a:spcAft>
-                <a:spcPts val="0"/>
-              </a:spcAft>
-              <a:buClr>
-                <a:schemeClr val="dk1"/>
-              </a:buClr>
-              <a:buSzPts val="2000"/>
-              <a:buFont typeface="Barlow Light"/>
-              <a:buChar char="▹"/>
-              <a:defRPr sz="2000" b="0" i="0" u="none" strike="noStrike" cap="none">
-                <a:solidFill>
-                  <a:schemeClr val="dk1"/>
-                </a:solidFill>
-                <a:latin typeface="Barlow Light"/>
-                <a:ea typeface="Barlow Light"/>
-                <a:cs typeface="Barlow Light"/>
-                <a:sym typeface="Barlow Light"/>
-              </a:defRPr>
-            </a:lvl5pPr>
-            <a:lvl6pPr marL="2743200" marR="0" lvl="5" indent="-355600" algn="l" rtl="0">
-              <a:lnSpc>
-                <a:spcPct val="110000"/>
-              </a:lnSpc>
-              <a:spcBef>
-                <a:spcPts val="600"/>
-              </a:spcBef>
-              <a:spcAft>
-                <a:spcPts val="0"/>
-              </a:spcAft>
-              <a:buClr>
-                <a:schemeClr val="dk1"/>
-              </a:buClr>
-              <a:buSzPts val="2000"/>
-              <a:buFont typeface="Barlow Light"/>
-              <a:buChar char="▹"/>
-              <a:defRPr sz="2000" b="0" i="0" u="none" strike="noStrike" cap="none">
-                <a:solidFill>
-                  <a:schemeClr val="dk1"/>
-                </a:solidFill>
-                <a:latin typeface="Barlow Light"/>
-                <a:ea typeface="Barlow Light"/>
-                <a:cs typeface="Barlow Light"/>
-                <a:sym typeface="Barlow Light"/>
-              </a:defRPr>
-            </a:lvl6pPr>
-            <a:lvl7pPr marL="3200400" marR="0" lvl="6" indent="-355600" algn="l" rtl="0">
-              <a:lnSpc>
-                <a:spcPct val="110000"/>
-              </a:lnSpc>
-              <a:spcBef>
-                <a:spcPts val="600"/>
-              </a:spcBef>
-              <a:spcAft>
-                <a:spcPts val="0"/>
-              </a:spcAft>
-              <a:buClr>
-                <a:schemeClr val="dk1"/>
-              </a:buClr>
-              <a:buSzPts val="2000"/>
-              <a:buFont typeface="Barlow Light"/>
-              <a:buChar char="▹"/>
-              <a:defRPr sz="2000" b="0" i="0" u="none" strike="noStrike" cap="none">
-                <a:solidFill>
-                  <a:schemeClr val="dk1"/>
-                </a:solidFill>
-                <a:latin typeface="Barlow Light"/>
-                <a:ea typeface="Barlow Light"/>
-                <a:cs typeface="Barlow Light"/>
-                <a:sym typeface="Barlow Light"/>
-              </a:defRPr>
-            </a:lvl7pPr>
-            <a:lvl8pPr marL="3657600" marR="0" lvl="7" indent="-355600" algn="l" rtl="0">
-              <a:lnSpc>
-                <a:spcPct val="110000"/>
-              </a:lnSpc>
-              <a:spcBef>
-                <a:spcPts val="600"/>
-              </a:spcBef>
-              <a:spcAft>
-                <a:spcPts val="0"/>
-              </a:spcAft>
-              <a:buClr>
-                <a:schemeClr val="dk1"/>
-              </a:buClr>
-              <a:buSzPts val="2000"/>
-              <a:buFont typeface="Barlow Light"/>
-              <a:buChar char="▹"/>
-              <a:defRPr sz="2000" b="0" i="0" u="none" strike="noStrike" cap="none">
-                <a:solidFill>
-                  <a:schemeClr val="dk1"/>
-                </a:solidFill>
-                <a:latin typeface="Barlow Light"/>
-                <a:ea typeface="Barlow Light"/>
-                <a:cs typeface="Barlow Light"/>
-                <a:sym typeface="Barlow Light"/>
-              </a:defRPr>
-            </a:lvl8pPr>
-            <a:lvl9pPr marL="4114800" marR="0" lvl="8" indent="-355600" algn="l" rtl="0">
-              <a:lnSpc>
-                <a:spcPct val="110000"/>
-              </a:lnSpc>
-              <a:spcBef>
-                <a:spcPts val="600"/>
-              </a:spcBef>
-              <a:spcAft>
-                <a:spcPts val="0"/>
-              </a:spcAft>
-              <a:buClr>
-                <a:schemeClr val="dk1"/>
-              </a:buClr>
-              <a:buSzPts val="2000"/>
-              <a:buFont typeface="Barlow Light"/>
-              <a:buChar char="▹"/>
-              <a:defRPr sz="2000" b="0" i="0" u="none" strike="noStrike" cap="none">
-                <a:solidFill>
-                  <a:schemeClr val="dk1"/>
-                </a:solidFill>
-                <a:latin typeface="Barlow Light"/>
-                <a:ea typeface="Barlow Light"/>
-                <a:cs typeface="Barlow Light"/>
-                <a:sym typeface="Barlow Light"/>
-              </a:defRPr>
-            </a:lvl9pPr>
-          </a:lstStyle>
-          <a:p>
-            <a:pPr marL="457200" lvl="0" indent="-342900" algn="l" rtl="0">
-              <a:spcBef>
-                <a:spcPts val="600"/>
-              </a:spcBef>
-              <a:spcAft>
-                <a:spcPts val="0"/>
-              </a:spcAft>
-              <a:buSzPts val="1800"/>
-              <a:buChar char="▸"/>
-            </a:pPr>
-            <a:endParaRPr lang="en-US" dirty="0">
-              <a:solidFill>
-                <a:schemeClr val="bg1"/>
-              </a:solidFill>
-            </a:endParaRPr>
-          </a:p>
-          <a:p>
-            <a:pPr lvl="1">
-              <a:buChar char="▸"/>
-            </a:pPr>
-            <a:r>
-              <a:rPr lang="en-US" dirty="0">
-                <a:solidFill>
-                  <a:schemeClr val="bg1"/>
-                </a:solidFill>
-              </a:rPr>
-              <a:t>Ephemeral state (sometimes called UI state or local state) is the state you can neatly contain in a single widget</a:t>
-            </a:r>
-          </a:p>
-          <a:p>
-            <a:pPr lvl="2">
-              <a:buChar char="▸"/>
-            </a:pPr>
-            <a:r>
-              <a:rPr lang="en-US" dirty="0">
-                <a:solidFill>
-                  <a:schemeClr val="bg1"/>
-                </a:solidFill>
-              </a:rPr>
-              <a:t>Like : index of </a:t>
-            </a:r>
-            <a:r>
-              <a:rPr lang="en-US" dirty="0" err="1">
-                <a:solidFill>
-                  <a:schemeClr val="bg1"/>
-                </a:solidFill>
-              </a:rPr>
-              <a:t>PageView</a:t>
-            </a:r>
-            <a:r>
-              <a:rPr lang="en-US" dirty="0">
-                <a:solidFill>
-                  <a:schemeClr val="bg1"/>
-                </a:solidFill>
-              </a:rPr>
-              <a:t>, current Selected Tab in</a:t>
-            </a:r>
-          </a:p>
-          <a:p>
-            <a:pPr marL="1473200" lvl="3" indent="0">
-              <a:buNone/>
-            </a:pPr>
-            <a:r>
-              <a:rPr lang="en-GB" dirty="0">
-                <a:solidFill>
-                  <a:schemeClr val="bg1"/>
-                </a:solidFill>
-              </a:rPr>
-              <a:t> a  </a:t>
-            </a:r>
-            <a:r>
-              <a:rPr lang="en-GB" dirty="0" err="1">
-                <a:solidFill>
-                  <a:schemeClr val="bg1"/>
-                </a:solidFill>
-              </a:rPr>
-              <a:t>BottomNavigationBar</a:t>
-            </a:r>
-            <a:r>
-              <a:rPr lang="en-GB" dirty="0">
-                <a:solidFill>
-                  <a:schemeClr val="bg1"/>
-                </a:solidFill>
-              </a:rPr>
-              <a:t>.</a:t>
-            </a:r>
-          </a:p>
-          <a:p>
-            <a:pPr marL="1473200" lvl="3" indent="0">
-              <a:buNone/>
-            </a:pPr>
-            <a:endParaRPr lang="en-GB" dirty="0">
-              <a:solidFill>
-                <a:schemeClr val="bg1"/>
-              </a:solidFill>
-            </a:endParaRPr>
-          </a:p>
-          <a:p>
-            <a:pPr lvl="1">
-              <a:buFont typeface="Barlow Light"/>
-              <a:buChar char="▸"/>
-            </a:pPr>
-            <a:r>
-              <a:rPr lang="en-GB" dirty="0">
-                <a:solidFill>
-                  <a:schemeClr val="bg1"/>
-                </a:solidFill>
-              </a:rPr>
-              <a:t>There is no need to use state management techniques on this kind of state, All you need is </a:t>
-            </a:r>
-            <a:r>
-              <a:rPr lang="en-GB" dirty="0" err="1">
-                <a:solidFill>
-                  <a:schemeClr val="bg1"/>
-                </a:solidFill>
-              </a:rPr>
-              <a:t>StatefulWidget</a:t>
-            </a:r>
-            <a:r>
-              <a:rPr lang="en-GB" dirty="0">
-                <a:solidFill>
-                  <a:schemeClr val="bg1"/>
-                </a:solidFill>
-              </a:rPr>
-              <a:t> (</a:t>
-            </a:r>
-            <a:r>
-              <a:rPr lang="en-GB" dirty="0" err="1">
-                <a:solidFill>
-                  <a:schemeClr val="bg1"/>
-                </a:solidFill>
-              </a:rPr>
-              <a:t>setState</a:t>
-            </a:r>
-            <a:r>
-              <a:rPr lang="en-GB" dirty="0">
-                <a:solidFill>
-                  <a:schemeClr val="bg1"/>
-                </a:solidFill>
-              </a:rPr>
-              <a:t> is enough).</a:t>
-            </a:r>
-          </a:p>
-          <a:p>
-            <a:pPr marL="571500" lvl="1" indent="0">
-              <a:buNone/>
-            </a:pPr>
-            <a:endParaRPr lang="en-GB" dirty="0">
-              <a:solidFill>
-                <a:schemeClr val="bg1"/>
-              </a:solidFill>
-            </a:endParaRPr>
-          </a:p>
-          <a:p>
-            <a:pPr marL="114300" lvl="0" indent="0" algn="l" rtl="0">
-              <a:spcBef>
-                <a:spcPts val="600"/>
-              </a:spcBef>
-              <a:spcAft>
-                <a:spcPts val="0"/>
-              </a:spcAft>
-              <a:buSzPts val="1800"/>
-              <a:buNone/>
-            </a:pPr>
-            <a:r>
-              <a:rPr lang="en-GB" dirty="0">
-                <a:solidFill>
-                  <a:schemeClr val="bg1"/>
-                </a:solidFill>
-              </a:rPr>
-              <a:t>	</a:t>
-            </a:r>
-          </a:p>
-        </p:txBody>
-      </p:sp>
-      <p:sp>
-        <p:nvSpPr>
-          <p:cNvPr id="7" name="ZoneTexte 6">
-            <a:extLst>
-              <a:ext uri="{FF2B5EF4-FFF2-40B4-BE49-F238E27FC236}">
-                <a16:creationId xmlns:a16="http://schemas.microsoft.com/office/drawing/2014/main" id="{A88213E6-6934-4B6E-823F-61A872EAE5A8}"/>
-              </a:ext>
-            </a:extLst>
-          </p:cNvPr>
-          <p:cNvSpPr txBox="1"/>
-          <p:nvPr/>
-        </p:nvSpPr>
-        <p:spPr>
-          <a:xfrm>
-            <a:off x="1665249" y="137678"/>
-            <a:ext cx="5813501" cy="707886"/>
-          </a:xfrm>
-          <a:prstGeom prst="rect">
-            <a:avLst/>
-          </a:prstGeom>
-          <a:noFill/>
-        </p:spPr>
-        <p:txBody>
-          <a:bodyPr wrap="square">
-            <a:spAutoFit/>
-          </a:bodyPr>
-          <a:lstStyle/>
-          <a:p>
-            <a:pPr algn="ctr"/>
-            <a:r>
-              <a:rPr lang="en-GB" sz="4000" dirty="0">
-                <a:solidFill>
-                  <a:schemeClr val="bg1"/>
-                </a:solidFill>
-              </a:rPr>
-              <a:t>Ephemeral state</a:t>
-            </a:r>
-          </a:p>
-        </p:txBody>
-      </p:sp>
-    </p:spTree>
-    <p:extLst>
-      <p:ext uri="{BB962C8B-B14F-4D97-AF65-F5344CB8AC3E}">
-        <p14:creationId xmlns:p14="http://schemas.microsoft.com/office/powerpoint/2010/main" val="4003509709"/>
-      </p:ext>
-    </p:extLst>
-  </p:cSld>
-  <p:clrMapOvr>
-    <a:masterClrMapping/>
-  </p:clrMapOvr>
-</p:sld>
-</file>
-
-<file path=ppt/slides/slide11.xml><?xml version="1.0" encoding="utf-8"?>
-<p:sld xmlns:a="http://schemas.openxmlformats.org/drawingml/2006/main" xmlns:r="http://schemas.openxmlformats.org/officeDocument/2006/relationships" xmlns:p="http://schemas.openxmlformats.org/presentationml/2006/main">
-  <p:cSld>
-    <p:spTree>
-      <p:nvGrpSpPr>
-        <p:cNvPr id="1" name="Shape 85"/>
-        <p:cNvGrpSpPr/>
-        <p:nvPr/>
-      </p:nvGrpSpPr>
-      <p:grpSpPr>
-        <a:xfrm>
-          <a:off x="0" y="0"/>
-          <a:ext cx="0" cy="0"/>
-          <a:chOff x="0" y="0"/>
-          <a:chExt cx="0" cy="0"/>
-        </a:xfrm>
-      </p:grpSpPr>
-      <p:sp>
-        <p:nvSpPr>
-          <p:cNvPr id="86" name="Google Shape;86;p17"/>
-          <p:cNvSpPr txBox="1">
-            <a:spLocks noGrp="1"/>
-          </p:cNvSpPr>
-          <p:nvPr>
-            <p:ph type="title"/>
-          </p:nvPr>
-        </p:nvSpPr>
-        <p:spPr>
-          <a:xfrm>
-            <a:off x="311700" y="445025"/>
-            <a:ext cx="8520600" cy="572700"/>
-          </a:xfrm>
-          <a:prstGeom prst="rect">
-            <a:avLst/>
-          </a:prstGeom>
-        </p:spPr>
-        <p:txBody>
-          <a:bodyPr spcFirstLastPara="1" wrap="square" lIns="91425" tIns="91425" rIns="91425" bIns="91425" anchor="t" anchorCtr="0">
-            <a:normAutofit fontScale="90000"/>
-          </a:bodyPr>
-          <a:lstStyle/>
-          <a:p>
-            <a:pPr marL="0" lvl="0" indent="0" algn="l" rtl="0">
-              <a:spcBef>
-                <a:spcPts val="0"/>
-              </a:spcBef>
-              <a:spcAft>
-                <a:spcPts val="0"/>
-              </a:spcAft>
-              <a:buNone/>
-            </a:pPr>
-            <a:endParaRPr/>
-          </a:p>
-        </p:txBody>
-      </p:sp>
-      <p:sp>
-        <p:nvSpPr>
-          <p:cNvPr id="87" name="Google Shape;87;p17"/>
-          <p:cNvSpPr txBox="1">
-            <a:spLocks noGrp="1"/>
-          </p:cNvSpPr>
-          <p:nvPr>
-            <p:ph type="body" idx="1"/>
-          </p:nvPr>
-        </p:nvSpPr>
-        <p:spPr>
-          <a:xfrm>
-            <a:off x="311700" y="1152475"/>
-            <a:ext cx="8520600" cy="3416400"/>
-          </a:xfrm>
-          <a:prstGeom prst="rect">
-            <a:avLst/>
-          </a:prstGeom>
-        </p:spPr>
-        <p:txBody>
-          <a:bodyPr spcFirstLastPara="1" wrap="square" lIns="91425" tIns="91425" rIns="91425" bIns="91425" anchor="t" anchorCtr="0">
-            <a:normAutofit/>
-          </a:bodyPr>
-          <a:lstStyle/>
-          <a:p>
-            <a:pPr marL="0" lvl="0" indent="0" algn="l" rtl="0">
-              <a:spcBef>
-                <a:spcPts val="0"/>
-              </a:spcBef>
-              <a:spcAft>
-                <a:spcPts val="1200"/>
-              </a:spcAft>
-              <a:buNone/>
-            </a:pPr>
-            <a:endParaRPr/>
-          </a:p>
-        </p:txBody>
-      </p:sp>
-      <p:pic>
-        <p:nvPicPr>
-          <p:cNvPr id="88" name="Google Shape;88;p17"/>
-          <p:cNvPicPr preferRelativeResize="0"/>
-          <p:nvPr/>
-        </p:nvPicPr>
-        <p:blipFill>
-          <a:blip r:embed="rId3">
-            <a:alphaModFix/>
-          </a:blip>
-          <a:stretch>
-            <a:fillRect/>
-          </a:stretch>
-        </p:blipFill>
-        <p:spPr>
-          <a:xfrm>
-            <a:off x="0" y="0"/>
-            <a:ext cx="9144003" cy="5143501"/>
-          </a:xfrm>
-          <a:prstGeom prst="rect">
-            <a:avLst/>
-          </a:prstGeom>
-          <a:noFill/>
-          <a:ln>
-            <a:noFill/>
-          </a:ln>
-        </p:spPr>
-      </p:pic>
-      <p:sp>
-        <p:nvSpPr>
-          <p:cNvPr id="6" name="Google Shape;595;p17">
-            <a:extLst>
-              <a:ext uri="{FF2B5EF4-FFF2-40B4-BE49-F238E27FC236}">
-                <a16:creationId xmlns:a16="http://schemas.microsoft.com/office/drawing/2014/main" id="{F130A763-8215-40A3-99CE-15755CF72539}"/>
-              </a:ext>
-            </a:extLst>
-          </p:cNvPr>
-          <p:cNvSpPr txBox="1"/>
-          <p:nvPr/>
-        </p:nvSpPr>
-        <p:spPr>
-          <a:xfrm>
-            <a:off x="311700" y="1246538"/>
-            <a:ext cx="8520600" cy="3451937"/>
-          </a:xfrm>
-          <a:prstGeom prst="rect">
-            <a:avLst/>
-          </a:prstGeom>
-          <a:noFill/>
-          <a:ln>
-            <a:noFill/>
-          </a:ln>
-        </p:spPr>
-        <p:txBody>
-          <a:bodyPr wrap="square" lIns="0" tIns="0" rIns="0" bIns="0" anchor="t" anchorCtr="0">
-            <a:noAutofit/>
-          </a:bodyPr>
-          <a:lstStyle>
-            <a:defPPr marR="0" lvl="0" algn="l" rtl="0">
-              <a:lnSpc>
-                <a:spcPct val="100000"/>
-              </a:lnSpc>
-              <a:spcBef>
-                <a:spcPts val="0"/>
-              </a:spcBef>
-              <a:spcAft>
-                <a:spcPts val="0"/>
-              </a:spcAft>
-            </a:defPPr>
-            <a:lvl1pPr marL="457200" marR="0" lvl="0" indent="-342900" algn="l" rtl="0">
-              <a:lnSpc>
-                <a:spcPct val="110000"/>
-              </a:lnSpc>
-              <a:spcBef>
-                <a:spcPts val="600"/>
-              </a:spcBef>
-              <a:spcAft>
-                <a:spcPts val="0"/>
-              </a:spcAft>
-              <a:buClr>
-                <a:schemeClr val="accent1"/>
-              </a:buClr>
-              <a:buSzPts val="1800"/>
-              <a:buFont typeface="Barlow Light"/>
-              <a:buChar char="▸"/>
-              <a:defRPr sz="2000" b="0" i="0" u="none" strike="noStrike" cap="none">
-                <a:solidFill>
-                  <a:schemeClr val="dk1"/>
-                </a:solidFill>
-                <a:latin typeface="Barlow Light"/>
-                <a:ea typeface="Barlow Light"/>
-                <a:cs typeface="Barlow Light"/>
-                <a:sym typeface="Barlow Light"/>
-              </a:defRPr>
-            </a:lvl1pPr>
-            <a:lvl2pPr marL="914400" marR="0" lvl="1" indent="-342900" algn="l" rtl="0">
-              <a:lnSpc>
-                <a:spcPct val="110000"/>
-              </a:lnSpc>
-              <a:spcBef>
-                <a:spcPts val="600"/>
-              </a:spcBef>
-              <a:spcAft>
-                <a:spcPts val="0"/>
-              </a:spcAft>
-              <a:buClr>
-                <a:schemeClr val="accent1"/>
-              </a:buClr>
-              <a:buSzPts val="1800"/>
-              <a:buFont typeface="Barlow Light"/>
-              <a:buChar char="▹"/>
-              <a:defRPr sz="2000" b="0" i="0" u="none" strike="noStrike" cap="none">
-                <a:solidFill>
-                  <a:schemeClr val="dk1"/>
-                </a:solidFill>
-                <a:latin typeface="Barlow Light"/>
-                <a:ea typeface="Barlow Light"/>
-                <a:cs typeface="Barlow Light"/>
-                <a:sym typeface="Barlow Light"/>
-              </a:defRPr>
-            </a:lvl2pPr>
-            <a:lvl3pPr marL="1371600" marR="0" lvl="2" indent="-342900" algn="l" rtl="0">
-              <a:lnSpc>
-                <a:spcPct val="110000"/>
-              </a:lnSpc>
-              <a:spcBef>
-                <a:spcPts val="600"/>
-              </a:spcBef>
-              <a:spcAft>
-                <a:spcPts val="0"/>
-              </a:spcAft>
-              <a:buClr>
-                <a:schemeClr val="accent1"/>
-              </a:buClr>
-              <a:buSzPts val="1800"/>
-              <a:buFont typeface="Barlow Light"/>
-              <a:buChar char="▹"/>
-              <a:defRPr sz="2000" b="0" i="0" u="none" strike="noStrike" cap="none">
-                <a:solidFill>
-                  <a:schemeClr val="dk1"/>
-                </a:solidFill>
-                <a:latin typeface="Barlow Light"/>
-                <a:ea typeface="Barlow Light"/>
-                <a:cs typeface="Barlow Light"/>
-                <a:sym typeface="Barlow Light"/>
-              </a:defRPr>
-            </a:lvl3pPr>
-            <a:lvl4pPr marL="1828800" marR="0" lvl="3" indent="-355600" algn="l" rtl="0">
-              <a:lnSpc>
-                <a:spcPct val="110000"/>
-              </a:lnSpc>
-              <a:spcBef>
-                <a:spcPts val="600"/>
-              </a:spcBef>
-              <a:spcAft>
-                <a:spcPts val="0"/>
-              </a:spcAft>
-              <a:buClr>
-                <a:schemeClr val="dk1"/>
-              </a:buClr>
-              <a:buSzPts val="2000"/>
-              <a:buFont typeface="Barlow Light"/>
-              <a:buChar char="▹"/>
-              <a:defRPr sz="2000" b="0" i="0" u="none" strike="noStrike" cap="none">
-                <a:solidFill>
-                  <a:schemeClr val="dk1"/>
-                </a:solidFill>
-                <a:latin typeface="Barlow Light"/>
-                <a:ea typeface="Barlow Light"/>
-                <a:cs typeface="Barlow Light"/>
-                <a:sym typeface="Barlow Light"/>
-              </a:defRPr>
-            </a:lvl4pPr>
-            <a:lvl5pPr marL="2286000" marR="0" lvl="4" indent="-355600" algn="l" rtl="0">
-              <a:lnSpc>
-                <a:spcPct val="110000"/>
-              </a:lnSpc>
-              <a:spcBef>
-                <a:spcPts val="600"/>
-              </a:spcBef>
-              <a:spcAft>
-                <a:spcPts val="0"/>
-              </a:spcAft>
-              <a:buClr>
-                <a:schemeClr val="dk1"/>
-              </a:buClr>
-              <a:buSzPts val="2000"/>
-              <a:buFont typeface="Barlow Light"/>
-              <a:buChar char="▹"/>
-              <a:defRPr sz="2000" b="0" i="0" u="none" strike="noStrike" cap="none">
-                <a:solidFill>
-                  <a:schemeClr val="dk1"/>
-                </a:solidFill>
-                <a:latin typeface="Barlow Light"/>
-                <a:ea typeface="Barlow Light"/>
-                <a:cs typeface="Barlow Light"/>
-                <a:sym typeface="Barlow Light"/>
-              </a:defRPr>
-            </a:lvl5pPr>
-            <a:lvl6pPr marL="2743200" marR="0" lvl="5" indent="-355600" algn="l" rtl="0">
-              <a:lnSpc>
-                <a:spcPct val="110000"/>
-              </a:lnSpc>
-              <a:spcBef>
-                <a:spcPts val="600"/>
-              </a:spcBef>
-              <a:spcAft>
-                <a:spcPts val="0"/>
-              </a:spcAft>
-              <a:buClr>
-                <a:schemeClr val="dk1"/>
-              </a:buClr>
-              <a:buSzPts val="2000"/>
-              <a:buFont typeface="Barlow Light"/>
-              <a:buChar char="▹"/>
-              <a:defRPr sz="2000" b="0" i="0" u="none" strike="noStrike" cap="none">
-                <a:solidFill>
-                  <a:schemeClr val="dk1"/>
-                </a:solidFill>
-                <a:latin typeface="Barlow Light"/>
-                <a:ea typeface="Barlow Light"/>
-                <a:cs typeface="Barlow Light"/>
-                <a:sym typeface="Barlow Light"/>
-              </a:defRPr>
-            </a:lvl6pPr>
-            <a:lvl7pPr marL="3200400" marR="0" lvl="6" indent="-355600" algn="l" rtl="0">
-              <a:lnSpc>
-                <a:spcPct val="110000"/>
-              </a:lnSpc>
-              <a:spcBef>
-                <a:spcPts val="600"/>
-              </a:spcBef>
-              <a:spcAft>
-                <a:spcPts val="0"/>
-              </a:spcAft>
-              <a:buClr>
-                <a:schemeClr val="dk1"/>
-              </a:buClr>
-              <a:buSzPts val="2000"/>
-              <a:buFont typeface="Barlow Light"/>
-              <a:buChar char="▹"/>
-              <a:defRPr sz="2000" b="0" i="0" u="none" strike="noStrike" cap="none">
-                <a:solidFill>
-                  <a:schemeClr val="dk1"/>
-                </a:solidFill>
-                <a:latin typeface="Barlow Light"/>
-                <a:ea typeface="Barlow Light"/>
-                <a:cs typeface="Barlow Light"/>
-                <a:sym typeface="Barlow Light"/>
-              </a:defRPr>
-            </a:lvl7pPr>
-            <a:lvl8pPr marL="3657600" marR="0" lvl="7" indent="-355600" algn="l" rtl="0">
-              <a:lnSpc>
-                <a:spcPct val="110000"/>
-              </a:lnSpc>
-              <a:spcBef>
-                <a:spcPts val="600"/>
-              </a:spcBef>
-              <a:spcAft>
-                <a:spcPts val="0"/>
-              </a:spcAft>
-              <a:buClr>
-                <a:schemeClr val="dk1"/>
-              </a:buClr>
-              <a:buSzPts val="2000"/>
-              <a:buFont typeface="Barlow Light"/>
-              <a:buChar char="▹"/>
-              <a:defRPr sz="2000" b="0" i="0" u="none" strike="noStrike" cap="none">
-                <a:solidFill>
-                  <a:schemeClr val="dk1"/>
-                </a:solidFill>
-                <a:latin typeface="Barlow Light"/>
-                <a:ea typeface="Barlow Light"/>
-                <a:cs typeface="Barlow Light"/>
-                <a:sym typeface="Barlow Light"/>
-              </a:defRPr>
-            </a:lvl8pPr>
-            <a:lvl9pPr marL="4114800" marR="0" lvl="8" indent="-355600" algn="l" rtl="0">
-              <a:lnSpc>
-                <a:spcPct val="110000"/>
-              </a:lnSpc>
-              <a:spcBef>
-                <a:spcPts val="600"/>
-              </a:spcBef>
-              <a:spcAft>
-                <a:spcPts val="0"/>
-              </a:spcAft>
-              <a:buClr>
-                <a:schemeClr val="dk1"/>
-              </a:buClr>
-              <a:buSzPts val="2000"/>
-              <a:buFont typeface="Barlow Light"/>
-              <a:buChar char="▹"/>
-              <a:defRPr sz="2000" b="0" i="0" u="none" strike="noStrike" cap="none">
-                <a:solidFill>
-                  <a:schemeClr val="dk1"/>
-                </a:solidFill>
-                <a:latin typeface="Barlow Light"/>
-                <a:ea typeface="Barlow Light"/>
-                <a:cs typeface="Barlow Light"/>
-                <a:sym typeface="Barlow Light"/>
-              </a:defRPr>
-            </a:lvl9pPr>
-          </a:lstStyle>
-          <a:p>
-            <a:pPr marL="457200" lvl="0" indent="-342900" algn="l" rtl="0">
-              <a:spcBef>
-                <a:spcPts val="600"/>
-              </a:spcBef>
-              <a:spcAft>
-                <a:spcPts val="0"/>
-              </a:spcAft>
-              <a:buSzPts val="1800"/>
-              <a:buChar char="▸"/>
-            </a:pPr>
-            <a:endParaRPr lang="en-US" dirty="0">
-              <a:solidFill>
-                <a:schemeClr val="bg1"/>
-              </a:solidFill>
-            </a:endParaRPr>
-          </a:p>
-          <a:p>
-            <a:pPr lvl="1">
-              <a:buChar char="▸"/>
-            </a:pPr>
-            <a:r>
-              <a:rPr lang="en-US" dirty="0">
-                <a:solidFill>
-                  <a:schemeClr val="bg1"/>
-                </a:solidFill>
-              </a:rPr>
-              <a:t>State that is not ephemeral, that you want to share across many parts of your app, and that you want to keep between user sessions, is what we call application state (sometimes also called shared state).</a:t>
-            </a:r>
-          </a:p>
-          <a:p>
-            <a:pPr lvl="2">
-              <a:buChar char="▸"/>
-            </a:pPr>
-            <a:r>
-              <a:rPr lang="en-US" dirty="0">
-                <a:solidFill>
-                  <a:schemeClr val="bg1"/>
-                </a:solidFill>
-              </a:rPr>
-              <a:t>Like : </a:t>
-            </a:r>
-            <a:r>
-              <a:rPr lang="en-GB" dirty="0">
-                <a:solidFill>
-                  <a:schemeClr val="bg1"/>
-                </a:solidFill>
-              </a:rPr>
-              <a:t>Login info, The shopping cart in an E-commerce app.</a:t>
-            </a:r>
-          </a:p>
-          <a:p>
-            <a:pPr marL="1473200" lvl="3" indent="0">
-              <a:buNone/>
-            </a:pPr>
-            <a:endParaRPr lang="en-GB" dirty="0">
-              <a:solidFill>
-                <a:schemeClr val="bg1"/>
-              </a:solidFill>
-            </a:endParaRPr>
-          </a:p>
-          <a:p>
-            <a:pPr lvl="1">
-              <a:buChar char="▸"/>
-            </a:pPr>
-            <a:r>
-              <a:rPr lang="en-US" dirty="0">
-                <a:solidFill>
-                  <a:schemeClr val="bg1"/>
-                </a:solidFill>
-              </a:rPr>
-              <a:t>For managing app state, you’ll want to research your options. Your choice depends on the complexity and nature of your app, your team’s previous experience, and many other aspects.</a:t>
-            </a:r>
-            <a:r>
-              <a:rPr lang="en-GB" dirty="0">
-                <a:solidFill>
-                  <a:schemeClr val="bg1"/>
-                </a:solidFill>
-              </a:rPr>
-              <a:t>	</a:t>
-            </a:r>
-          </a:p>
-        </p:txBody>
-      </p:sp>
-      <p:sp>
-        <p:nvSpPr>
-          <p:cNvPr id="7" name="ZoneTexte 6">
-            <a:extLst>
-              <a:ext uri="{FF2B5EF4-FFF2-40B4-BE49-F238E27FC236}">
-                <a16:creationId xmlns:a16="http://schemas.microsoft.com/office/drawing/2014/main" id="{A88213E6-6934-4B6E-823F-61A872EAE5A8}"/>
-              </a:ext>
-            </a:extLst>
-          </p:cNvPr>
-          <p:cNvSpPr txBox="1"/>
-          <p:nvPr/>
-        </p:nvSpPr>
-        <p:spPr>
-          <a:xfrm>
-            <a:off x="1665249" y="137678"/>
-            <a:ext cx="5813501" cy="707886"/>
-          </a:xfrm>
-          <a:prstGeom prst="rect">
-            <a:avLst/>
-          </a:prstGeom>
-          <a:noFill/>
-        </p:spPr>
-        <p:txBody>
-          <a:bodyPr wrap="square">
-            <a:spAutoFit/>
-          </a:bodyPr>
-          <a:lstStyle/>
-          <a:p>
-            <a:pPr algn="ctr"/>
-            <a:r>
-              <a:rPr lang="en-GB" sz="4000" dirty="0">
-                <a:solidFill>
-                  <a:schemeClr val="bg1"/>
-                </a:solidFill>
-              </a:rPr>
-              <a:t>App state</a:t>
-            </a:r>
-          </a:p>
-        </p:txBody>
-      </p:sp>
-    </p:spTree>
-    <p:extLst>
-      <p:ext uri="{BB962C8B-B14F-4D97-AF65-F5344CB8AC3E}">
-        <p14:creationId xmlns:p14="http://schemas.microsoft.com/office/powerpoint/2010/main" val="2767487251"/>
-      </p:ext>
-    </p:extLst>
-  </p:cSld>
-  <p:clrMapOvr>
-    <a:masterClrMapping/>
-  </p:clrMapOvr>
-</p:sld>
-</file>
-
-<file path=ppt/slides/slide12.xml><?xml version="1.0" encoding="utf-8"?>
-<p:sld xmlns:a="http://schemas.openxmlformats.org/drawingml/2006/main" xmlns:r="http://schemas.openxmlformats.org/officeDocument/2006/relationships" xmlns:p="http://schemas.openxmlformats.org/presentationml/2006/main">
-  <p:cSld>
-    <p:spTree>
-      <p:nvGrpSpPr>
-        <p:cNvPr id="1" name="Shape 92"/>
-        <p:cNvGrpSpPr/>
-        <p:nvPr/>
-      </p:nvGrpSpPr>
-      <p:grpSpPr>
-        <a:xfrm>
-          <a:off x="0" y="0"/>
-          <a:ext cx="0" cy="0"/>
-          <a:chOff x="0" y="0"/>
-          <a:chExt cx="0" cy="0"/>
-        </a:xfrm>
-      </p:grpSpPr>
-      <p:sp>
-        <p:nvSpPr>
-          <p:cNvPr id="93" name="Google Shape;93;p18"/>
-          <p:cNvSpPr txBox="1">
-            <a:spLocks noGrp="1"/>
-          </p:cNvSpPr>
-          <p:nvPr>
-            <p:ph type="title"/>
-          </p:nvPr>
-        </p:nvSpPr>
-        <p:spPr>
-          <a:xfrm>
-            <a:off x="311700" y="445025"/>
-            <a:ext cx="8520600" cy="572700"/>
-          </a:xfrm>
-          <a:prstGeom prst="rect">
-            <a:avLst/>
-          </a:prstGeom>
-        </p:spPr>
-        <p:txBody>
-          <a:bodyPr spcFirstLastPara="1" wrap="square" lIns="91425" tIns="91425" rIns="91425" bIns="91425" anchor="t" anchorCtr="0">
-            <a:normAutofit fontScale="90000"/>
-          </a:bodyPr>
-          <a:lstStyle/>
-          <a:p>
-            <a:pPr marL="0" lvl="0" indent="0" algn="l" rtl="0">
-              <a:spcBef>
-                <a:spcPts val="0"/>
-              </a:spcBef>
-              <a:spcAft>
-                <a:spcPts val="0"/>
-              </a:spcAft>
-              <a:buNone/>
-            </a:pPr>
-            <a:endParaRPr/>
-          </a:p>
-        </p:txBody>
-      </p:sp>
-      <p:sp>
-        <p:nvSpPr>
-          <p:cNvPr id="94" name="Google Shape;94;p18"/>
-          <p:cNvSpPr txBox="1">
-            <a:spLocks noGrp="1"/>
-          </p:cNvSpPr>
-          <p:nvPr>
-            <p:ph type="body" idx="1"/>
-          </p:nvPr>
-        </p:nvSpPr>
-        <p:spPr>
-          <a:xfrm>
-            <a:off x="311700" y="1152475"/>
-            <a:ext cx="8520600" cy="3416400"/>
-          </a:xfrm>
-          <a:prstGeom prst="rect">
-            <a:avLst/>
-          </a:prstGeom>
-        </p:spPr>
-        <p:txBody>
-          <a:bodyPr spcFirstLastPara="1" wrap="square" lIns="91425" tIns="91425" rIns="91425" bIns="91425" anchor="t" anchorCtr="0">
-            <a:normAutofit/>
-          </a:bodyPr>
-          <a:lstStyle/>
-          <a:p>
-            <a:pPr marL="0" lvl="0" indent="0" algn="l" rtl="0">
-              <a:spcBef>
-                <a:spcPts val="0"/>
-              </a:spcBef>
-              <a:spcAft>
-                <a:spcPts val="1200"/>
-              </a:spcAft>
-              <a:buNone/>
-            </a:pPr>
-            <a:endParaRPr/>
-          </a:p>
-        </p:txBody>
-      </p:sp>
-      <p:pic>
-        <p:nvPicPr>
-          <p:cNvPr id="95" name="Google Shape;95;p18"/>
-          <p:cNvPicPr preferRelativeResize="0"/>
-          <p:nvPr/>
-        </p:nvPicPr>
-        <p:blipFill>
-          <a:blip r:embed="rId3">
-            <a:alphaModFix/>
-          </a:blip>
-          <a:stretch>
-            <a:fillRect/>
-          </a:stretch>
-        </p:blipFill>
-        <p:spPr>
-          <a:xfrm>
-            <a:off x="0" y="0"/>
-            <a:ext cx="9144003" cy="5143501"/>
-          </a:xfrm>
-          <a:prstGeom prst="rect">
-            <a:avLst/>
-          </a:prstGeom>
-          <a:noFill/>
-          <a:ln>
-            <a:noFill/>
-          </a:ln>
-        </p:spPr>
-      </p:pic>
-      <p:sp>
-        <p:nvSpPr>
-          <p:cNvPr id="11" name="ZoneTexte 10">
-            <a:extLst>
-              <a:ext uri="{FF2B5EF4-FFF2-40B4-BE49-F238E27FC236}">
-                <a16:creationId xmlns:a16="http://schemas.microsoft.com/office/drawing/2014/main" id="{0ECC90D3-C063-471F-87C0-A25BFB103E47}"/>
-              </a:ext>
-            </a:extLst>
-          </p:cNvPr>
-          <p:cNvSpPr txBox="1"/>
-          <p:nvPr/>
-        </p:nvSpPr>
-        <p:spPr>
-          <a:xfrm>
-            <a:off x="1665249" y="137678"/>
-            <a:ext cx="5813501" cy="707886"/>
-          </a:xfrm>
-          <a:prstGeom prst="rect">
-            <a:avLst/>
-          </a:prstGeom>
-          <a:noFill/>
-        </p:spPr>
-        <p:txBody>
-          <a:bodyPr wrap="square">
-            <a:spAutoFit/>
-          </a:bodyPr>
-          <a:lstStyle/>
-          <a:p>
-            <a:pPr algn="ctr"/>
-            <a:r>
-              <a:rPr lang="en-GB" sz="4000" dirty="0">
-                <a:solidFill>
-                  <a:schemeClr val="bg1"/>
-                </a:solidFill>
-              </a:rPr>
-              <a:t>Ephemeral vs App state</a:t>
-            </a:r>
-          </a:p>
-        </p:txBody>
-      </p:sp>
-      <p:pic>
-        <p:nvPicPr>
-          <p:cNvPr id="5122" name="Picture 2" descr="A flow chart. Start with 'Data'. 'Who needs it?'. Three options: 'Most widgets', 'Some widgets' and 'Single widget'. The first two options both lead to 'App state'. The 'Single widget' option leads to 'Ephemeral state'.">
-            <a:extLst>
-              <a:ext uri="{FF2B5EF4-FFF2-40B4-BE49-F238E27FC236}">
-                <a16:creationId xmlns:a16="http://schemas.microsoft.com/office/drawing/2014/main" id="{4718287F-701F-45F7-968F-245FE21106AC}"/>
-              </a:ext>
-            </a:extLst>
-          </p:cNvPr>
-          <p:cNvPicPr>
-            <a:picLocks noChangeAspect="1" noChangeArrowheads="1"/>
-          </p:cNvPicPr>
-          <p:nvPr/>
-        </p:nvPicPr>
-        <p:blipFill>
-          <a:blip r:embed="rId4">
-            <a:extLst>
-              <a:ext uri="{28A0092B-C50C-407E-A947-70E740481C1C}">
-                <a14:useLocalDpi xmlns:a14="http://schemas.microsoft.com/office/drawing/2010/main" val="0"/>
-              </a:ext>
-            </a:extLst>
-          </a:blip>
-          <a:srcRect/>
-          <a:stretch>
-            <a:fillRect/>
-          </a:stretch>
-        </p:blipFill>
-        <p:spPr bwMode="auto">
-          <a:xfrm>
-            <a:off x="1190625" y="1017725"/>
-            <a:ext cx="6762750" cy="3740013"/>
-          </a:xfrm>
-          <a:prstGeom prst="rect">
-            <a:avLst/>
-          </a:prstGeom>
-          <a:noFill/>
-          <a:extLst>
-            <a:ext uri="{909E8E84-426E-40DD-AFC4-6F175D3DCCD1}">
-              <a14:hiddenFill xmlns:a14="http://schemas.microsoft.com/office/drawing/2010/main">
-                <a:solidFill>
-                  <a:srgbClr val="FFFFFF"/>
-                </a:solidFill>
-              </a14:hiddenFill>
-            </a:ext>
-          </a:extLst>
-        </p:spPr>
-      </p:pic>
-    </p:spTree>
-    <p:extLst>
-      <p:ext uri="{BB962C8B-B14F-4D97-AF65-F5344CB8AC3E}">
-        <p14:creationId xmlns:p14="http://schemas.microsoft.com/office/powerpoint/2010/main" val="582235279"/>
-      </p:ext>
-    </p:extLst>
-  </p:cSld>
-  <p:clrMapOvr>
-    <a:masterClrMapping/>
-  </p:clrMapOvr>
-</p:sld>
-</file>
-
-<file path=ppt/slides/slide13.xml><?xml version="1.0" encoding="utf-8"?>
-<p:sld xmlns:a="http://schemas.openxmlformats.org/drawingml/2006/main" xmlns:r="http://schemas.openxmlformats.org/officeDocument/2006/relationships" xmlns:p="http://schemas.openxmlformats.org/presentationml/2006/main">
-  <p:cSld>
-    <p:spTree>
-      <p:nvGrpSpPr>
-        <p:cNvPr id="1" name="Shape 92"/>
-        <p:cNvGrpSpPr/>
-        <p:nvPr/>
-      </p:nvGrpSpPr>
-      <p:grpSpPr>
-        <a:xfrm>
-          <a:off x="0" y="0"/>
-          <a:ext cx="0" cy="0"/>
-          <a:chOff x="0" y="0"/>
-          <a:chExt cx="0" cy="0"/>
-        </a:xfrm>
-      </p:grpSpPr>
-      <p:sp>
-        <p:nvSpPr>
-          <p:cNvPr id="93" name="Google Shape;93;p18"/>
-          <p:cNvSpPr txBox="1">
-            <a:spLocks noGrp="1"/>
-          </p:cNvSpPr>
-          <p:nvPr>
-            <p:ph type="title"/>
-          </p:nvPr>
-        </p:nvSpPr>
-        <p:spPr>
-          <a:xfrm>
-            <a:off x="311700" y="445025"/>
-            <a:ext cx="8520600" cy="572700"/>
-          </a:xfrm>
-          <a:prstGeom prst="rect">
-            <a:avLst/>
-          </a:prstGeom>
-        </p:spPr>
-        <p:txBody>
-          <a:bodyPr spcFirstLastPara="1" wrap="square" lIns="91425" tIns="91425" rIns="91425" bIns="91425" anchor="t" anchorCtr="0">
-            <a:normAutofit fontScale="90000"/>
-          </a:bodyPr>
-          <a:lstStyle/>
-          <a:p>
-            <a:pPr marL="0" lvl="0" indent="0" algn="l" rtl="0">
-              <a:spcBef>
-                <a:spcPts val="0"/>
-              </a:spcBef>
-              <a:spcAft>
-                <a:spcPts val="0"/>
-              </a:spcAft>
-              <a:buNone/>
-            </a:pPr>
-            <a:endParaRPr/>
-          </a:p>
-        </p:txBody>
-      </p:sp>
-      <p:sp>
-        <p:nvSpPr>
-          <p:cNvPr id="94" name="Google Shape;94;p18"/>
-          <p:cNvSpPr txBox="1">
-            <a:spLocks noGrp="1"/>
-          </p:cNvSpPr>
-          <p:nvPr>
-            <p:ph type="body" idx="1"/>
-          </p:nvPr>
-        </p:nvSpPr>
-        <p:spPr>
-          <a:xfrm>
-            <a:off x="311700" y="1152475"/>
-            <a:ext cx="8520600" cy="3416400"/>
-          </a:xfrm>
-          <a:prstGeom prst="rect">
-            <a:avLst/>
-          </a:prstGeom>
-        </p:spPr>
-        <p:txBody>
-          <a:bodyPr spcFirstLastPara="1" wrap="square" lIns="91425" tIns="91425" rIns="91425" bIns="91425" anchor="t" anchorCtr="0">
-            <a:normAutofit/>
-          </a:bodyPr>
-          <a:lstStyle/>
-          <a:p>
-            <a:pPr marL="0" lvl="0" indent="0" algn="l" rtl="0">
-              <a:spcBef>
-                <a:spcPts val="0"/>
-              </a:spcBef>
-              <a:spcAft>
-                <a:spcPts val="1200"/>
-              </a:spcAft>
-              <a:buNone/>
-            </a:pPr>
-            <a:endParaRPr/>
-          </a:p>
-        </p:txBody>
-      </p:sp>
-      <p:pic>
-        <p:nvPicPr>
-          <p:cNvPr id="95" name="Google Shape;95;p18"/>
-          <p:cNvPicPr preferRelativeResize="0"/>
-          <p:nvPr/>
-        </p:nvPicPr>
-        <p:blipFill>
-          <a:blip r:embed="rId3">
-            <a:alphaModFix/>
-          </a:blip>
-          <a:stretch>
-            <a:fillRect/>
-          </a:stretch>
-        </p:blipFill>
-        <p:spPr>
-          <a:xfrm>
-            <a:off x="0" y="0"/>
-            <a:ext cx="9144003" cy="5143501"/>
-          </a:xfrm>
-          <a:prstGeom prst="rect">
-            <a:avLst/>
-          </a:prstGeom>
-          <a:noFill/>
-          <a:ln>
-            <a:noFill/>
-          </a:ln>
-        </p:spPr>
-      </p:pic>
-      <p:sp>
-        <p:nvSpPr>
-          <p:cNvPr id="10" name="ZoneTexte 9">
-            <a:extLst>
-              <a:ext uri="{FF2B5EF4-FFF2-40B4-BE49-F238E27FC236}">
-                <a16:creationId xmlns:a16="http://schemas.microsoft.com/office/drawing/2014/main" id="{877EDEFB-F7F1-41AD-BED7-BFF6600B7B73}"/>
-              </a:ext>
-            </a:extLst>
-          </p:cNvPr>
-          <p:cNvSpPr txBox="1"/>
-          <p:nvPr/>
-        </p:nvSpPr>
-        <p:spPr>
-          <a:xfrm>
-            <a:off x="743415" y="1598791"/>
-            <a:ext cx="7939668" cy="2831544"/>
-          </a:xfrm>
-          <a:prstGeom prst="rect">
-            <a:avLst/>
-          </a:prstGeom>
-          <a:noFill/>
-        </p:spPr>
-        <p:txBody>
-          <a:bodyPr wrap="square">
-            <a:spAutoFit/>
-          </a:bodyPr>
-          <a:lstStyle/>
-          <a:p>
-            <a:pPr lvl="1" algn="ctr"/>
-            <a:r>
-              <a:rPr lang="en-US" sz="2000" dirty="0">
-                <a:solidFill>
-                  <a:schemeClr val="bg1"/>
-                </a:solidFill>
-              </a:rPr>
-              <a:t>There is no clear-cut, universal rule to distinguish whether a particular variable is ephemeral or app state. Sometimes, you’ll have to refactor one into another. For example, you’ll start with some clearly ephemeral state, but as your application grows in features, it might need to be moved to app state.</a:t>
-            </a:r>
-          </a:p>
-          <a:p>
-            <a:pPr lvl="1" algn="ctr"/>
-            <a:endParaRPr lang="en-US" sz="2000" dirty="0">
-              <a:solidFill>
-                <a:schemeClr val="bg1"/>
-              </a:solidFill>
-            </a:endParaRPr>
-          </a:p>
-          <a:p>
-            <a:pPr lvl="1" algn="ctr"/>
-            <a:endParaRPr lang="en-US" sz="2000" dirty="0">
-              <a:solidFill>
-                <a:schemeClr val="bg1"/>
-              </a:solidFill>
-            </a:endParaRPr>
-          </a:p>
-          <a:p>
-            <a:pPr lvl="1" algn="ctr"/>
-            <a:r>
-              <a:rPr lang="en-US" sz="2400" b="1" dirty="0">
-                <a:solidFill>
-                  <a:schemeClr val="bg1"/>
-                </a:solidFill>
-              </a:rPr>
-              <a:t>“The rule of thumb is: Do whatever is less awkward.”</a:t>
-            </a:r>
-            <a:r>
-              <a:rPr lang="en-GB" dirty="0">
-                <a:solidFill>
-                  <a:schemeClr val="bg1"/>
-                </a:solidFill>
-              </a:rPr>
-              <a:t>	</a:t>
-            </a:r>
-          </a:p>
-        </p:txBody>
-      </p:sp>
-      <p:sp>
-        <p:nvSpPr>
-          <p:cNvPr id="11" name="ZoneTexte 10">
-            <a:extLst>
-              <a:ext uri="{FF2B5EF4-FFF2-40B4-BE49-F238E27FC236}">
-                <a16:creationId xmlns:a16="http://schemas.microsoft.com/office/drawing/2014/main" id="{0ECC90D3-C063-471F-87C0-A25BFB103E47}"/>
-              </a:ext>
-            </a:extLst>
-          </p:cNvPr>
-          <p:cNvSpPr txBox="1"/>
-          <p:nvPr/>
-        </p:nvSpPr>
-        <p:spPr>
-          <a:xfrm>
-            <a:off x="1665249" y="137678"/>
-            <a:ext cx="5813501" cy="707886"/>
-          </a:xfrm>
-          <a:prstGeom prst="rect">
-            <a:avLst/>
-          </a:prstGeom>
-          <a:noFill/>
-        </p:spPr>
-        <p:txBody>
-          <a:bodyPr wrap="square">
-            <a:spAutoFit/>
-          </a:bodyPr>
-          <a:lstStyle/>
-          <a:p>
-            <a:pPr algn="ctr"/>
-            <a:r>
-              <a:rPr lang="en-GB" sz="4000" dirty="0">
-                <a:solidFill>
-                  <a:schemeClr val="bg1"/>
-                </a:solidFill>
-              </a:rPr>
-              <a:t>Ephemeral vs App state</a:t>
-            </a:r>
-          </a:p>
-        </p:txBody>
-      </p:sp>
-    </p:spTree>
-  </p:cSld>
-  <p:clrMapOvr>
-    <a:masterClrMapping/>
-  </p:clrMapOvr>
-</p:sld>
-</file>
-
-<file path=ppt/slides/slide14.xml><?xml version="1.0" encoding="utf-8"?>
-<p:sld xmlns:a="http://schemas.openxmlformats.org/drawingml/2006/main" xmlns:r="http://schemas.openxmlformats.org/officeDocument/2006/relationships" xmlns:p="http://schemas.openxmlformats.org/presentationml/2006/main">
-  <p:cSld>
-    <p:spTree>
-      <p:nvGrpSpPr>
-        <p:cNvPr id="1" name="Shape 85"/>
-        <p:cNvGrpSpPr/>
-        <p:nvPr/>
-      </p:nvGrpSpPr>
-      <p:grpSpPr>
-        <a:xfrm>
-          <a:off x="0" y="0"/>
-          <a:ext cx="0" cy="0"/>
-          <a:chOff x="0" y="0"/>
-          <a:chExt cx="0" cy="0"/>
-        </a:xfrm>
-      </p:grpSpPr>
-      <p:sp>
-        <p:nvSpPr>
-          <p:cNvPr id="86" name="Google Shape;86;p17"/>
-          <p:cNvSpPr txBox="1">
-            <a:spLocks noGrp="1"/>
-          </p:cNvSpPr>
-          <p:nvPr>
-            <p:ph type="title"/>
-          </p:nvPr>
-        </p:nvSpPr>
-        <p:spPr>
-          <a:xfrm>
-            <a:off x="311700" y="445025"/>
-            <a:ext cx="8520600" cy="572700"/>
-          </a:xfrm>
-          <a:prstGeom prst="rect">
-            <a:avLst/>
-          </a:prstGeom>
-        </p:spPr>
-        <p:txBody>
-          <a:bodyPr spcFirstLastPara="1" wrap="square" lIns="91425" tIns="91425" rIns="91425" bIns="91425" anchor="t" anchorCtr="0">
-            <a:normAutofit fontScale="90000"/>
-          </a:bodyPr>
-          <a:lstStyle/>
-          <a:p>
-            <a:pPr marL="0" lvl="0" indent="0" algn="l" rtl="0">
-              <a:spcBef>
-                <a:spcPts val="0"/>
-              </a:spcBef>
-              <a:spcAft>
-                <a:spcPts val="0"/>
-              </a:spcAft>
-              <a:buNone/>
-            </a:pPr>
-            <a:endParaRPr/>
-          </a:p>
-        </p:txBody>
-      </p:sp>
-      <p:sp>
-        <p:nvSpPr>
-          <p:cNvPr id="87" name="Google Shape;87;p17"/>
-          <p:cNvSpPr txBox="1">
-            <a:spLocks noGrp="1"/>
-          </p:cNvSpPr>
-          <p:nvPr>
-            <p:ph type="body" idx="1"/>
-          </p:nvPr>
-        </p:nvSpPr>
-        <p:spPr>
-          <a:xfrm>
-            <a:off x="311700" y="1152475"/>
-            <a:ext cx="8520600" cy="3416400"/>
-          </a:xfrm>
-          <a:prstGeom prst="rect">
-            <a:avLst/>
-          </a:prstGeom>
-        </p:spPr>
-        <p:txBody>
-          <a:bodyPr spcFirstLastPara="1" wrap="square" lIns="91425" tIns="91425" rIns="91425" bIns="91425" anchor="t" anchorCtr="0">
-            <a:normAutofit/>
-          </a:bodyPr>
-          <a:lstStyle/>
-          <a:p>
-            <a:pPr marL="0" lvl="0" indent="0" algn="l" rtl="0">
-              <a:spcBef>
-                <a:spcPts val="0"/>
-              </a:spcBef>
-              <a:spcAft>
-                <a:spcPts val="1200"/>
-              </a:spcAft>
-              <a:buNone/>
-            </a:pPr>
-            <a:endParaRPr/>
-          </a:p>
-        </p:txBody>
-      </p:sp>
-      <p:pic>
-        <p:nvPicPr>
-          <p:cNvPr id="88" name="Google Shape;88;p17"/>
-          <p:cNvPicPr preferRelativeResize="0"/>
-          <p:nvPr/>
-        </p:nvPicPr>
-        <p:blipFill>
-          <a:blip r:embed="rId3">
-            <a:alphaModFix/>
-          </a:blip>
-          <a:stretch>
-            <a:fillRect/>
-          </a:stretch>
-        </p:blipFill>
-        <p:spPr>
-          <a:xfrm>
-            <a:off x="0" y="0"/>
-            <a:ext cx="9144003" cy="5143501"/>
-          </a:xfrm>
-          <a:prstGeom prst="rect">
-            <a:avLst/>
-          </a:prstGeom>
-          <a:noFill/>
-          <a:ln>
-            <a:noFill/>
-          </a:ln>
-        </p:spPr>
-      </p:pic>
-      <p:sp>
-        <p:nvSpPr>
-          <p:cNvPr id="6" name="Google Shape;595;p17">
-            <a:extLst>
-              <a:ext uri="{FF2B5EF4-FFF2-40B4-BE49-F238E27FC236}">
-                <a16:creationId xmlns:a16="http://schemas.microsoft.com/office/drawing/2014/main" id="{F130A763-8215-40A3-99CE-15755CF72539}"/>
-              </a:ext>
-            </a:extLst>
-          </p:cNvPr>
-          <p:cNvSpPr txBox="1"/>
-          <p:nvPr/>
-        </p:nvSpPr>
-        <p:spPr>
-          <a:xfrm>
-            <a:off x="200188" y="1231412"/>
-            <a:ext cx="8520600" cy="3451937"/>
-          </a:xfrm>
-          <a:prstGeom prst="rect">
-            <a:avLst/>
-          </a:prstGeom>
-          <a:noFill/>
-          <a:ln>
-            <a:noFill/>
-          </a:ln>
-        </p:spPr>
-        <p:txBody>
-          <a:bodyPr wrap="square" lIns="0" tIns="0" rIns="0" bIns="0" anchor="t" anchorCtr="0">
-            <a:noAutofit/>
-          </a:bodyPr>
-          <a:lstStyle>
-            <a:defPPr marR="0" lvl="0" algn="l" rtl="0">
-              <a:lnSpc>
-                <a:spcPct val="100000"/>
-              </a:lnSpc>
-              <a:spcBef>
-                <a:spcPts val="0"/>
-              </a:spcBef>
-              <a:spcAft>
-                <a:spcPts val="0"/>
-              </a:spcAft>
-            </a:defPPr>
-            <a:lvl1pPr marL="457200" marR="0" lvl="0" indent="-342900" algn="l" rtl="0">
-              <a:lnSpc>
-                <a:spcPct val="110000"/>
-              </a:lnSpc>
-              <a:spcBef>
-                <a:spcPts val="600"/>
-              </a:spcBef>
-              <a:spcAft>
-                <a:spcPts val="0"/>
-              </a:spcAft>
-              <a:buClr>
-                <a:schemeClr val="accent1"/>
-              </a:buClr>
-              <a:buSzPts val="1800"/>
-              <a:buFont typeface="Barlow Light"/>
-              <a:buChar char="▸"/>
-              <a:defRPr sz="2000" b="0" i="0" u="none" strike="noStrike" cap="none">
-                <a:solidFill>
-                  <a:schemeClr val="dk1"/>
-                </a:solidFill>
-                <a:latin typeface="Barlow Light"/>
-                <a:ea typeface="Barlow Light"/>
-                <a:cs typeface="Barlow Light"/>
-                <a:sym typeface="Barlow Light"/>
-              </a:defRPr>
-            </a:lvl1pPr>
-            <a:lvl2pPr marL="914400" marR="0" lvl="1" indent="-342900" algn="l" rtl="0">
-              <a:lnSpc>
-                <a:spcPct val="110000"/>
-              </a:lnSpc>
-              <a:spcBef>
-                <a:spcPts val="600"/>
-              </a:spcBef>
-              <a:spcAft>
-                <a:spcPts val="0"/>
-              </a:spcAft>
-              <a:buClr>
-                <a:schemeClr val="accent1"/>
-              </a:buClr>
-              <a:buSzPts val="1800"/>
-              <a:buFont typeface="Barlow Light"/>
-              <a:buChar char="▹"/>
-              <a:defRPr sz="2000" b="0" i="0" u="none" strike="noStrike" cap="none">
-                <a:solidFill>
-                  <a:schemeClr val="dk1"/>
-                </a:solidFill>
-                <a:latin typeface="Barlow Light"/>
-                <a:ea typeface="Barlow Light"/>
-                <a:cs typeface="Barlow Light"/>
-                <a:sym typeface="Barlow Light"/>
-              </a:defRPr>
-            </a:lvl2pPr>
-            <a:lvl3pPr marL="1371600" marR="0" lvl="2" indent="-342900" algn="l" rtl="0">
-              <a:lnSpc>
-                <a:spcPct val="110000"/>
-              </a:lnSpc>
-              <a:spcBef>
-                <a:spcPts val="600"/>
-              </a:spcBef>
-              <a:spcAft>
-                <a:spcPts val="0"/>
-              </a:spcAft>
-              <a:buClr>
-                <a:schemeClr val="accent1"/>
-              </a:buClr>
-              <a:buSzPts val="1800"/>
-              <a:buFont typeface="Barlow Light"/>
-              <a:buChar char="▹"/>
-              <a:defRPr sz="2000" b="0" i="0" u="none" strike="noStrike" cap="none">
-                <a:solidFill>
-                  <a:schemeClr val="dk1"/>
-                </a:solidFill>
-                <a:latin typeface="Barlow Light"/>
-                <a:ea typeface="Barlow Light"/>
-                <a:cs typeface="Barlow Light"/>
-                <a:sym typeface="Barlow Light"/>
-              </a:defRPr>
-            </a:lvl3pPr>
-            <a:lvl4pPr marL="1828800" marR="0" lvl="3" indent="-355600" algn="l" rtl="0">
-              <a:lnSpc>
-                <a:spcPct val="110000"/>
-              </a:lnSpc>
-              <a:spcBef>
-                <a:spcPts val="600"/>
-              </a:spcBef>
-              <a:spcAft>
-                <a:spcPts val="0"/>
-              </a:spcAft>
-              <a:buClr>
-                <a:schemeClr val="dk1"/>
-              </a:buClr>
-              <a:buSzPts val="2000"/>
-              <a:buFont typeface="Barlow Light"/>
-              <a:buChar char="▹"/>
-              <a:defRPr sz="2000" b="0" i="0" u="none" strike="noStrike" cap="none">
-                <a:solidFill>
-                  <a:schemeClr val="dk1"/>
-                </a:solidFill>
-                <a:latin typeface="Barlow Light"/>
-                <a:ea typeface="Barlow Light"/>
-                <a:cs typeface="Barlow Light"/>
-                <a:sym typeface="Barlow Light"/>
-              </a:defRPr>
-            </a:lvl4pPr>
-            <a:lvl5pPr marL="2286000" marR="0" lvl="4" indent="-355600" algn="l" rtl="0">
-              <a:lnSpc>
-                <a:spcPct val="110000"/>
-              </a:lnSpc>
-              <a:spcBef>
-                <a:spcPts val="600"/>
-              </a:spcBef>
-              <a:spcAft>
-                <a:spcPts val="0"/>
-              </a:spcAft>
-              <a:buClr>
-                <a:schemeClr val="dk1"/>
-              </a:buClr>
-              <a:buSzPts val="2000"/>
-              <a:buFont typeface="Barlow Light"/>
-              <a:buChar char="▹"/>
-              <a:defRPr sz="2000" b="0" i="0" u="none" strike="noStrike" cap="none">
-                <a:solidFill>
-                  <a:schemeClr val="dk1"/>
-                </a:solidFill>
-                <a:latin typeface="Barlow Light"/>
-                <a:ea typeface="Barlow Light"/>
-                <a:cs typeface="Barlow Light"/>
-                <a:sym typeface="Barlow Light"/>
-              </a:defRPr>
-            </a:lvl5pPr>
-            <a:lvl6pPr marL="2743200" marR="0" lvl="5" indent="-355600" algn="l" rtl="0">
-              <a:lnSpc>
-                <a:spcPct val="110000"/>
-              </a:lnSpc>
-              <a:spcBef>
-                <a:spcPts val="600"/>
-              </a:spcBef>
-              <a:spcAft>
-                <a:spcPts val="0"/>
-              </a:spcAft>
-              <a:buClr>
-                <a:schemeClr val="dk1"/>
-              </a:buClr>
-              <a:buSzPts val="2000"/>
-              <a:buFont typeface="Barlow Light"/>
-              <a:buChar char="▹"/>
-              <a:defRPr sz="2000" b="0" i="0" u="none" strike="noStrike" cap="none">
-                <a:solidFill>
-                  <a:schemeClr val="dk1"/>
-                </a:solidFill>
-                <a:latin typeface="Barlow Light"/>
-                <a:ea typeface="Barlow Light"/>
-                <a:cs typeface="Barlow Light"/>
-                <a:sym typeface="Barlow Light"/>
-              </a:defRPr>
-            </a:lvl6pPr>
-            <a:lvl7pPr marL="3200400" marR="0" lvl="6" indent="-355600" algn="l" rtl="0">
-              <a:lnSpc>
-                <a:spcPct val="110000"/>
-              </a:lnSpc>
-              <a:spcBef>
-                <a:spcPts val="600"/>
-              </a:spcBef>
-              <a:spcAft>
-                <a:spcPts val="0"/>
-              </a:spcAft>
-              <a:buClr>
-                <a:schemeClr val="dk1"/>
-              </a:buClr>
-              <a:buSzPts val="2000"/>
-              <a:buFont typeface="Barlow Light"/>
-              <a:buChar char="▹"/>
-              <a:defRPr sz="2000" b="0" i="0" u="none" strike="noStrike" cap="none">
-                <a:solidFill>
-                  <a:schemeClr val="dk1"/>
-                </a:solidFill>
-                <a:latin typeface="Barlow Light"/>
-                <a:ea typeface="Barlow Light"/>
-                <a:cs typeface="Barlow Light"/>
-                <a:sym typeface="Barlow Light"/>
-              </a:defRPr>
-            </a:lvl7pPr>
-            <a:lvl8pPr marL="3657600" marR="0" lvl="7" indent="-355600" algn="l" rtl="0">
-              <a:lnSpc>
-                <a:spcPct val="110000"/>
-              </a:lnSpc>
-              <a:spcBef>
-                <a:spcPts val="600"/>
-              </a:spcBef>
-              <a:spcAft>
-                <a:spcPts val="0"/>
-              </a:spcAft>
-              <a:buClr>
-                <a:schemeClr val="dk1"/>
-              </a:buClr>
-              <a:buSzPts val="2000"/>
-              <a:buFont typeface="Barlow Light"/>
-              <a:buChar char="▹"/>
-              <a:defRPr sz="2000" b="0" i="0" u="none" strike="noStrike" cap="none">
-                <a:solidFill>
-                  <a:schemeClr val="dk1"/>
-                </a:solidFill>
-                <a:latin typeface="Barlow Light"/>
-                <a:ea typeface="Barlow Light"/>
-                <a:cs typeface="Barlow Light"/>
-                <a:sym typeface="Barlow Light"/>
-              </a:defRPr>
-            </a:lvl8pPr>
-            <a:lvl9pPr marL="4114800" marR="0" lvl="8" indent="-355600" algn="l" rtl="0">
-              <a:lnSpc>
-                <a:spcPct val="110000"/>
-              </a:lnSpc>
-              <a:spcBef>
-                <a:spcPts val="600"/>
-              </a:spcBef>
-              <a:spcAft>
-                <a:spcPts val="0"/>
-              </a:spcAft>
-              <a:buClr>
-                <a:schemeClr val="dk1"/>
-              </a:buClr>
-              <a:buSzPts val="2000"/>
-              <a:buFont typeface="Barlow Light"/>
-              <a:buChar char="▹"/>
-              <a:defRPr sz="2000" b="0" i="0" u="none" strike="noStrike" cap="none">
-                <a:solidFill>
-                  <a:schemeClr val="dk1"/>
-                </a:solidFill>
-                <a:latin typeface="Barlow Light"/>
-                <a:ea typeface="Barlow Light"/>
-                <a:cs typeface="Barlow Light"/>
-                <a:sym typeface="Barlow Light"/>
-              </a:defRPr>
-            </a:lvl9pPr>
-          </a:lstStyle>
-          <a:p>
-            <a:pPr marL="457200" lvl="0" indent="-342900" algn="l" rtl="0">
-              <a:spcBef>
-                <a:spcPts val="600"/>
-              </a:spcBef>
-              <a:spcAft>
-                <a:spcPts val="0"/>
-              </a:spcAft>
-              <a:buSzPts val="1800"/>
-              <a:buChar char="▸"/>
-            </a:pPr>
-            <a:endParaRPr lang="en-US" dirty="0">
-              <a:solidFill>
-                <a:schemeClr val="bg1"/>
-              </a:solidFill>
-            </a:endParaRPr>
-          </a:p>
-          <a:p>
-            <a:pPr lvl="1">
-              <a:buChar char="▸"/>
-            </a:pPr>
-            <a:r>
-              <a:rPr lang="en-GB" dirty="0" err="1">
-                <a:solidFill>
-                  <a:schemeClr val="bg1"/>
-                </a:solidFill>
-              </a:rPr>
-              <a:t>setState</a:t>
-            </a:r>
-            <a:endParaRPr lang="en-GB" dirty="0">
-              <a:solidFill>
-                <a:schemeClr val="bg1"/>
-              </a:solidFill>
-            </a:endParaRPr>
-          </a:p>
-          <a:p>
-            <a:pPr lvl="1">
-              <a:buFont typeface="Barlow Light"/>
-              <a:buChar char="▸"/>
-            </a:pPr>
-            <a:r>
-              <a:rPr lang="en-GB" dirty="0" err="1">
-                <a:solidFill>
-                  <a:schemeClr val="bg1"/>
-                </a:solidFill>
-              </a:rPr>
-              <a:t>InheritedWidget</a:t>
-            </a:r>
-            <a:r>
-              <a:rPr lang="en-GB" dirty="0">
-                <a:solidFill>
-                  <a:schemeClr val="bg1"/>
-                </a:solidFill>
-              </a:rPr>
-              <a:t> &amp; </a:t>
-            </a:r>
-            <a:r>
-              <a:rPr lang="en-GB" dirty="0" err="1">
-                <a:solidFill>
-                  <a:schemeClr val="bg1"/>
-                </a:solidFill>
-              </a:rPr>
-              <a:t>InheritedModel</a:t>
-            </a:r>
-            <a:endParaRPr lang="en-GB" dirty="0">
-              <a:solidFill>
-                <a:schemeClr val="bg1"/>
-              </a:solidFill>
-            </a:endParaRPr>
-          </a:p>
-          <a:p>
-            <a:pPr lvl="1">
-              <a:buChar char="▸"/>
-            </a:pPr>
-            <a:r>
-              <a:rPr lang="en-GB" dirty="0">
-                <a:solidFill>
-                  <a:schemeClr val="bg1"/>
-                </a:solidFill>
-              </a:rPr>
-              <a:t>Provider</a:t>
-            </a:r>
-          </a:p>
-          <a:p>
-            <a:pPr lvl="1">
-              <a:buChar char="▸"/>
-            </a:pPr>
-            <a:r>
-              <a:rPr lang="en-GB" dirty="0" err="1">
-                <a:solidFill>
-                  <a:schemeClr val="bg1"/>
-                </a:solidFill>
-              </a:rPr>
-              <a:t>Riverpod</a:t>
-            </a:r>
-            <a:endParaRPr lang="en-GB" dirty="0">
-              <a:solidFill>
-                <a:schemeClr val="bg1"/>
-              </a:solidFill>
-            </a:endParaRPr>
-          </a:p>
-          <a:p>
-            <a:pPr lvl="1">
-              <a:buChar char="▸"/>
-            </a:pPr>
-            <a:r>
-              <a:rPr lang="en-GB" dirty="0">
-                <a:solidFill>
-                  <a:schemeClr val="bg1"/>
-                </a:solidFill>
-              </a:rPr>
-              <a:t>Redux</a:t>
-            </a:r>
-          </a:p>
-          <a:p>
-            <a:pPr lvl="1">
-              <a:buChar char="▸"/>
-            </a:pPr>
-            <a:r>
-              <a:rPr lang="en-GB" dirty="0">
-                <a:solidFill>
-                  <a:schemeClr val="bg1"/>
-                </a:solidFill>
-              </a:rPr>
-              <a:t>Bloc</a:t>
-            </a:r>
-          </a:p>
-          <a:p>
-            <a:pPr lvl="1">
-              <a:buChar char="▸"/>
-            </a:pPr>
-            <a:r>
-              <a:rPr lang="en-US" dirty="0" err="1">
-                <a:solidFill>
-                  <a:schemeClr val="bg1"/>
-                </a:solidFill>
-              </a:rPr>
-              <a:t>Mobx</a:t>
-            </a:r>
-            <a:r>
-              <a:rPr lang="en-US" dirty="0">
-                <a:solidFill>
-                  <a:schemeClr val="bg1"/>
-                </a:solidFill>
-              </a:rPr>
-              <a:t>, </a:t>
-            </a:r>
-            <a:r>
-              <a:rPr lang="en-US" dirty="0" err="1">
-                <a:solidFill>
-                  <a:schemeClr val="bg1"/>
-                </a:solidFill>
-              </a:rPr>
-              <a:t>GetX</a:t>
-            </a:r>
-            <a:r>
-              <a:rPr lang="en-US" dirty="0">
-                <a:solidFill>
-                  <a:schemeClr val="bg1"/>
-                </a:solidFill>
-              </a:rPr>
-              <a:t>,…..</a:t>
-            </a:r>
-            <a:r>
-              <a:rPr lang="en-GB" dirty="0">
-                <a:solidFill>
-                  <a:schemeClr val="bg1"/>
-                </a:solidFill>
-              </a:rPr>
-              <a:t>	</a:t>
-            </a:r>
-          </a:p>
-        </p:txBody>
-      </p:sp>
-      <p:sp>
-        <p:nvSpPr>
-          <p:cNvPr id="7" name="ZoneTexte 6">
-            <a:extLst>
-              <a:ext uri="{FF2B5EF4-FFF2-40B4-BE49-F238E27FC236}">
-                <a16:creationId xmlns:a16="http://schemas.microsoft.com/office/drawing/2014/main" id="{A88213E6-6934-4B6E-823F-61A872EAE5A8}"/>
-              </a:ext>
-            </a:extLst>
-          </p:cNvPr>
-          <p:cNvSpPr txBox="1"/>
-          <p:nvPr/>
-        </p:nvSpPr>
-        <p:spPr>
-          <a:xfrm>
-            <a:off x="1457092" y="213604"/>
-            <a:ext cx="7263696" cy="646331"/>
-          </a:xfrm>
-          <a:prstGeom prst="rect">
-            <a:avLst/>
-          </a:prstGeom>
-          <a:noFill/>
-        </p:spPr>
-        <p:txBody>
-          <a:bodyPr wrap="square">
-            <a:spAutoFit/>
-          </a:bodyPr>
-          <a:lstStyle/>
-          <a:p>
-            <a:pPr marL="114300" lvl="0" algn="l" rtl="0">
-              <a:spcBef>
-                <a:spcPts val="0"/>
-              </a:spcBef>
-              <a:spcAft>
-                <a:spcPts val="0"/>
-              </a:spcAft>
-              <a:buSzPts val="1800"/>
-            </a:pPr>
-            <a:r>
-              <a:rPr lang="en-GB" sz="3600" dirty="0">
-                <a:solidFill>
-                  <a:schemeClr val="bg1"/>
-                </a:solidFill>
-              </a:rPr>
-              <a:t>State Management Approaches</a:t>
-            </a:r>
-          </a:p>
-        </p:txBody>
-      </p:sp>
-    </p:spTree>
-    <p:extLst>
-      <p:ext uri="{BB962C8B-B14F-4D97-AF65-F5344CB8AC3E}">
-        <p14:creationId xmlns:p14="http://schemas.microsoft.com/office/powerpoint/2010/main" val="2207150046"/>
-      </p:ext>
-    </p:extLst>
-  </p:cSld>
-  <p:clrMapOvr>
-    <a:masterClrMapping/>
-  </p:clrMapOvr>
-</p:sld>
-</file>
-
-<file path=ppt/slides/slide15.xml><?xml version="1.0" encoding="utf-8"?>
-<p:sld xmlns:a="http://schemas.openxmlformats.org/drawingml/2006/main" xmlns:r="http://schemas.openxmlformats.org/officeDocument/2006/relationships" xmlns:p="http://schemas.openxmlformats.org/presentationml/2006/main">
-  <p:cSld>
-    <p:spTree>
-      <p:nvGrpSpPr>
-        <p:cNvPr id="1" name="Shape 85"/>
-        <p:cNvGrpSpPr/>
-        <p:nvPr/>
-      </p:nvGrpSpPr>
-      <p:grpSpPr>
-        <a:xfrm>
-          <a:off x="0" y="0"/>
-          <a:ext cx="0" cy="0"/>
-          <a:chOff x="0" y="0"/>
-          <a:chExt cx="0" cy="0"/>
-        </a:xfrm>
-      </p:grpSpPr>
-      <p:sp>
-        <p:nvSpPr>
-          <p:cNvPr id="86" name="Google Shape;86;p17"/>
-          <p:cNvSpPr txBox="1">
-            <a:spLocks noGrp="1"/>
-          </p:cNvSpPr>
-          <p:nvPr>
-            <p:ph type="title"/>
-          </p:nvPr>
-        </p:nvSpPr>
-        <p:spPr>
-          <a:xfrm>
-            <a:off x="311700" y="445025"/>
-            <a:ext cx="8520600" cy="572700"/>
-          </a:xfrm>
-          <a:prstGeom prst="rect">
-            <a:avLst/>
-          </a:prstGeom>
-        </p:spPr>
-        <p:txBody>
-          <a:bodyPr spcFirstLastPara="1" wrap="square" lIns="91425" tIns="91425" rIns="91425" bIns="91425" anchor="t" anchorCtr="0">
-            <a:normAutofit fontScale="90000"/>
-          </a:bodyPr>
-          <a:lstStyle/>
-          <a:p>
-            <a:pPr marL="0" lvl="0" indent="0" algn="l" rtl="0">
-              <a:spcBef>
-                <a:spcPts val="0"/>
-              </a:spcBef>
-              <a:spcAft>
-                <a:spcPts val="0"/>
-              </a:spcAft>
-              <a:buNone/>
-            </a:pPr>
-            <a:endParaRPr/>
-          </a:p>
-        </p:txBody>
-      </p:sp>
-      <p:sp>
-        <p:nvSpPr>
-          <p:cNvPr id="87" name="Google Shape;87;p17"/>
-          <p:cNvSpPr txBox="1">
-            <a:spLocks noGrp="1"/>
-          </p:cNvSpPr>
-          <p:nvPr>
-            <p:ph type="body" idx="1"/>
-          </p:nvPr>
-        </p:nvSpPr>
-        <p:spPr>
-          <a:xfrm>
-            <a:off x="311700" y="1152475"/>
-            <a:ext cx="8520600" cy="3416400"/>
-          </a:xfrm>
-          <a:prstGeom prst="rect">
-            <a:avLst/>
-          </a:prstGeom>
-        </p:spPr>
-        <p:txBody>
-          <a:bodyPr spcFirstLastPara="1" wrap="square" lIns="91425" tIns="91425" rIns="91425" bIns="91425" anchor="t" anchorCtr="0">
-            <a:normAutofit/>
-          </a:bodyPr>
-          <a:lstStyle/>
-          <a:p>
-            <a:pPr marL="0" lvl="0" indent="0" algn="l" rtl="0">
-              <a:spcBef>
-                <a:spcPts val="0"/>
-              </a:spcBef>
-              <a:spcAft>
-                <a:spcPts val="1200"/>
-              </a:spcAft>
-              <a:buNone/>
-            </a:pPr>
-            <a:endParaRPr/>
-          </a:p>
-        </p:txBody>
-      </p:sp>
-      <p:pic>
-        <p:nvPicPr>
-          <p:cNvPr id="88" name="Google Shape;88;p17"/>
-          <p:cNvPicPr preferRelativeResize="0"/>
-          <p:nvPr/>
-        </p:nvPicPr>
-        <p:blipFill>
-          <a:blip r:embed="rId3">
-            <a:alphaModFix/>
-          </a:blip>
-          <a:stretch>
-            <a:fillRect/>
-          </a:stretch>
-        </p:blipFill>
-        <p:spPr>
-          <a:xfrm>
-            <a:off x="0" y="0"/>
-            <a:ext cx="9144003" cy="5143501"/>
-          </a:xfrm>
-          <a:prstGeom prst="rect">
-            <a:avLst/>
-          </a:prstGeom>
-          <a:noFill/>
-          <a:ln>
-            <a:noFill/>
-          </a:ln>
-        </p:spPr>
-      </p:pic>
-      <p:sp>
-        <p:nvSpPr>
-          <p:cNvPr id="7" name="ZoneTexte 6">
-            <a:extLst>
-              <a:ext uri="{FF2B5EF4-FFF2-40B4-BE49-F238E27FC236}">
-                <a16:creationId xmlns:a16="http://schemas.microsoft.com/office/drawing/2014/main" id="{A88213E6-6934-4B6E-823F-61A872EAE5A8}"/>
-              </a:ext>
-            </a:extLst>
-          </p:cNvPr>
-          <p:cNvSpPr txBox="1"/>
-          <p:nvPr/>
-        </p:nvSpPr>
-        <p:spPr>
-          <a:xfrm>
-            <a:off x="2780372" y="1925419"/>
-            <a:ext cx="3442008" cy="646331"/>
-          </a:xfrm>
-          <a:prstGeom prst="rect">
-            <a:avLst/>
-          </a:prstGeom>
-          <a:noFill/>
-        </p:spPr>
-        <p:txBody>
-          <a:bodyPr wrap="square">
-            <a:spAutoFit/>
-          </a:bodyPr>
-          <a:lstStyle/>
-          <a:p>
-            <a:pPr marL="114300" lvl="0" algn="ctr" rtl="0">
-              <a:spcBef>
-                <a:spcPts val="0"/>
-              </a:spcBef>
-              <a:spcAft>
-                <a:spcPts val="0"/>
-              </a:spcAft>
-              <a:buSzPts val="1800"/>
-            </a:pPr>
-            <a:r>
-              <a:rPr lang="en-GB" sz="3600" dirty="0">
-                <a:solidFill>
-                  <a:schemeClr val="bg1"/>
-                </a:solidFill>
-              </a:rPr>
-              <a:t>Provider</a:t>
-            </a:r>
-          </a:p>
-        </p:txBody>
-      </p:sp>
-    </p:spTree>
-    <p:extLst>
-      <p:ext uri="{BB962C8B-B14F-4D97-AF65-F5344CB8AC3E}">
-        <p14:creationId xmlns:p14="http://schemas.microsoft.com/office/powerpoint/2010/main" val="1662074619"/>
-      </p:ext>
-    </p:extLst>
-  </p:cSld>
-  <p:clrMapOvr>
-    <a:masterClrMapping/>
-  </p:clrMapOvr>
-</p:sld>
-</file>
-
-<file path=ppt/slides/slide16.xml><?xml version="1.0" encoding="utf-8"?>
-<p:sld xmlns:a="http://schemas.openxmlformats.org/drawingml/2006/main" xmlns:r="http://schemas.openxmlformats.org/officeDocument/2006/relationships" xmlns:p="http://schemas.openxmlformats.org/presentationml/2006/main">
-  <p:cSld>
-    <p:spTree>
-      <p:nvGrpSpPr>
-        <p:cNvPr id="1" name="Shape 85"/>
-        <p:cNvGrpSpPr/>
-        <p:nvPr/>
-      </p:nvGrpSpPr>
-      <p:grpSpPr>
-        <a:xfrm>
-          <a:off x="0" y="0"/>
-          <a:ext cx="0" cy="0"/>
-          <a:chOff x="0" y="0"/>
-          <a:chExt cx="0" cy="0"/>
-        </a:xfrm>
-      </p:grpSpPr>
-      <p:sp>
-        <p:nvSpPr>
-          <p:cNvPr id="86" name="Google Shape;86;p17"/>
-          <p:cNvSpPr txBox="1">
-            <a:spLocks noGrp="1"/>
-          </p:cNvSpPr>
-          <p:nvPr>
-            <p:ph type="title"/>
-          </p:nvPr>
-        </p:nvSpPr>
-        <p:spPr>
-          <a:xfrm>
-            <a:off x="311700" y="445025"/>
-            <a:ext cx="8520600" cy="572700"/>
-          </a:xfrm>
-          <a:prstGeom prst="rect">
-            <a:avLst/>
-          </a:prstGeom>
-        </p:spPr>
-        <p:txBody>
-          <a:bodyPr spcFirstLastPara="1" wrap="square" lIns="91425" tIns="91425" rIns="91425" bIns="91425" anchor="t" anchorCtr="0">
-            <a:normAutofit fontScale="90000"/>
-          </a:bodyPr>
-          <a:lstStyle/>
-          <a:p>
-            <a:pPr marL="0" lvl="0" indent="0" algn="l" rtl="0">
-              <a:spcBef>
-                <a:spcPts val="0"/>
-              </a:spcBef>
-              <a:spcAft>
-                <a:spcPts val="0"/>
-              </a:spcAft>
-              <a:buNone/>
-            </a:pPr>
-            <a:endParaRPr/>
-          </a:p>
-        </p:txBody>
-      </p:sp>
-      <p:sp>
-        <p:nvSpPr>
-          <p:cNvPr id="87" name="Google Shape;87;p17"/>
-          <p:cNvSpPr txBox="1">
-            <a:spLocks noGrp="1"/>
-          </p:cNvSpPr>
-          <p:nvPr>
-            <p:ph type="body" idx="1"/>
-          </p:nvPr>
-        </p:nvSpPr>
-        <p:spPr>
-          <a:xfrm>
-            <a:off x="311700" y="1152475"/>
-            <a:ext cx="8520600" cy="3416400"/>
-          </a:xfrm>
-          <a:prstGeom prst="rect">
-            <a:avLst/>
-          </a:prstGeom>
-        </p:spPr>
-        <p:txBody>
-          <a:bodyPr spcFirstLastPara="1" wrap="square" lIns="91425" tIns="91425" rIns="91425" bIns="91425" anchor="t" anchorCtr="0">
-            <a:normAutofit/>
-          </a:bodyPr>
-          <a:lstStyle/>
-          <a:p>
-            <a:pPr marL="0" lvl="0" indent="0" algn="l" rtl="0">
-              <a:spcBef>
-                <a:spcPts val="0"/>
-              </a:spcBef>
-              <a:spcAft>
-                <a:spcPts val="1200"/>
-              </a:spcAft>
-              <a:buNone/>
-            </a:pPr>
-            <a:endParaRPr/>
-          </a:p>
-        </p:txBody>
-      </p:sp>
-      <p:pic>
-        <p:nvPicPr>
-          <p:cNvPr id="88" name="Google Shape;88;p17"/>
-          <p:cNvPicPr preferRelativeResize="0"/>
-          <p:nvPr/>
-        </p:nvPicPr>
-        <p:blipFill>
-          <a:blip r:embed="rId3">
-            <a:alphaModFix/>
-          </a:blip>
-          <a:stretch>
-            <a:fillRect/>
-          </a:stretch>
-        </p:blipFill>
-        <p:spPr>
-          <a:xfrm>
-            <a:off x="0" y="0"/>
-            <a:ext cx="9144003" cy="5143501"/>
-          </a:xfrm>
-          <a:prstGeom prst="rect">
-            <a:avLst/>
-          </a:prstGeom>
-          <a:noFill/>
-          <a:ln>
-            <a:noFill/>
-          </a:ln>
-        </p:spPr>
-      </p:pic>
-      <p:sp>
-        <p:nvSpPr>
-          <p:cNvPr id="6" name="Google Shape;595;p17">
-            <a:extLst>
-              <a:ext uri="{FF2B5EF4-FFF2-40B4-BE49-F238E27FC236}">
-                <a16:creationId xmlns:a16="http://schemas.microsoft.com/office/drawing/2014/main" id="{F130A763-8215-40A3-99CE-15755CF72539}"/>
-              </a:ext>
-            </a:extLst>
-          </p:cNvPr>
-          <p:cNvSpPr txBox="1"/>
-          <p:nvPr/>
-        </p:nvSpPr>
-        <p:spPr>
-          <a:xfrm>
-            <a:off x="200188" y="1231412"/>
-            <a:ext cx="8520600" cy="3451937"/>
-          </a:xfrm>
-          <a:prstGeom prst="rect">
-            <a:avLst/>
-          </a:prstGeom>
-          <a:noFill/>
-          <a:ln>
-            <a:noFill/>
-          </a:ln>
-        </p:spPr>
-        <p:txBody>
-          <a:bodyPr wrap="square" lIns="0" tIns="0" rIns="0" bIns="0" anchor="t" anchorCtr="0">
-            <a:noAutofit/>
-          </a:bodyPr>
-          <a:lstStyle>
-            <a:defPPr marR="0" lvl="0" algn="l" rtl="0">
-              <a:lnSpc>
-                <a:spcPct val="100000"/>
-              </a:lnSpc>
-              <a:spcBef>
-                <a:spcPts val="0"/>
-              </a:spcBef>
-              <a:spcAft>
-                <a:spcPts val="0"/>
-              </a:spcAft>
-            </a:defPPr>
-            <a:lvl1pPr marL="457200" marR="0" lvl="0" indent="-342900" algn="l" rtl="0">
-              <a:lnSpc>
-                <a:spcPct val="110000"/>
-              </a:lnSpc>
-              <a:spcBef>
-                <a:spcPts val="600"/>
-              </a:spcBef>
-              <a:spcAft>
-                <a:spcPts val="0"/>
-              </a:spcAft>
-              <a:buClr>
-                <a:schemeClr val="accent1"/>
-              </a:buClr>
-              <a:buSzPts val="1800"/>
-              <a:buFont typeface="Barlow Light"/>
-              <a:buChar char="▸"/>
-              <a:defRPr sz="2000" b="0" i="0" u="none" strike="noStrike" cap="none">
-                <a:solidFill>
-                  <a:schemeClr val="dk1"/>
-                </a:solidFill>
-                <a:latin typeface="Barlow Light"/>
-                <a:ea typeface="Barlow Light"/>
-                <a:cs typeface="Barlow Light"/>
-                <a:sym typeface="Barlow Light"/>
-              </a:defRPr>
-            </a:lvl1pPr>
-            <a:lvl2pPr marL="914400" marR="0" lvl="1" indent="-342900" algn="l" rtl="0">
-              <a:lnSpc>
-                <a:spcPct val="110000"/>
-              </a:lnSpc>
-              <a:spcBef>
-                <a:spcPts val="600"/>
-              </a:spcBef>
-              <a:spcAft>
-                <a:spcPts val="0"/>
-              </a:spcAft>
-              <a:buClr>
-                <a:schemeClr val="accent1"/>
-              </a:buClr>
-              <a:buSzPts val="1800"/>
-              <a:buFont typeface="Barlow Light"/>
-              <a:buChar char="▹"/>
-              <a:defRPr sz="2000" b="0" i="0" u="none" strike="noStrike" cap="none">
-                <a:solidFill>
-                  <a:schemeClr val="dk1"/>
-                </a:solidFill>
-                <a:latin typeface="Barlow Light"/>
-                <a:ea typeface="Barlow Light"/>
-                <a:cs typeface="Barlow Light"/>
-                <a:sym typeface="Barlow Light"/>
-              </a:defRPr>
-            </a:lvl2pPr>
-            <a:lvl3pPr marL="1371600" marR="0" lvl="2" indent="-342900" algn="l" rtl="0">
-              <a:lnSpc>
-                <a:spcPct val="110000"/>
-              </a:lnSpc>
-              <a:spcBef>
-                <a:spcPts val="600"/>
-              </a:spcBef>
-              <a:spcAft>
-                <a:spcPts val="0"/>
-              </a:spcAft>
-              <a:buClr>
-                <a:schemeClr val="accent1"/>
-              </a:buClr>
-              <a:buSzPts val="1800"/>
-              <a:buFont typeface="Barlow Light"/>
-              <a:buChar char="▹"/>
-              <a:defRPr sz="2000" b="0" i="0" u="none" strike="noStrike" cap="none">
-                <a:solidFill>
-                  <a:schemeClr val="dk1"/>
-                </a:solidFill>
-                <a:latin typeface="Barlow Light"/>
-                <a:ea typeface="Barlow Light"/>
-                <a:cs typeface="Barlow Light"/>
-                <a:sym typeface="Barlow Light"/>
-              </a:defRPr>
-            </a:lvl3pPr>
-            <a:lvl4pPr marL="1828800" marR="0" lvl="3" indent="-355600" algn="l" rtl="0">
-              <a:lnSpc>
-                <a:spcPct val="110000"/>
-              </a:lnSpc>
-              <a:spcBef>
-                <a:spcPts val="600"/>
-              </a:spcBef>
-              <a:spcAft>
-                <a:spcPts val="0"/>
-              </a:spcAft>
-              <a:buClr>
-                <a:schemeClr val="dk1"/>
-              </a:buClr>
-              <a:buSzPts val="2000"/>
-              <a:buFont typeface="Barlow Light"/>
-              <a:buChar char="▹"/>
-              <a:defRPr sz="2000" b="0" i="0" u="none" strike="noStrike" cap="none">
-                <a:solidFill>
-                  <a:schemeClr val="dk1"/>
-                </a:solidFill>
-                <a:latin typeface="Barlow Light"/>
-                <a:ea typeface="Barlow Light"/>
-                <a:cs typeface="Barlow Light"/>
-                <a:sym typeface="Barlow Light"/>
-              </a:defRPr>
-            </a:lvl4pPr>
-            <a:lvl5pPr marL="2286000" marR="0" lvl="4" indent="-355600" algn="l" rtl="0">
-              <a:lnSpc>
-                <a:spcPct val="110000"/>
-              </a:lnSpc>
-              <a:spcBef>
-                <a:spcPts val="600"/>
-              </a:spcBef>
-              <a:spcAft>
-                <a:spcPts val="0"/>
-              </a:spcAft>
-              <a:buClr>
-                <a:schemeClr val="dk1"/>
-              </a:buClr>
-              <a:buSzPts val="2000"/>
-              <a:buFont typeface="Barlow Light"/>
-              <a:buChar char="▹"/>
-              <a:defRPr sz="2000" b="0" i="0" u="none" strike="noStrike" cap="none">
-                <a:solidFill>
-                  <a:schemeClr val="dk1"/>
-                </a:solidFill>
-                <a:latin typeface="Barlow Light"/>
-                <a:ea typeface="Barlow Light"/>
-                <a:cs typeface="Barlow Light"/>
-                <a:sym typeface="Barlow Light"/>
-              </a:defRPr>
-            </a:lvl5pPr>
-            <a:lvl6pPr marL="2743200" marR="0" lvl="5" indent="-355600" algn="l" rtl="0">
-              <a:lnSpc>
-                <a:spcPct val="110000"/>
-              </a:lnSpc>
-              <a:spcBef>
-                <a:spcPts val="600"/>
-              </a:spcBef>
-              <a:spcAft>
-                <a:spcPts val="0"/>
-              </a:spcAft>
-              <a:buClr>
-                <a:schemeClr val="dk1"/>
-              </a:buClr>
-              <a:buSzPts val="2000"/>
-              <a:buFont typeface="Barlow Light"/>
-              <a:buChar char="▹"/>
-              <a:defRPr sz="2000" b="0" i="0" u="none" strike="noStrike" cap="none">
-                <a:solidFill>
-                  <a:schemeClr val="dk1"/>
-                </a:solidFill>
-                <a:latin typeface="Barlow Light"/>
-                <a:ea typeface="Barlow Light"/>
-                <a:cs typeface="Barlow Light"/>
-                <a:sym typeface="Barlow Light"/>
-              </a:defRPr>
-            </a:lvl6pPr>
-            <a:lvl7pPr marL="3200400" marR="0" lvl="6" indent="-355600" algn="l" rtl="0">
-              <a:lnSpc>
-                <a:spcPct val="110000"/>
-              </a:lnSpc>
-              <a:spcBef>
-                <a:spcPts val="600"/>
-              </a:spcBef>
-              <a:spcAft>
-                <a:spcPts val="0"/>
-              </a:spcAft>
-              <a:buClr>
-                <a:schemeClr val="dk1"/>
-              </a:buClr>
-              <a:buSzPts val="2000"/>
-              <a:buFont typeface="Barlow Light"/>
-              <a:buChar char="▹"/>
-              <a:defRPr sz="2000" b="0" i="0" u="none" strike="noStrike" cap="none">
-                <a:solidFill>
-                  <a:schemeClr val="dk1"/>
-                </a:solidFill>
-                <a:latin typeface="Barlow Light"/>
-                <a:ea typeface="Barlow Light"/>
-                <a:cs typeface="Barlow Light"/>
-                <a:sym typeface="Barlow Light"/>
-              </a:defRPr>
-            </a:lvl7pPr>
-            <a:lvl8pPr marL="3657600" marR="0" lvl="7" indent="-355600" algn="l" rtl="0">
-              <a:lnSpc>
-                <a:spcPct val="110000"/>
-              </a:lnSpc>
-              <a:spcBef>
-                <a:spcPts val="600"/>
-              </a:spcBef>
-              <a:spcAft>
-                <a:spcPts val="0"/>
-              </a:spcAft>
-              <a:buClr>
-                <a:schemeClr val="dk1"/>
-              </a:buClr>
-              <a:buSzPts val="2000"/>
-              <a:buFont typeface="Barlow Light"/>
-              <a:buChar char="▹"/>
-              <a:defRPr sz="2000" b="0" i="0" u="none" strike="noStrike" cap="none">
-                <a:solidFill>
-                  <a:schemeClr val="dk1"/>
-                </a:solidFill>
-                <a:latin typeface="Barlow Light"/>
-                <a:ea typeface="Barlow Light"/>
-                <a:cs typeface="Barlow Light"/>
-                <a:sym typeface="Barlow Light"/>
-              </a:defRPr>
-            </a:lvl8pPr>
-            <a:lvl9pPr marL="4114800" marR="0" lvl="8" indent="-355600" algn="l" rtl="0">
-              <a:lnSpc>
-                <a:spcPct val="110000"/>
-              </a:lnSpc>
-              <a:spcBef>
-                <a:spcPts val="600"/>
-              </a:spcBef>
-              <a:spcAft>
-                <a:spcPts val="0"/>
-              </a:spcAft>
-              <a:buClr>
-                <a:schemeClr val="dk1"/>
-              </a:buClr>
-              <a:buSzPts val="2000"/>
-              <a:buFont typeface="Barlow Light"/>
-              <a:buChar char="▹"/>
-              <a:defRPr sz="2000" b="0" i="0" u="none" strike="noStrike" cap="none">
-                <a:solidFill>
-                  <a:schemeClr val="dk1"/>
-                </a:solidFill>
-                <a:latin typeface="Barlow Light"/>
-                <a:ea typeface="Barlow Light"/>
-                <a:cs typeface="Barlow Light"/>
-                <a:sym typeface="Barlow Light"/>
-              </a:defRPr>
-            </a:lvl9pPr>
-          </a:lstStyle>
-          <a:p>
-            <a:pPr marL="457200" lvl="0" indent="-342900" algn="l" rtl="0">
-              <a:spcBef>
-                <a:spcPts val="600"/>
-              </a:spcBef>
-              <a:spcAft>
-                <a:spcPts val="0"/>
-              </a:spcAft>
-              <a:buSzPts val="1800"/>
-              <a:buChar char="▸"/>
-            </a:pPr>
-            <a:endParaRPr lang="en-US" dirty="0">
-              <a:solidFill>
-                <a:schemeClr val="bg1"/>
-              </a:solidFill>
-            </a:endParaRPr>
-          </a:p>
-          <a:p>
-            <a:pPr lvl="1">
-              <a:buChar char="▸"/>
-            </a:pPr>
-            <a:r>
-              <a:rPr lang="en-GB" dirty="0" err="1">
-                <a:solidFill>
-                  <a:schemeClr val="bg1"/>
-                </a:solidFill>
-              </a:rPr>
-              <a:t>ChangeNotifier</a:t>
-            </a:r>
-            <a:endParaRPr lang="en-GB" dirty="0">
-              <a:solidFill>
-                <a:schemeClr val="bg1"/>
-              </a:solidFill>
-            </a:endParaRPr>
-          </a:p>
-          <a:p>
-            <a:pPr lvl="1">
-              <a:buFont typeface="Barlow Light"/>
-              <a:buChar char="▸"/>
-            </a:pPr>
-            <a:endParaRPr lang="en-GB" dirty="0">
-              <a:solidFill>
-                <a:schemeClr val="bg1"/>
-              </a:solidFill>
-            </a:endParaRPr>
-          </a:p>
-          <a:p>
-            <a:pPr lvl="1">
-              <a:buFont typeface="Barlow Light"/>
-              <a:buChar char="▸"/>
-            </a:pPr>
-            <a:r>
-              <a:rPr lang="en-GB" dirty="0" err="1">
-                <a:solidFill>
-                  <a:schemeClr val="bg1"/>
-                </a:solidFill>
-              </a:rPr>
-              <a:t>ChangeNotifierProvider</a:t>
-            </a:r>
-            <a:endParaRPr lang="en-GB" dirty="0">
-              <a:solidFill>
-                <a:schemeClr val="bg1"/>
-              </a:solidFill>
-            </a:endParaRPr>
-          </a:p>
-          <a:p>
-            <a:pPr lvl="1">
-              <a:buChar char="▸"/>
-            </a:pPr>
-            <a:endParaRPr lang="en-GB" dirty="0">
-              <a:solidFill>
-                <a:schemeClr val="bg1"/>
-              </a:solidFill>
-            </a:endParaRPr>
-          </a:p>
-          <a:p>
-            <a:pPr lvl="1">
-              <a:buChar char="▸"/>
-            </a:pPr>
-            <a:r>
-              <a:rPr lang="en-GB" dirty="0">
-                <a:solidFill>
-                  <a:schemeClr val="bg1"/>
-                </a:solidFill>
-              </a:rPr>
-              <a:t>Consumer</a:t>
-            </a:r>
-          </a:p>
-          <a:p>
-            <a:pPr marL="571500" lvl="1" indent="0">
-              <a:buNone/>
-            </a:pPr>
-            <a:endParaRPr lang="en-GB" dirty="0">
-              <a:solidFill>
-                <a:schemeClr val="bg1"/>
-              </a:solidFill>
-            </a:endParaRPr>
-          </a:p>
-        </p:txBody>
-      </p:sp>
-      <p:sp>
-        <p:nvSpPr>
-          <p:cNvPr id="7" name="ZoneTexte 6">
-            <a:extLst>
-              <a:ext uri="{FF2B5EF4-FFF2-40B4-BE49-F238E27FC236}">
-                <a16:creationId xmlns:a16="http://schemas.microsoft.com/office/drawing/2014/main" id="{A88213E6-6934-4B6E-823F-61A872EAE5A8}"/>
-              </a:ext>
-            </a:extLst>
-          </p:cNvPr>
-          <p:cNvSpPr txBox="1"/>
-          <p:nvPr/>
-        </p:nvSpPr>
-        <p:spPr>
-          <a:xfrm>
-            <a:off x="1457092" y="213604"/>
-            <a:ext cx="7263696" cy="646331"/>
-          </a:xfrm>
-          <a:prstGeom prst="rect">
-            <a:avLst/>
-          </a:prstGeom>
-          <a:noFill/>
-        </p:spPr>
-        <p:txBody>
-          <a:bodyPr wrap="square">
-            <a:spAutoFit/>
-          </a:bodyPr>
-          <a:lstStyle/>
-          <a:p>
-            <a:pPr marL="114300" lvl="0" algn="l" rtl="0">
-              <a:spcBef>
-                <a:spcPts val="0"/>
-              </a:spcBef>
-              <a:spcAft>
-                <a:spcPts val="0"/>
-              </a:spcAft>
-              <a:buSzPts val="1800"/>
-            </a:pPr>
-            <a:r>
-              <a:rPr lang="en-GB" sz="3600" dirty="0">
-                <a:solidFill>
-                  <a:schemeClr val="bg1"/>
-                </a:solidFill>
-              </a:rPr>
-              <a:t>Provider</a:t>
-            </a:r>
-          </a:p>
-        </p:txBody>
-      </p:sp>
-    </p:spTree>
-    <p:extLst>
-      <p:ext uri="{BB962C8B-B14F-4D97-AF65-F5344CB8AC3E}">
-        <p14:creationId xmlns:p14="http://schemas.microsoft.com/office/powerpoint/2010/main" val="1754720905"/>
-      </p:ext>
-    </p:extLst>
-  </p:cSld>
-  <p:clrMapOvr>
-    <a:masterClrMapping/>
-  </p:clrMapOvr>
-</p:sld>
-</file>
-
-<file path=ppt/slides/slide17.xml><?xml version="1.0" encoding="utf-8"?>
-<p:sld xmlns:a="http://schemas.openxmlformats.org/drawingml/2006/main" xmlns:r="http://schemas.openxmlformats.org/officeDocument/2006/relationships" xmlns:p="http://schemas.openxmlformats.org/presentationml/2006/main">
-  <p:cSld>
-    <p:spTree>
-      <p:nvGrpSpPr>
-        <p:cNvPr id="1" name="Shape 85"/>
-        <p:cNvGrpSpPr/>
-        <p:nvPr/>
-      </p:nvGrpSpPr>
-      <p:grpSpPr>
-        <a:xfrm>
-          <a:off x="0" y="0"/>
-          <a:ext cx="0" cy="0"/>
-          <a:chOff x="0" y="0"/>
-          <a:chExt cx="0" cy="0"/>
-        </a:xfrm>
-      </p:grpSpPr>
-      <p:sp>
-        <p:nvSpPr>
-          <p:cNvPr id="86" name="Google Shape;86;p17"/>
-          <p:cNvSpPr txBox="1">
-            <a:spLocks noGrp="1"/>
-          </p:cNvSpPr>
-          <p:nvPr>
-            <p:ph type="title"/>
-          </p:nvPr>
-        </p:nvSpPr>
-        <p:spPr>
-          <a:xfrm>
-            <a:off x="311700" y="445025"/>
-            <a:ext cx="8520600" cy="572700"/>
-          </a:xfrm>
-          <a:prstGeom prst="rect">
-            <a:avLst/>
-          </a:prstGeom>
-        </p:spPr>
-        <p:txBody>
-          <a:bodyPr spcFirstLastPara="1" wrap="square" lIns="91425" tIns="91425" rIns="91425" bIns="91425" anchor="t" anchorCtr="0">
-            <a:normAutofit fontScale="90000"/>
-          </a:bodyPr>
-          <a:lstStyle/>
-          <a:p>
-            <a:pPr marL="0" lvl="0" indent="0" algn="l" rtl="0">
-              <a:spcBef>
-                <a:spcPts val="0"/>
-              </a:spcBef>
-              <a:spcAft>
-                <a:spcPts val="0"/>
-              </a:spcAft>
-              <a:buNone/>
-            </a:pPr>
-            <a:endParaRPr/>
-          </a:p>
-        </p:txBody>
-      </p:sp>
-      <p:sp>
-        <p:nvSpPr>
-          <p:cNvPr id="87" name="Google Shape;87;p17"/>
-          <p:cNvSpPr txBox="1">
-            <a:spLocks noGrp="1"/>
-          </p:cNvSpPr>
-          <p:nvPr>
-            <p:ph type="body" idx="1"/>
-          </p:nvPr>
-        </p:nvSpPr>
-        <p:spPr>
-          <a:xfrm>
-            <a:off x="311700" y="1152475"/>
-            <a:ext cx="8520600" cy="3416400"/>
-          </a:xfrm>
-          <a:prstGeom prst="rect">
-            <a:avLst/>
-          </a:prstGeom>
-        </p:spPr>
-        <p:txBody>
-          <a:bodyPr spcFirstLastPara="1" wrap="square" lIns="91425" tIns="91425" rIns="91425" bIns="91425" anchor="t" anchorCtr="0">
-            <a:normAutofit/>
-          </a:bodyPr>
-          <a:lstStyle/>
-          <a:p>
-            <a:pPr marL="0" lvl="0" indent="0" algn="l" rtl="0">
-              <a:spcBef>
-                <a:spcPts val="0"/>
-              </a:spcBef>
-              <a:spcAft>
-                <a:spcPts val="1200"/>
-              </a:spcAft>
-              <a:buNone/>
-            </a:pPr>
-            <a:endParaRPr/>
-          </a:p>
-        </p:txBody>
-      </p:sp>
-      <p:pic>
-        <p:nvPicPr>
-          <p:cNvPr id="88" name="Google Shape;88;p17"/>
-          <p:cNvPicPr preferRelativeResize="0"/>
-          <p:nvPr/>
-        </p:nvPicPr>
-        <p:blipFill>
-          <a:blip r:embed="rId3">
-            <a:alphaModFix/>
-          </a:blip>
-          <a:stretch>
-            <a:fillRect/>
-          </a:stretch>
-        </p:blipFill>
-        <p:spPr>
-          <a:xfrm>
-            <a:off x="0" y="0"/>
-            <a:ext cx="9144003" cy="5143501"/>
-          </a:xfrm>
-          <a:prstGeom prst="rect">
-            <a:avLst/>
-          </a:prstGeom>
-          <a:noFill/>
-          <a:ln>
-            <a:noFill/>
-          </a:ln>
-        </p:spPr>
-      </p:pic>
-      <p:sp>
-        <p:nvSpPr>
-          <p:cNvPr id="7" name="ZoneTexte 6">
-            <a:extLst>
-              <a:ext uri="{FF2B5EF4-FFF2-40B4-BE49-F238E27FC236}">
-                <a16:creationId xmlns:a16="http://schemas.microsoft.com/office/drawing/2014/main" id="{A88213E6-6934-4B6E-823F-61A872EAE5A8}"/>
-              </a:ext>
-            </a:extLst>
-          </p:cNvPr>
-          <p:cNvSpPr txBox="1"/>
-          <p:nvPr/>
-        </p:nvSpPr>
-        <p:spPr>
-          <a:xfrm>
-            <a:off x="2780372" y="1925419"/>
-            <a:ext cx="3442008" cy="646331"/>
-          </a:xfrm>
-          <a:prstGeom prst="rect">
-            <a:avLst/>
-          </a:prstGeom>
-          <a:noFill/>
-        </p:spPr>
-        <p:txBody>
-          <a:bodyPr wrap="square">
-            <a:spAutoFit/>
-          </a:bodyPr>
-          <a:lstStyle/>
-          <a:p>
-            <a:pPr marL="114300" lvl="0" algn="ctr" rtl="0">
-              <a:spcBef>
-                <a:spcPts val="0"/>
-              </a:spcBef>
-              <a:spcAft>
-                <a:spcPts val="0"/>
-              </a:spcAft>
-              <a:buSzPts val="1800"/>
-            </a:pPr>
-            <a:r>
-              <a:rPr lang="en-GB" sz="3600" dirty="0">
-                <a:solidFill>
-                  <a:schemeClr val="bg1"/>
-                </a:solidFill>
-              </a:rPr>
-              <a:t>Thanks</a:t>
-            </a:r>
-          </a:p>
-        </p:txBody>
-      </p:sp>
-    </p:spTree>
-    <p:extLst>
-      <p:ext uri="{BB962C8B-B14F-4D97-AF65-F5344CB8AC3E}">
-        <p14:creationId xmlns:p14="http://schemas.microsoft.com/office/powerpoint/2010/main" val="1942402422"/>
-      </p:ext>
-    </p:extLst>
-  </p:cSld>
-  <p:clrMapOvr>
-    <a:masterClrMapping/>
-  </p:clrMapOvr>
-</p:sld>
-</file>
-
-<file path=ppt/slides/slide18.xml><?xml version="1.0" encoding="utf-8"?>
-<p:sld xmlns:a="http://schemas.openxmlformats.org/drawingml/2006/main" xmlns:r="http://schemas.openxmlformats.org/officeDocument/2006/relationships" xmlns:p="http://schemas.openxmlformats.org/presentationml/2006/main">
-  <p:cSld>
-    <p:spTree>
-      <p:nvGrpSpPr>
         <p:cNvPr id="1" name="Shape 53"/>
         <p:cNvGrpSpPr/>
         <p:nvPr/>
@@ -11058,7 +7004,7 @@
                 <a:ea typeface="+mj-ea"/>
                 <a:cs typeface="+mj-cs"/>
               </a:rPr>
-              <a:t>State Management</a:t>
+              <a:t>Local Storage</a:t>
             </a:r>
           </a:p>
         </p:txBody>
@@ -12580,7 +8526,7 @@
                   <a:schemeClr val="bg1"/>
                 </a:solidFill>
               </a:rPr>
-              <a:t>Stateless vs Stateful</a:t>
+              <a:t>Why Local Storage</a:t>
             </a:r>
           </a:p>
           <a:p>
@@ -12617,7 +8563,7 @@
                   <a:schemeClr val="bg1"/>
                 </a:solidFill>
               </a:rPr>
-              <a:t>What is State</a:t>
+              <a:t>Types of data</a:t>
             </a:r>
           </a:p>
           <a:p>
@@ -12654,7 +8600,7 @@
                   <a:schemeClr val="bg1"/>
                 </a:solidFill>
               </a:rPr>
-              <a:t>State Management Approaches</a:t>
+              <a:t>Local storage packages/plugins</a:t>
             </a:r>
           </a:p>
           <a:p>
@@ -12691,7 +8637,7 @@
                   <a:schemeClr val="bg1"/>
                 </a:solidFill>
               </a:rPr>
-              <a:t>Provider</a:t>
+              <a:t>Let’s code</a:t>
             </a:r>
           </a:p>
         </p:txBody>
@@ -12705,6 +8651,573 @@
 </file>
 
 <file path=ppt/slides/slide5.xml><?xml version="1.0" encoding="utf-8"?>
+<p:sld xmlns:a="http://schemas.openxmlformats.org/drawingml/2006/main" xmlns:r="http://schemas.openxmlformats.org/officeDocument/2006/relationships" xmlns:p="http://schemas.openxmlformats.org/presentationml/2006/main">
+  <p:cSld>
+    <p:spTree>
+      <p:nvGrpSpPr>
+        <p:cNvPr id="1" name="Shape 85"/>
+        <p:cNvGrpSpPr/>
+        <p:nvPr/>
+      </p:nvGrpSpPr>
+      <p:grpSpPr>
+        <a:xfrm>
+          <a:off x="0" y="0"/>
+          <a:ext cx="0" cy="0"/>
+          <a:chOff x="0" y="0"/>
+          <a:chExt cx="0" cy="0"/>
+        </a:xfrm>
+      </p:grpSpPr>
+      <p:sp>
+        <p:nvSpPr>
+          <p:cNvPr id="86" name="Google Shape;86;p17"/>
+          <p:cNvSpPr txBox="1">
+            <a:spLocks noGrp="1"/>
+          </p:cNvSpPr>
+          <p:nvPr>
+            <p:ph type="title"/>
+          </p:nvPr>
+        </p:nvSpPr>
+        <p:spPr>
+          <a:xfrm>
+            <a:off x="311700" y="445025"/>
+            <a:ext cx="8520600" cy="572700"/>
+          </a:xfrm>
+          <a:prstGeom prst="rect">
+            <a:avLst/>
+          </a:prstGeom>
+        </p:spPr>
+        <p:txBody>
+          <a:bodyPr spcFirstLastPara="1" wrap="square" lIns="91425" tIns="91425" rIns="91425" bIns="91425" anchor="t" anchorCtr="0">
+            <a:normAutofit fontScale="90000"/>
+          </a:bodyPr>
+          <a:lstStyle/>
+          <a:p>
+            <a:pPr marL="0" lvl="0" indent="0" algn="l" rtl="0">
+              <a:spcBef>
+                <a:spcPts val="0"/>
+              </a:spcBef>
+              <a:spcAft>
+                <a:spcPts val="0"/>
+              </a:spcAft>
+              <a:buNone/>
+            </a:pPr>
+            <a:endParaRPr/>
+          </a:p>
+        </p:txBody>
+      </p:sp>
+      <p:sp>
+        <p:nvSpPr>
+          <p:cNvPr id="87" name="Google Shape;87;p17"/>
+          <p:cNvSpPr txBox="1">
+            <a:spLocks noGrp="1"/>
+          </p:cNvSpPr>
+          <p:nvPr>
+            <p:ph type="body" idx="1"/>
+          </p:nvPr>
+        </p:nvSpPr>
+        <p:spPr>
+          <a:xfrm>
+            <a:off x="311700" y="1152475"/>
+            <a:ext cx="8520600" cy="3416400"/>
+          </a:xfrm>
+          <a:prstGeom prst="rect">
+            <a:avLst/>
+          </a:prstGeom>
+        </p:spPr>
+        <p:txBody>
+          <a:bodyPr spcFirstLastPara="1" wrap="square" lIns="91425" tIns="91425" rIns="91425" bIns="91425" anchor="t" anchorCtr="0">
+            <a:normAutofit/>
+          </a:bodyPr>
+          <a:lstStyle/>
+          <a:p>
+            <a:pPr marL="0" lvl="0" indent="0" algn="l" rtl="0">
+              <a:spcBef>
+                <a:spcPts val="0"/>
+              </a:spcBef>
+              <a:spcAft>
+                <a:spcPts val="1200"/>
+              </a:spcAft>
+              <a:buNone/>
+            </a:pPr>
+            <a:endParaRPr/>
+          </a:p>
+        </p:txBody>
+      </p:sp>
+      <p:pic>
+        <p:nvPicPr>
+          <p:cNvPr id="88" name="Google Shape;88;p17"/>
+          <p:cNvPicPr preferRelativeResize="0"/>
+          <p:nvPr/>
+        </p:nvPicPr>
+        <p:blipFill>
+          <a:blip r:embed="rId3">
+            <a:alphaModFix/>
+          </a:blip>
+          <a:stretch>
+            <a:fillRect/>
+          </a:stretch>
+        </p:blipFill>
+        <p:spPr>
+          <a:xfrm>
+            <a:off x="0" y="0"/>
+            <a:ext cx="9144003" cy="5143501"/>
+          </a:xfrm>
+          <a:prstGeom prst="rect">
+            <a:avLst/>
+          </a:prstGeom>
+          <a:noFill/>
+          <a:ln>
+            <a:noFill/>
+          </a:ln>
+        </p:spPr>
+      </p:pic>
+      <p:sp>
+        <p:nvSpPr>
+          <p:cNvPr id="5" name="ZoneTexte 4">
+            <a:extLst>
+              <a:ext uri="{FF2B5EF4-FFF2-40B4-BE49-F238E27FC236}">
+                <a16:creationId xmlns:a16="http://schemas.microsoft.com/office/drawing/2014/main" id="{8F9F4FC5-8DC8-4546-BE17-A7FBDAD28216}"/>
+              </a:ext>
+            </a:extLst>
+          </p:cNvPr>
+          <p:cNvSpPr txBox="1"/>
+          <p:nvPr/>
+        </p:nvSpPr>
+        <p:spPr>
+          <a:xfrm>
+            <a:off x="2118731" y="212384"/>
+            <a:ext cx="5143704" cy="707886"/>
+          </a:xfrm>
+          <a:prstGeom prst="rect">
+            <a:avLst/>
+          </a:prstGeom>
+          <a:noFill/>
+        </p:spPr>
+        <p:txBody>
+          <a:bodyPr wrap="square">
+            <a:spAutoFit/>
+          </a:bodyPr>
+          <a:lstStyle/>
+          <a:p>
+            <a:pPr marL="114300" lvl="0" algn="ctr" rtl="0">
+              <a:spcBef>
+                <a:spcPts val="600"/>
+              </a:spcBef>
+              <a:spcAft>
+                <a:spcPts val="0"/>
+              </a:spcAft>
+              <a:buSzPts val="1800"/>
+            </a:pPr>
+            <a:r>
+              <a:rPr lang="en-GB" sz="4000" dirty="0">
+                <a:solidFill>
+                  <a:schemeClr val="bg1"/>
+                </a:solidFill>
+              </a:rPr>
+              <a:t>Why Local Storage</a:t>
+            </a:r>
+          </a:p>
+        </p:txBody>
+      </p:sp>
+      <p:sp>
+        <p:nvSpPr>
+          <p:cNvPr id="6" name="Google Shape;595;p17">
+            <a:extLst>
+              <a:ext uri="{FF2B5EF4-FFF2-40B4-BE49-F238E27FC236}">
+                <a16:creationId xmlns:a16="http://schemas.microsoft.com/office/drawing/2014/main" id="{F130A763-8215-40A3-99CE-15755CF72539}"/>
+              </a:ext>
+            </a:extLst>
+          </p:cNvPr>
+          <p:cNvSpPr txBox="1"/>
+          <p:nvPr/>
+        </p:nvSpPr>
+        <p:spPr>
+          <a:xfrm>
+            <a:off x="311700" y="1462750"/>
+            <a:ext cx="8520600" cy="2448327"/>
+          </a:xfrm>
+          <a:prstGeom prst="rect">
+            <a:avLst/>
+          </a:prstGeom>
+          <a:noFill/>
+          <a:ln>
+            <a:noFill/>
+          </a:ln>
+        </p:spPr>
+        <p:txBody>
+          <a:bodyPr wrap="square" lIns="0" tIns="0" rIns="0" bIns="0" anchor="t" anchorCtr="0">
+            <a:noAutofit/>
+          </a:bodyPr>
+          <a:lstStyle>
+            <a:defPPr marR="0" lvl="0" algn="l" rtl="0">
+              <a:lnSpc>
+                <a:spcPct val="100000"/>
+              </a:lnSpc>
+              <a:spcBef>
+                <a:spcPts val="0"/>
+              </a:spcBef>
+              <a:spcAft>
+                <a:spcPts val="0"/>
+              </a:spcAft>
+            </a:defPPr>
+            <a:lvl1pPr marL="457200" marR="0" lvl="0" indent="-342900" algn="l" rtl="0">
+              <a:lnSpc>
+                <a:spcPct val="110000"/>
+              </a:lnSpc>
+              <a:spcBef>
+                <a:spcPts val="600"/>
+              </a:spcBef>
+              <a:spcAft>
+                <a:spcPts val="0"/>
+              </a:spcAft>
+              <a:buClr>
+                <a:schemeClr val="accent1"/>
+              </a:buClr>
+              <a:buSzPts val="1800"/>
+              <a:buFont typeface="Barlow Light"/>
+              <a:buChar char="▸"/>
+              <a:defRPr sz="2000" b="0" i="0" u="none" strike="noStrike" cap="none">
+                <a:solidFill>
+                  <a:schemeClr val="dk1"/>
+                </a:solidFill>
+                <a:latin typeface="Barlow Light"/>
+                <a:ea typeface="Barlow Light"/>
+                <a:cs typeface="Barlow Light"/>
+                <a:sym typeface="Barlow Light"/>
+              </a:defRPr>
+            </a:lvl1pPr>
+            <a:lvl2pPr marL="914400" marR="0" lvl="1" indent="-342900" algn="l" rtl="0">
+              <a:lnSpc>
+                <a:spcPct val="110000"/>
+              </a:lnSpc>
+              <a:spcBef>
+                <a:spcPts val="600"/>
+              </a:spcBef>
+              <a:spcAft>
+                <a:spcPts val="0"/>
+              </a:spcAft>
+              <a:buClr>
+                <a:schemeClr val="accent1"/>
+              </a:buClr>
+              <a:buSzPts val="1800"/>
+              <a:buFont typeface="Barlow Light"/>
+              <a:buChar char="▹"/>
+              <a:defRPr sz="2000" b="0" i="0" u="none" strike="noStrike" cap="none">
+                <a:solidFill>
+                  <a:schemeClr val="dk1"/>
+                </a:solidFill>
+                <a:latin typeface="Barlow Light"/>
+                <a:ea typeface="Barlow Light"/>
+                <a:cs typeface="Barlow Light"/>
+                <a:sym typeface="Barlow Light"/>
+              </a:defRPr>
+            </a:lvl2pPr>
+            <a:lvl3pPr marL="1371600" marR="0" lvl="2" indent="-342900" algn="l" rtl="0">
+              <a:lnSpc>
+                <a:spcPct val="110000"/>
+              </a:lnSpc>
+              <a:spcBef>
+                <a:spcPts val="600"/>
+              </a:spcBef>
+              <a:spcAft>
+                <a:spcPts val="0"/>
+              </a:spcAft>
+              <a:buClr>
+                <a:schemeClr val="accent1"/>
+              </a:buClr>
+              <a:buSzPts val="1800"/>
+              <a:buFont typeface="Barlow Light"/>
+              <a:buChar char="▹"/>
+              <a:defRPr sz="2000" b="0" i="0" u="none" strike="noStrike" cap="none">
+                <a:solidFill>
+                  <a:schemeClr val="dk1"/>
+                </a:solidFill>
+                <a:latin typeface="Barlow Light"/>
+                <a:ea typeface="Barlow Light"/>
+                <a:cs typeface="Barlow Light"/>
+                <a:sym typeface="Barlow Light"/>
+              </a:defRPr>
+            </a:lvl3pPr>
+            <a:lvl4pPr marL="1828800" marR="0" lvl="3" indent="-355600" algn="l" rtl="0">
+              <a:lnSpc>
+                <a:spcPct val="110000"/>
+              </a:lnSpc>
+              <a:spcBef>
+                <a:spcPts val="600"/>
+              </a:spcBef>
+              <a:spcAft>
+                <a:spcPts val="0"/>
+              </a:spcAft>
+              <a:buClr>
+                <a:schemeClr val="dk1"/>
+              </a:buClr>
+              <a:buSzPts val="2000"/>
+              <a:buFont typeface="Barlow Light"/>
+              <a:buChar char="▹"/>
+              <a:defRPr sz="2000" b="0" i="0" u="none" strike="noStrike" cap="none">
+                <a:solidFill>
+                  <a:schemeClr val="dk1"/>
+                </a:solidFill>
+                <a:latin typeface="Barlow Light"/>
+                <a:ea typeface="Barlow Light"/>
+                <a:cs typeface="Barlow Light"/>
+                <a:sym typeface="Barlow Light"/>
+              </a:defRPr>
+            </a:lvl4pPr>
+            <a:lvl5pPr marL="2286000" marR="0" lvl="4" indent="-355600" algn="l" rtl="0">
+              <a:lnSpc>
+                <a:spcPct val="110000"/>
+              </a:lnSpc>
+              <a:spcBef>
+                <a:spcPts val="600"/>
+              </a:spcBef>
+              <a:spcAft>
+                <a:spcPts val="0"/>
+              </a:spcAft>
+              <a:buClr>
+                <a:schemeClr val="dk1"/>
+              </a:buClr>
+              <a:buSzPts val="2000"/>
+              <a:buFont typeface="Barlow Light"/>
+              <a:buChar char="▹"/>
+              <a:defRPr sz="2000" b="0" i="0" u="none" strike="noStrike" cap="none">
+                <a:solidFill>
+                  <a:schemeClr val="dk1"/>
+                </a:solidFill>
+                <a:latin typeface="Barlow Light"/>
+                <a:ea typeface="Barlow Light"/>
+                <a:cs typeface="Barlow Light"/>
+                <a:sym typeface="Barlow Light"/>
+              </a:defRPr>
+            </a:lvl5pPr>
+            <a:lvl6pPr marL="2743200" marR="0" lvl="5" indent="-355600" algn="l" rtl="0">
+              <a:lnSpc>
+                <a:spcPct val="110000"/>
+              </a:lnSpc>
+              <a:spcBef>
+                <a:spcPts val="600"/>
+              </a:spcBef>
+              <a:spcAft>
+                <a:spcPts val="0"/>
+              </a:spcAft>
+              <a:buClr>
+                <a:schemeClr val="dk1"/>
+              </a:buClr>
+              <a:buSzPts val="2000"/>
+              <a:buFont typeface="Barlow Light"/>
+              <a:buChar char="▹"/>
+              <a:defRPr sz="2000" b="0" i="0" u="none" strike="noStrike" cap="none">
+                <a:solidFill>
+                  <a:schemeClr val="dk1"/>
+                </a:solidFill>
+                <a:latin typeface="Barlow Light"/>
+                <a:ea typeface="Barlow Light"/>
+                <a:cs typeface="Barlow Light"/>
+                <a:sym typeface="Barlow Light"/>
+              </a:defRPr>
+            </a:lvl6pPr>
+            <a:lvl7pPr marL="3200400" marR="0" lvl="6" indent="-355600" algn="l" rtl="0">
+              <a:lnSpc>
+                <a:spcPct val="110000"/>
+              </a:lnSpc>
+              <a:spcBef>
+                <a:spcPts val="600"/>
+              </a:spcBef>
+              <a:spcAft>
+                <a:spcPts val="0"/>
+              </a:spcAft>
+              <a:buClr>
+                <a:schemeClr val="dk1"/>
+              </a:buClr>
+              <a:buSzPts val="2000"/>
+              <a:buFont typeface="Barlow Light"/>
+              <a:buChar char="▹"/>
+              <a:defRPr sz="2000" b="0" i="0" u="none" strike="noStrike" cap="none">
+                <a:solidFill>
+                  <a:schemeClr val="dk1"/>
+                </a:solidFill>
+                <a:latin typeface="Barlow Light"/>
+                <a:ea typeface="Barlow Light"/>
+                <a:cs typeface="Barlow Light"/>
+                <a:sym typeface="Barlow Light"/>
+              </a:defRPr>
+            </a:lvl7pPr>
+            <a:lvl8pPr marL="3657600" marR="0" lvl="7" indent="-355600" algn="l" rtl="0">
+              <a:lnSpc>
+                <a:spcPct val="110000"/>
+              </a:lnSpc>
+              <a:spcBef>
+                <a:spcPts val="600"/>
+              </a:spcBef>
+              <a:spcAft>
+                <a:spcPts val="0"/>
+              </a:spcAft>
+              <a:buClr>
+                <a:schemeClr val="dk1"/>
+              </a:buClr>
+              <a:buSzPts val="2000"/>
+              <a:buFont typeface="Barlow Light"/>
+              <a:buChar char="▹"/>
+              <a:defRPr sz="2000" b="0" i="0" u="none" strike="noStrike" cap="none">
+                <a:solidFill>
+                  <a:schemeClr val="dk1"/>
+                </a:solidFill>
+                <a:latin typeface="Barlow Light"/>
+                <a:ea typeface="Barlow Light"/>
+                <a:cs typeface="Barlow Light"/>
+                <a:sym typeface="Barlow Light"/>
+              </a:defRPr>
+            </a:lvl8pPr>
+            <a:lvl9pPr marL="4114800" marR="0" lvl="8" indent="-355600" algn="l" rtl="0">
+              <a:lnSpc>
+                <a:spcPct val="110000"/>
+              </a:lnSpc>
+              <a:spcBef>
+                <a:spcPts val="600"/>
+              </a:spcBef>
+              <a:spcAft>
+                <a:spcPts val="0"/>
+              </a:spcAft>
+              <a:buClr>
+                <a:schemeClr val="dk1"/>
+              </a:buClr>
+              <a:buSzPts val="2000"/>
+              <a:buFont typeface="Barlow Light"/>
+              <a:buChar char="▹"/>
+              <a:defRPr sz="2000" b="0" i="0" u="none" strike="noStrike" cap="none">
+                <a:solidFill>
+                  <a:schemeClr val="dk1"/>
+                </a:solidFill>
+                <a:latin typeface="Barlow Light"/>
+                <a:ea typeface="Barlow Light"/>
+                <a:cs typeface="Barlow Light"/>
+                <a:sym typeface="Barlow Light"/>
+              </a:defRPr>
+            </a:lvl9pPr>
+          </a:lstStyle>
+          <a:p>
+            <a:pPr marL="457200" lvl="0" indent="-342900" algn="l" rtl="0">
+              <a:spcBef>
+                <a:spcPts val="600"/>
+              </a:spcBef>
+              <a:spcAft>
+                <a:spcPts val="0"/>
+              </a:spcAft>
+              <a:buSzPts val="1800"/>
+              <a:buChar char="▸"/>
+            </a:pPr>
+            <a:endParaRPr lang="en-US" dirty="0">
+              <a:solidFill>
+                <a:schemeClr val="bg1"/>
+              </a:solidFill>
+            </a:endParaRPr>
+          </a:p>
+          <a:p>
+            <a:pPr marL="457200" lvl="0" indent="-342900" algn="l" rtl="0">
+              <a:spcBef>
+                <a:spcPts val="600"/>
+              </a:spcBef>
+              <a:spcAft>
+                <a:spcPts val="0"/>
+              </a:spcAft>
+              <a:buSzPts val="1800"/>
+              <a:buChar char="▸"/>
+            </a:pPr>
+            <a:r>
+              <a:rPr lang="en-US" dirty="0">
+                <a:solidFill>
+                  <a:schemeClr val="bg1"/>
+                </a:solidFill>
+              </a:rPr>
+              <a:t>Sometimes there are just some things that need to be stored locally in your app</a:t>
+            </a:r>
+            <a:r>
+              <a:rPr lang="en-GB" dirty="0">
+                <a:solidFill>
+                  <a:schemeClr val="bg1"/>
+                </a:solidFill>
+              </a:rPr>
+              <a:t>	</a:t>
+            </a:r>
+          </a:p>
+          <a:p>
+            <a:pPr marL="114300" lvl="0" indent="0" algn="l" rtl="0">
+              <a:spcBef>
+                <a:spcPts val="600"/>
+              </a:spcBef>
+              <a:spcAft>
+                <a:spcPts val="0"/>
+              </a:spcAft>
+              <a:buSzPts val="1800"/>
+              <a:buNone/>
+            </a:pPr>
+            <a:endParaRPr lang="en-GB" dirty="0">
+              <a:solidFill>
+                <a:schemeClr val="bg1"/>
+              </a:solidFill>
+            </a:endParaRPr>
+          </a:p>
+          <a:p>
+            <a:pPr marL="114300" lvl="0" indent="0" algn="ctr" rtl="0">
+              <a:spcBef>
+                <a:spcPts val="0"/>
+              </a:spcBef>
+              <a:spcAft>
+                <a:spcPts val="0"/>
+              </a:spcAft>
+              <a:buSzPts val="1800"/>
+              <a:buNone/>
+            </a:pPr>
+            <a:r>
+              <a:rPr lang="en-US" dirty="0">
+                <a:solidFill>
+                  <a:schemeClr val="bg1"/>
+                </a:solidFill>
+              </a:rPr>
+              <a:t> Note : It’s important to note that you should not store critical data locally,</a:t>
+            </a:r>
+          </a:p>
+          <a:p>
+            <a:pPr marL="114300" lvl="0" indent="0" rtl="0">
+              <a:spcBef>
+                <a:spcPts val="0"/>
+              </a:spcBef>
+              <a:spcAft>
+                <a:spcPts val="0"/>
+              </a:spcAft>
+              <a:buSzPts val="1800"/>
+              <a:buNone/>
+            </a:pPr>
+            <a:r>
+              <a:rPr lang="en-US" dirty="0">
+                <a:solidFill>
+                  <a:schemeClr val="bg1"/>
+                </a:solidFill>
+              </a:rPr>
+              <a:t>all important, critical data should be stored in a backend of your choosing</a:t>
+            </a:r>
+            <a:endParaRPr lang="en-GB" dirty="0">
+              <a:solidFill>
+                <a:schemeClr val="bg1"/>
+              </a:solidFill>
+            </a:endParaRPr>
+          </a:p>
+        </p:txBody>
+      </p:sp>
+    </p:spTree>
+    <p:extLst>
+      <p:ext uri="{BB962C8B-B14F-4D97-AF65-F5344CB8AC3E}">
+        <p14:creationId xmlns:p14="http://schemas.microsoft.com/office/powerpoint/2010/main" val="3959327254"/>
+      </p:ext>
+    </p:extLst>
+  </p:cSld>
+  <p:clrMapOvr>
+    <a:masterClrMapping/>
+  </p:clrMapOvr>
+</p:sld>
+</file>
+
+<file path=ppt/slides/slide6.xml><?xml version="1.0" encoding="utf-8"?>
 <p:sld xmlns:a="http://schemas.openxmlformats.org/drawingml/2006/main" xmlns:r="http://schemas.openxmlformats.org/officeDocument/2006/relationships" xmlns:p="http://schemas.openxmlformats.org/presentationml/2006/main">
   <p:cSld>
     <p:spTree>
@@ -12860,7 +9373,7 @@
                   <a:schemeClr val="bg1"/>
                 </a:solidFill>
               </a:rPr>
-              <a:t>Stateless vs Stateful</a:t>
+              <a:t>Types of Data</a:t>
             </a:r>
           </a:p>
         </p:txBody>
@@ -12879,7 +9392,7 @@
         </p:nvSpPr>
         <p:spPr>
           <a:xfrm>
-            <a:off x="311700" y="1305917"/>
+            <a:off x="311700" y="1246538"/>
             <a:ext cx="8520600" cy="3451937"/>
           </a:xfrm>
           <a:prstGeom prst="rect">
@@ -13159,73 +9672,21 @@
             </a:endParaRPr>
           </a:p>
           <a:p>
-            <a:pPr marL="457200" lvl="0" indent="-342900" algn="l" rtl="0">
-              <a:spcBef>
-                <a:spcPts val="600"/>
-              </a:spcBef>
-              <a:spcAft>
-                <a:spcPts val="0"/>
-              </a:spcAft>
-              <a:buSzPts val="1800"/>
+            <a:pPr lvl="1">
               <a:buChar char="▸"/>
             </a:pPr>
             <a:r>
-              <a:rPr lang="en-US" dirty="0">
+              <a:rPr lang="en-GB" dirty="0">
                 <a:solidFill>
                   <a:schemeClr val="bg1"/>
                 </a:solidFill>
               </a:rPr>
-              <a:t>Stateless widget never changes</a:t>
+              <a:t>Simple Values</a:t>
             </a:r>
           </a:p>
           <a:p>
             <a:pPr lvl="1">
               <a:buChar char="▸"/>
-            </a:pPr>
-            <a:r>
-              <a:rPr lang="en-US" dirty="0">
-                <a:solidFill>
-                  <a:schemeClr val="bg1"/>
-                </a:solidFill>
-              </a:rPr>
-              <a:t>Ex : Icon, Text, Container,…</a:t>
-            </a:r>
-            <a:endParaRPr lang="en-GB" dirty="0">
-              <a:solidFill>
-                <a:schemeClr val="bg1"/>
-              </a:solidFill>
-            </a:endParaRPr>
-          </a:p>
-          <a:p>
-            <a:pPr marL="114300" lvl="0" indent="0" algn="l" rtl="0">
-              <a:spcBef>
-                <a:spcPts val="600"/>
-              </a:spcBef>
-              <a:spcAft>
-                <a:spcPts val="0"/>
-              </a:spcAft>
-              <a:buSzPts val="1800"/>
-              <a:buNone/>
-            </a:pPr>
-            <a:r>
-              <a:rPr lang="en-GB" dirty="0">
-                <a:solidFill>
-                  <a:schemeClr val="bg1"/>
-                </a:solidFill>
-              </a:rPr>
-              <a:t>	</a:t>
-            </a:r>
-          </a:p>
-          <a:p>
-            <a:pPr marL="114300" lvl="0" indent="0" algn="l" rtl="0">
-              <a:spcBef>
-                <a:spcPts val="600"/>
-              </a:spcBef>
-              <a:spcAft>
-                <a:spcPts val="0"/>
-              </a:spcAft>
-              <a:buSzPts val="1800"/>
-              <a:buNone/>
             </a:pPr>
             <a:endParaRPr lang="en-GB" dirty="0">
               <a:solidFill>
@@ -13234,14 +9695,7 @@
             </a:endParaRPr>
           </a:p>
           <a:p>
-            <a:pPr marL="457200" lvl="0" indent="-342900" algn="l" rtl="0">
-              <a:spcBef>
-                <a:spcPts val="0"/>
-              </a:spcBef>
-              <a:spcAft>
-                <a:spcPts val="0"/>
-              </a:spcAft>
-              <a:buSzPts val="1800"/>
+            <a:pPr lvl="1">
               <a:buChar char="▸"/>
             </a:pPr>
             <a:r>
@@ -13250,35 +9704,12 @@
                   <a:schemeClr val="bg1"/>
                 </a:solidFill>
               </a:rPr>
-              <a:t>Stateful widget is dynamic</a:t>
+              <a:t>Database</a:t>
             </a:r>
           </a:p>
           <a:p>
             <a:pPr lvl="1">
-              <a:spcBef>
-                <a:spcPts val="0"/>
-              </a:spcBef>
               <a:buChar char="▸"/>
-            </a:pPr>
-            <a:r>
-              <a:rPr lang="en-GB" dirty="0">
-                <a:solidFill>
-                  <a:schemeClr val="bg1"/>
-                </a:solidFill>
-              </a:rPr>
-              <a:t>Ex : CheckBox, TextField, Slider,…</a:t>
-            </a:r>
-          </a:p>
-          <a:p>
-            <a:pPr marL="114300" lvl="0" indent="0" algn="l" rtl="0">
-              <a:spcBef>
-                <a:spcPts val="0"/>
-              </a:spcBef>
-              <a:spcAft>
-                <a:spcPts val="0"/>
-              </a:spcAft>
-              <a:buSzPts val="1800"/>
-              <a:buNone/>
             </a:pPr>
             <a:endParaRPr lang="en-GB" dirty="0">
               <a:solidFill>
@@ -13286,216 +9717,25 @@
               </a:solidFill>
             </a:endParaRPr>
           </a:p>
+          <a:p>
+            <a:pPr lvl="1">
+              <a:buChar char="▸"/>
+            </a:pPr>
+            <a:r>
+              <a:rPr lang="en-GB" dirty="0">
+                <a:solidFill>
+                  <a:schemeClr val="bg1"/>
+                </a:solidFill>
+              </a:rPr>
+              <a:t>Files	</a:t>
+            </a:r>
+          </a:p>
         </p:txBody>
       </p:sp>
     </p:spTree>
     <p:extLst>
       <p:ext uri="{BB962C8B-B14F-4D97-AF65-F5344CB8AC3E}">
-        <p14:creationId xmlns:p14="http://schemas.microsoft.com/office/powerpoint/2010/main" val="3959327254"/>
-      </p:ext>
-    </p:extLst>
-  </p:cSld>
-  <p:clrMapOvr>
-    <a:masterClrMapping/>
-  </p:clrMapOvr>
-</p:sld>
-</file>
-
-<file path=ppt/slides/slide6.xml><?xml version="1.0" encoding="utf-8"?>
-<p:sld xmlns:a="http://schemas.openxmlformats.org/drawingml/2006/main" xmlns:r="http://schemas.openxmlformats.org/officeDocument/2006/relationships" xmlns:p="http://schemas.openxmlformats.org/presentationml/2006/main">
-  <p:cSld>
-    <p:spTree>
-      <p:nvGrpSpPr>
-        <p:cNvPr id="1" name="Shape 85"/>
-        <p:cNvGrpSpPr/>
-        <p:nvPr/>
-      </p:nvGrpSpPr>
-      <p:grpSpPr>
-        <a:xfrm>
-          <a:off x="0" y="0"/>
-          <a:ext cx="0" cy="0"/>
-          <a:chOff x="0" y="0"/>
-          <a:chExt cx="0" cy="0"/>
-        </a:xfrm>
-      </p:grpSpPr>
-      <p:sp>
-        <p:nvSpPr>
-          <p:cNvPr id="86" name="Google Shape;86;p17"/>
-          <p:cNvSpPr txBox="1">
-            <a:spLocks noGrp="1"/>
-          </p:cNvSpPr>
-          <p:nvPr>
-            <p:ph type="title"/>
-          </p:nvPr>
-        </p:nvSpPr>
-        <p:spPr>
-          <a:xfrm>
-            <a:off x="311700" y="445025"/>
-            <a:ext cx="8520600" cy="572700"/>
-          </a:xfrm>
-          <a:prstGeom prst="rect">
-            <a:avLst/>
-          </a:prstGeom>
-        </p:spPr>
-        <p:txBody>
-          <a:bodyPr spcFirstLastPara="1" wrap="square" lIns="91425" tIns="91425" rIns="91425" bIns="91425" anchor="t" anchorCtr="0">
-            <a:normAutofit fontScale="90000"/>
-          </a:bodyPr>
-          <a:lstStyle/>
-          <a:p>
-            <a:pPr marL="0" lvl="0" indent="0" algn="l" rtl="0">
-              <a:spcBef>
-                <a:spcPts val="0"/>
-              </a:spcBef>
-              <a:spcAft>
-                <a:spcPts val="0"/>
-              </a:spcAft>
-              <a:buNone/>
-            </a:pPr>
-            <a:endParaRPr/>
-          </a:p>
-        </p:txBody>
-      </p:sp>
-      <p:sp>
-        <p:nvSpPr>
-          <p:cNvPr id="87" name="Google Shape;87;p17"/>
-          <p:cNvSpPr txBox="1">
-            <a:spLocks noGrp="1"/>
-          </p:cNvSpPr>
-          <p:nvPr>
-            <p:ph type="body" idx="1"/>
-          </p:nvPr>
-        </p:nvSpPr>
-        <p:spPr>
-          <a:xfrm>
-            <a:off x="311700" y="1152475"/>
-            <a:ext cx="8520600" cy="3416400"/>
-          </a:xfrm>
-          <a:prstGeom prst="rect">
-            <a:avLst/>
-          </a:prstGeom>
-        </p:spPr>
-        <p:txBody>
-          <a:bodyPr spcFirstLastPara="1" wrap="square" lIns="91425" tIns="91425" rIns="91425" bIns="91425" anchor="t" anchorCtr="0">
-            <a:normAutofit/>
-          </a:bodyPr>
-          <a:lstStyle/>
-          <a:p>
-            <a:pPr marL="0" lvl="0" indent="0" algn="l" rtl="0">
-              <a:spcBef>
-                <a:spcPts val="0"/>
-              </a:spcBef>
-              <a:spcAft>
-                <a:spcPts val="1200"/>
-              </a:spcAft>
-              <a:buNone/>
-            </a:pPr>
-            <a:endParaRPr/>
-          </a:p>
-        </p:txBody>
-      </p:sp>
-      <p:pic>
-        <p:nvPicPr>
-          <p:cNvPr id="88" name="Google Shape;88;p17"/>
-          <p:cNvPicPr preferRelativeResize="0"/>
-          <p:nvPr/>
-        </p:nvPicPr>
-        <p:blipFill>
-          <a:blip r:embed="rId3">
-            <a:alphaModFix/>
-          </a:blip>
-          <a:stretch>
-            <a:fillRect/>
-          </a:stretch>
-        </p:blipFill>
-        <p:spPr>
-          <a:xfrm>
-            <a:off x="0" y="0"/>
-            <a:ext cx="9144003" cy="5143501"/>
-          </a:xfrm>
-          <a:prstGeom prst="rect">
-            <a:avLst/>
-          </a:prstGeom>
-          <a:noFill/>
-          <a:ln>
-            <a:noFill/>
-          </a:ln>
-        </p:spPr>
-      </p:pic>
-      <p:sp>
-        <p:nvSpPr>
-          <p:cNvPr id="5" name="ZoneTexte 4">
-            <a:extLst>
-              <a:ext uri="{FF2B5EF4-FFF2-40B4-BE49-F238E27FC236}">
-                <a16:creationId xmlns:a16="http://schemas.microsoft.com/office/drawing/2014/main" id="{8F9F4FC5-8DC8-4546-BE17-A7FBDAD28216}"/>
-              </a:ext>
-            </a:extLst>
-          </p:cNvPr>
-          <p:cNvSpPr txBox="1"/>
-          <p:nvPr/>
-        </p:nvSpPr>
-        <p:spPr>
-          <a:xfrm>
-            <a:off x="1260089" y="89210"/>
-            <a:ext cx="6128726" cy="707886"/>
-          </a:xfrm>
-          <a:prstGeom prst="rect">
-            <a:avLst/>
-          </a:prstGeom>
-          <a:noFill/>
-        </p:spPr>
-        <p:txBody>
-          <a:bodyPr wrap="square">
-            <a:spAutoFit/>
-          </a:bodyPr>
-          <a:lstStyle/>
-          <a:p>
-            <a:pPr algn="ctr"/>
-            <a:r>
-              <a:rPr lang="en-GB" sz="4000" dirty="0">
-                <a:solidFill>
-                  <a:schemeClr val="bg1"/>
-                </a:solidFill>
-              </a:rPr>
-              <a:t>Stateless vs Stateful</a:t>
-            </a:r>
-          </a:p>
-        </p:txBody>
-      </p:sp>
-      <p:pic>
-        <p:nvPicPr>
-          <p:cNvPr id="3" name="Image 2">
-            <a:extLst>
-              <a:ext uri="{FF2B5EF4-FFF2-40B4-BE49-F238E27FC236}">
-                <a16:creationId xmlns:a16="http://schemas.microsoft.com/office/drawing/2014/main" id="{B4014A41-2755-4B14-8CCA-B2C3DE3A942A}"/>
-              </a:ext>
-            </a:extLst>
-          </p:cNvPr>
-          <p:cNvPicPr>
-            <a:picLocks noChangeAspect="1"/>
-          </p:cNvPicPr>
-          <p:nvPr/>
-        </p:nvPicPr>
-        <p:blipFill>
-          <a:blip r:embed="rId4"/>
-          <a:stretch>
-            <a:fillRect/>
-          </a:stretch>
-        </p:blipFill>
-        <p:spPr>
-          <a:xfrm>
-            <a:off x="1384968" y="731374"/>
-            <a:ext cx="6374064" cy="4256937"/>
-          </a:xfrm>
-          <a:prstGeom prst="rect">
-            <a:avLst/>
-          </a:prstGeom>
-        </p:spPr>
-      </p:pic>
-    </p:spTree>
-    <p:extLst>
-      <p:ext uri="{BB962C8B-B14F-4D97-AF65-F5344CB8AC3E}">
-        <p14:creationId xmlns:p14="http://schemas.microsoft.com/office/powerpoint/2010/main" val="774930864"/>
+        <p14:creationId xmlns:p14="http://schemas.microsoft.com/office/powerpoint/2010/main" val="1375110684"/>
       </p:ext>
     </p:extLst>
   </p:cSld>
@@ -13640,8 +9880,8 @@
         </p:nvSpPr>
         <p:spPr>
           <a:xfrm>
-            <a:off x="1237787" y="153006"/>
-            <a:ext cx="6128726" cy="707886"/>
+            <a:off x="1237786" y="153006"/>
+            <a:ext cx="7906213" cy="707886"/>
           </a:xfrm>
           <a:prstGeom prst="rect">
             <a:avLst/>
@@ -13661,7 +9901,7 @@
                   <a:schemeClr val="bg1"/>
                 </a:solidFill>
               </a:rPr>
-              <a:t>State</a:t>
+              <a:t>Local storage packages/plugins</a:t>
             </a:r>
           </a:p>
         </p:txBody>
@@ -13969,12 +10209,61 @@
                   <a:schemeClr val="bg1"/>
                 </a:solidFill>
               </a:rPr>
-              <a:t>State consists of values or any data stored in your app that can change</a:t>
+              <a:t>Shared preferences</a:t>
             </a:r>
           </a:p>
           <a:p>
             <a:pPr lvl="1">
               <a:buChar char="▸"/>
+            </a:pPr>
+            <a:r>
+              <a:rPr lang="en-GB" dirty="0" err="1">
+                <a:solidFill>
+                  <a:schemeClr val="bg1"/>
+                </a:solidFill>
+              </a:rPr>
+              <a:t>Sqflite</a:t>
+            </a:r>
+            <a:endParaRPr lang="en-GB" dirty="0">
+              <a:solidFill>
+                <a:schemeClr val="bg1"/>
+              </a:solidFill>
+            </a:endParaRPr>
+          </a:p>
+          <a:p>
+            <a:pPr lvl="1">
+              <a:buChar char="▸"/>
+            </a:pPr>
+            <a:r>
+              <a:rPr lang="en-GB" dirty="0">
+                <a:solidFill>
+                  <a:schemeClr val="bg1"/>
+                </a:solidFill>
+              </a:rPr>
+              <a:t>Hive</a:t>
+            </a:r>
+          </a:p>
+          <a:p>
+            <a:pPr lvl="1">
+              <a:buChar char="▸"/>
+            </a:pPr>
+            <a:r>
+              <a:rPr lang="en-GB" dirty="0" err="1">
+                <a:solidFill>
+                  <a:schemeClr val="bg1"/>
+                </a:solidFill>
+              </a:rPr>
+              <a:t>flutter_secure_storage</a:t>
+            </a:r>
+            <a:endParaRPr lang="en-GB" dirty="0">
+              <a:solidFill>
+                <a:schemeClr val="bg1"/>
+              </a:solidFill>
+            </a:endParaRPr>
+          </a:p>
+          <a:p>
+            <a:pPr marL="571500" lvl="1" indent="0">
+              <a:buNone/>
             </a:pPr>
             <a:endParaRPr lang="en-GB" dirty="0">
               <a:solidFill>
@@ -13992,74 +10281,29 @@
                   <a:schemeClr val="bg1"/>
                 </a:solidFill>
               </a:rPr>
-              <a:t>Like _counter in the default flutter app</a:t>
+              <a:t>For more check : </a:t>
             </a:r>
-          </a:p>
-          <a:p>
-            <a:pPr lvl="1">
-              <a:buChar char="▸"/>
-            </a:pPr>
+            <a:r>
+              <a:rPr lang="en-GB" dirty="0">
+                <a:solidFill>
+                  <a:schemeClr val="bg1"/>
+                </a:solidFill>
+                <a:hlinkClick r:id="rId4"/>
+              </a:rPr>
+              <a:t>https://fluttergems.dev/persistent-storage/</a:t>
+            </a:r>
             <a:endParaRPr lang="en-GB" dirty="0">
               <a:solidFill>
                 <a:schemeClr val="bg1"/>
               </a:solidFill>
             </a:endParaRPr>
           </a:p>
-          <a:p>
-            <a:pPr lvl="1">
-              <a:buChar char="▸"/>
-            </a:pPr>
-            <a:r>
-              <a:rPr lang="en-GB" dirty="0">
-                <a:solidFill>
-                  <a:schemeClr val="bg1"/>
-                </a:solidFill>
-              </a:rPr>
-              <a:t>State </a:t>
-            </a:r>
-            <a:r>
-              <a:rPr lang="en-US" dirty="0">
-                <a:solidFill>
-                  <a:schemeClr val="bg1"/>
-                </a:solidFill>
-              </a:rPr>
-              <a:t>comes a time when you need to share application state between screens, across your app</a:t>
-            </a:r>
-            <a:r>
-              <a:rPr lang="en-GB" dirty="0">
-                <a:solidFill>
-                  <a:schemeClr val="bg1"/>
-                </a:solidFill>
-              </a:rPr>
-              <a:t> </a:t>
-            </a:r>
-          </a:p>
-          <a:p>
-            <a:pPr marL="114300" lvl="0" indent="0" algn="l" rtl="0">
-              <a:spcBef>
-                <a:spcPts val="600"/>
-              </a:spcBef>
-              <a:spcAft>
-                <a:spcPts val="0"/>
-              </a:spcAft>
-              <a:buSzPts val="1800"/>
-              <a:buNone/>
-            </a:pPr>
-            <a:r>
-              <a:rPr lang="en-GB" dirty="0">
-                <a:solidFill>
-                  <a:schemeClr val="bg1"/>
-                </a:solidFill>
-              </a:rPr>
-              <a:t>	</a:t>
-            </a:r>
-          </a:p>
         </p:txBody>
       </p:sp>
     </p:spTree>
     <p:extLst>
       <p:ext uri="{BB962C8B-B14F-4D97-AF65-F5344CB8AC3E}">
-        <p14:creationId xmlns:p14="http://schemas.microsoft.com/office/powerpoint/2010/main" val="1375110684"/>
+        <p14:creationId xmlns:p14="http://schemas.microsoft.com/office/powerpoint/2010/main" val="2128829558"/>
       </p:ext>
     </p:extLst>
   </p:cSld>
@@ -14192,10 +10436,10 @@
       </p:pic>
       <p:sp>
         <p:nvSpPr>
-          <p:cNvPr id="5" name="ZoneTexte 4">
+          <p:cNvPr id="7" name="ZoneTexte 6">
             <a:extLst>
               <a:ext uri="{FF2B5EF4-FFF2-40B4-BE49-F238E27FC236}">
-                <a16:creationId xmlns:a16="http://schemas.microsoft.com/office/drawing/2014/main" id="{8F9F4FC5-8DC8-4546-BE17-A7FBDAD28216}"/>
+                <a16:creationId xmlns:a16="http://schemas.microsoft.com/office/drawing/2014/main" id="{A88213E6-6934-4B6E-823F-61A872EAE5A8}"/>
               </a:ext>
             </a:extLst>
           </p:cNvPr>
@@ -14204,8 +10448,8 @@
         </p:nvSpPr>
         <p:spPr>
           <a:xfrm>
-            <a:off x="1237787" y="153006"/>
-            <a:ext cx="6128726" cy="707886"/>
+            <a:off x="2780372" y="1925419"/>
+            <a:ext cx="3442008" cy="646331"/>
           </a:xfrm>
           <a:prstGeom prst="rect">
             <a:avLst/>
@@ -14218,384 +10462,30 @@
           </a:bodyPr>
           <a:lstStyle/>
           <a:p>
-            <a:pPr algn="ctr"/>
+            <a:pPr marL="114300" lvl="0" algn="ctr" rtl="0">
+              <a:spcBef>
+                <a:spcPts val="0"/>
+              </a:spcBef>
+              <a:spcAft>
+                <a:spcPts val="0"/>
+              </a:spcAft>
+              <a:buSzPts val="1800"/>
+            </a:pPr>
             <a:r>
-              <a:rPr lang="en-GB" sz="4000" dirty="0">
+              <a:rPr lang="en-GB" sz="3600" dirty="0">
                 <a:solidFill>
                   <a:schemeClr val="bg1"/>
                 </a:solidFill>
               </a:rPr>
-              <a:t>State - Example</a:t>
+              <a:t>Let’s code !</a:t>
             </a:r>
           </a:p>
         </p:txBody>
       </p:sp>
-      <p:sp>
-        <p:nvSpPr>
-          <p:cNvPr id="6" name="Google Shape;595;p17">
-            <a:extLst>
-              <a:ext uri="{FF2B5EF4-FFF2-40B4-BE49-F238E27FC236}">
-                <a16:creationId xmlns:a16="http://schemas.microsoft.com/office/drawing/2014/main" id="{F130A763-8215-40A3-99CE-15755CF72539}"/>
-              </a:ext>
-            </a:extLst>
-          </p:cNvPr>
-          <p:cNvSpPr txBox="1"/>
-          <p:nvPr/>
-        </p:nvSpPr>
-        <p:spPr>
-          <a:xfrm>
-            <a:off x="1330782" y="2527755"/>
-            <a:ext cx="6750670" cy="2031318"/>
-          </a:xfrm>
-          <a:prstGeom prst="rect">
-            <a:avLst/>
-          </a:prstGeom>
-          <a:noFill/>
-          <a:ln>
-            <a:noFill/>
-          </a:ln>
-        </p:spPr>
-        <p:txBody>
-          <a:bodyPr wrap="square" lIns="0" tIns="0" rIns="0" bIns="0" anchor="t" anchorCtr="0">
-            <a:noAutofit/>
-          </a:bodyPr>
-          <a:lstStyle>
-            <a:defPPr marR="0" lvl="0" algn="l" rtl="0">
-              <a:lnSpc>
-                <a:spcPct val="100000"/>
-              </a:lnSpc>
-              <a:spcBef>
-                <a:spcPts val="0"/>
-              </a:spcBef>
-              <a:spcAft>
-                <a:spcPts val="0"/>
-              </a:spcAft>
-            </a:defPPr>
-            <a:lvl1pPr marL="457200" marR="0" lvl="0" indent="-342900" algn="l" rtl="0">
-              <a:lnSpc>
-                <a:spcPct val="110000"/>
-              </a:lnSpc>
-              <a:spcBef>
-                <a:spcPts val="600"/>
-              </a:spcBef>
-              <a:spcAft>
-                <a:spcPts val="0"/>
-              </a:spcAft>
-              <a:buClr>
-                <a:schemeClr val="accent1"/>
-              </a:buClr>
-              <a:buSzPts val="1800"/>
-              <a:buFont typeface="Barlow Light"/>
-              <a:buChar char="▸"/>
-              <a:defRPr sz="2000" b="0" i="0" u="none" strike="noStrike" cap="none">
-                <a:solidFill>
-                  <a:schemeClr val="dk1"/>
-                </a:solidFill>
-                <a:latin typeface="Barlow Light"/>
-                <a:ea typeface="Barlow Light"/>
-                <a:cs typeface="Barlow Light"/>
-                <a:sym typeface="Barlow Light"/>
-              </a:defRPr>
-            </a:lvl1pPr>
-            <a:lvl2pPr marL="914400" marR="0" lvl="1" indent="-342900" algn="l" rtl="0">
-              <a:lnSpc>
-                <a:spcPct val="110000"/>
-              </a:lnSpc>
-              <a:spcBef>
-                <a:spcPts val="600"/>
-              </a:spcBef>
-              <a:spcAft>
-                <a:spcPts val="0"/>
-              </a:spcAft>
-              <a:buClr>
-                <a:schemeClr val="accent1"/>
-              </a:buClr>
-              <a:buSzPts val="1800"/>
-              <a:buFont typeface="Barlow Light"/>
-              <a:buChar char="▹"/>
-              <a:defRPr sz="2000" b="0" i="0" u="none" strike="noStrike" cap="none">
-                <a:solidFill>
-                  <a:schemeClr val="dk1"/>
-                </a:solidFill>
-                <a:latin typeface="Barlow Light"/>
-                <a:ea typeface="Barlow Light"/>
-                <a:cs typeface="Barlow Light"/>
-                <a:sym typeface="Barlow Light"/>
-              </a:defRPr>
-            </a:lvl2pPr>
-            <a:lvl3pPr marL="1371600" marR="0" lvl="2" indent="-342900" algn="l" rtl="0">
-              <a:lnSpc>
-                <a:spcPct val="110000"/>
-              </a:lnSpc>
-              <a:spcBef>
-                <a:spcPts val="600"/>
-              </a:spcBef>
-              <a:spcAft>
-                <a:spcPts val="0"/>
-              </a:spcAft>
-              <a:buClr>
-                <a:schemeClr val="accent1"/>
-              </a:buClr>
-              <a:buSzPts val="1800"/>
-              <a:buFont typeface="Barlow Light"/>
-              <a:buChar char="▹"/>
-              <a:defRPr sz="2000" b="0" i="0" u="none" strike="noStrike" cap="none">
-                <a:solidFill>
-                  <a:schemeClr val="dk1"/>
-                </a:solidFill>
-                <a:latin typeface="Barlow Light"/>
-                <a:ea typeface="Barlow Light"/>
-                <a:cs typeface="Barlow Light"/>
-                <a:sym typeface="Barlow Light"/>
-              </a:defRPr>
-            </a:lvl3pPr>
-            <a:lvl4pPr marL="1828800" marR="0" lvl="3" indent="-355600" algn="l" rtl="0">
-              <a:lnSpc>
-                <a:spcPct val="110000"/>
-              </a:lnSpc>
-              <a:spcBef>
-                <a:spcPts val="600"/>
-              </a:spcBef>
-              <a:spcAft>
-                <a:spcPts val="0"/>
-              </a:spcAft>
-              <a:buClr>
-                <a:schemeClr val="dk1"/>
-              </a:buClr>
-              <a:buSzPts val="2000"/>
-              <a:buFont typeface="Barlow Light"/>
-              <a:buChar char="▹"/>
-              <a:defRPr sz="2000" b="0" i="0" u="none" strike="noStrike" cap="none">
-                <a:solidFill>
-                  <a:schemeClr val="dk1"/>
-                </a:solidFill>
-                <a:latin typeface="Barlow Light"/>
-                <a:ea typeface="Barlow Light"/>
-                <a:cs typeface="Barlow Light"/>
-                <a:sym typeface="Barlow Light"/>
-              </a:defRPr>
-            </a:lvl4pPr>
-            <a:lvl5pPr marL="2286000" marR="0" lvl="4" indent="-355600" algn="l" rtl="0">
-              <a:lnSpc>
-                <a:spcPct val="110000"/>
-              </a:lnSpc>
-              <a:spcBef>
-                <a:spcPts val="600"/>
-              </a:spcBef>
-              <a:spcAft>
-                <a:spcPts val="0"/>
-              </a:spcAft>
-              <a:buClr>
-                <a:schemeClr val="dk1"/>
-              </a:buClr>
-              <a:buSzPts val="2000"/>
-              <a:buFont typeface="Barlow Light"/>
-              <a:buChar char="▹"/>
-              <a:defRPr sz="2000" b="0" i="0" u="none" strike="noStrike" cap="none">
-                <a:solidFill>
-                  <a:schemeClr val="dk1"/>
-                </a:solidFill>
-                <a:latin typeface="Barlow Light"/>
-                <a:ea typeface="Barlow Light"/>
-                <a:cs typeface="Barlow Light"/>
-                <a:sym typeface="Barlow Light"/>
-              </a:defRPr>
-            </a:lvl5pPr>
-            <a:lvl6pPr marL="2743200" marR="0" lvl="5" indent="-355600" algn="l" rtl="0">
-              <a:lnSpc>
-                <a:spcPct val="110000"/>
-              </a:lnSpc>
-              <a:spcBef>
-                <a:spcPts val="600"/>
-              </a:spcBef>
-              <a:spcAft>
-                <a:spcPts val="0"/>
-              </a:spcAft>
-              <a:buClr>
-                <a:schemeClr val="dk1"/>
-              </a:buClr>
-              <a:buSzPts val="2000"/>
-              <a:buFont typeface="Barlow Light"/>
-              <a:buChar char="▹"/>
-              <a:defRPr sz="2000" b="0" i="0" u="none" strike="noStrike" cap="none">
-                <a:solidFill>
-                  <a:schemeClr val="dk1"/>
-                </a:solidFill>
-                <a:latin typeface="Barlow Light"/>
-                <a:ea typeface="Barlow Light"/>
-                <a:cs typeface="Barlow Light"/>
-                <a:sym typeface="Barlow Light"/>
-              </a:defRPr>
-            </a:lvl6pPr>
-            <a:lvl7pPr marL="3200400" marR="0" lvl="6" indent="-355600" algn="l" rtl="0">
-              <a:lnSpc>
-                <a:spcPct val="110000"/>
-              </a:lnSpc>
-              <a:spcBef>
-                <a:spcPts val="600"/>
-              </a:spcBef>
-              <a:spcAft>
-                <a:spcPts val="0"/>
-              </a:spcAft>
-              <a:buClr>
-                <a:schemeClr val="dk1"/>
-              </a:buClr>
-              <a:buSzPts val="2000"/>
-              <a:buFont typeface="Barlow Light"/>
-              <a:buChar char="▹"/>
-              <a:defRPr sz="2000" b="0" i="0" u="none" strike="noStrike" cap="none">
-                <a:solidFill>
-                  <a:schemeClr val="dk1"/>
-                </a:solidFill>
-                <a:latin typeface="Barlow Light"/>
-                <a:ea typeface="Barlow Light"/>
-                <a:cs typeface="Barlow Light"/>
-                <a:sym typeface="Barlow Light"/>
-              </a:defRPr>
-            </a:lvl7pPr>
-            <a:lvl8pPr marL="3657600" marR="0" lvl="7" indent="-355600" algn="l" rtl="0">
-              <a:lnSpc>
-                <a:spcPct val="110000"/>
-              </a:lnSpc>
-              <a:spcBef>
-                <a:spcPts val="600"/>
-              </a:spcBef>
-              <a:spcAft>
-                <a:spcPts val="0"/>
-              </a:spcAft>
-              <a:buClr>
-                <a:schemeClr val="dk1"/>
-              </a:buClr>
-              <a:buSzPts val="2000"/>
-              <a:buFont typeface="Barlow Light"/>
-              <a:buChar char="▹"/>
-              <a:defRPr sz="2000" b="0" i="0" u="none" strike="noStrike" cap="none">
-                <a:solidFill>
-                  <a:schemeClr val="dk1"/>
-                </a:solidFill>
-                <a:latin typeface="Barlow Light"/>
-                <a:ea typeface="Barlow Light"/>
-                <a:cs typeface="Barlow Light"/>
-                <a:sym typeface="Barlow Light"/>
-              </a:defRPr>
-            </a:lvl8pPr>
-            <a:lvl9pPr marL="4114800" marR="0" lvl="8" indent="-355600" algn="l" rtl="0">
-              <a:lnSpc>
-                <a:spcPct val="110000"/>
-              </a:lnSpc>
-              <a:spcBef>
-                <a:spcPts val="600"/>
-              </a:spcBef>
-              <a:spcAft>
-                <a:spcPts val="0"/>
-              </a:spcAft>
-              <a:buClr>
-                <a:schemeClr val="dk1"/>
-              </a:buClr>
-              <a:buSzPts val="2000"/>
-              <a:buFont typeface="Barlow Light"/>
-              <a:buChar char="▹"/>
-              <a:defRPr sz="2000" b="0" i="0" u="none" strike="noStrike" cap="none">
-                <a:solidFill>
-                  <a:schemeClr val="dk1"/>
-                </a:solidFill>
-                <a:latin typeface="Barlow Light"/>
-                <a:ea typeface="Barlow Light"/>
-                <a:cs typeface="Barlow Light"/>
-                <a:sym typeface="Barlow Light"/>
-              </a:defRPr>
-            </a:lvl9pPr>
-          </a:lstStyle>
-          <a:p>
-            <a:pPr marL="457200" lvl="0" indent="-342900" algn="l" rtl="0">
-              <a:spcBef>
-                <a:spcPts val="600"/>
-              </a:spcBef>
-              <a:spcAft>
-                <a:spcPts val="0"/>
-              </a:spcAft>
-              <a:buSzPts val="1800"/>
-              <a:buChar char="▸"/>
-            </a:pPr>
-            <a:endParaRPr lang="en-US" dirty="0">
-              <a:solidFill>
-                <a:schemeClr val="bg1"/>
-              </a:solidFill>
-            </a:endParaRPr>
-          </a:p>
-          <a:p>
-            <a:pPr marL="114300" lvl="0" indent="0" algn="l" rtl="0">
-              <a:spcBef>
-                <a:spcPts val="600"/>
-              </a:spcBef>
-              <a:spcAft>
-                <a:spcPts val="0"/>
-              </a:spcAft>
-              <a:buSzPts val="1800"/>
-              <a:buNone/>
-            </a:pPr>
-            <a:r>
-              <a:rPr lang="en-GB" dirty="0">
-                <a:solidFill>
-                  <a:schemeClr val="bg1"/>
-                </a:solidFill>
-              </a:rPr>
-              <a:t>	</a:t>
-            </a:r>
-          </a:p>
-        </p:txBody>
-      </p:sp>
-      <p:pic>
-        <p:nvPicPr>
-          <p:cNvPr id="1026" name="Picture 2" descr="A short animated gif that shows the workings of a simple declarative state management system. This is explained in full in one of the following pages. Here it's just a decoration.">
-            <a:extLst>
-              <a:ext uri="{FF2B5EF4-FFF2-40B4-BE49-F238E27FC236}">
-                <a16:creationId xmlns:a16="http://schemas.microsoft.com/office/drawing/2014/main" id="{6C5E0526-1689-4309-97A3-235A79B32458}"/>
-              </a:ext>
-            </a:extLst>
-          </p:cNvPr>
-          <p:cNvPicPr>
-            <a:picLocks noChangeAspect="1" noChangeArrowheads="1"/>
-          </p:cNvPicPr>
-          <p:nvPr/>
-        </p:nvPicPr>
-        <p:blipFill>
-          <a:blip r:embed="rId4">
-            <a:extLst>
-              <a:ext uri="{28A0092B-C50C-407E-A947-70E740481C1C}">
-                <a14:useLocalDpi xmlns:a14="http://schemas.microsoft.com/office/drawing/2010/main" val="0"/>
-              </a:ext>
-            </a:extLst>
-          </a:blip>
-          <a:srcRect/>
-          <a:stretch>
-            <a:fillRect/>
-          </a:stretch>
-        </p:blipFill>
-        <p:spPr bwMode="auto">
-          <a:xfrm>
-            <a:off x="1300976" y="1022044"/>
-            <a:ext cx="7244575" cy="4075074"/>
-          </a:xfrm>
-          <a:prstGeom prst="rect">
-            <a:avLst/>
-          </a:prstGeom>
-          <a:noFill/>
-          <a:extLst>
-            <a:ext uri="{909E8E84-426E-40DD-AFC4-6F175D3DCCD1}">
-              <a14:hiddenFill xmlns:a14="http://schemas.microsoft.com/office/drawing/2010/main">
-                <a:solidFill>
-                  <a:srgbClr val="FFFFFF"/>
-                </a:solidFill>
-              </a14:hiddenFill>
-            </a:ext>
-          </a:extLst>
-        </p:spPr>
-      </p:pic>
     </p:spTree>
     <p:extLst>
       <p:ext uri="{BB962C8B-B14F-4D97-AF65-F5344CB8AC3E}">
-        <p14:creationId xmlns:p14="http://schemas.microsoft.com/office/powerpoint/2010/main" val="441864991"/>
+        <p14:creationId xmlns:p14="http://schemas.microsoft.com/office/powerpoint/2010/main" val="1662074619"/>
       </p:ext>
     </p:extLst>
   </p:cSld>
@@ -14728,10 +10618,10 @@
       </p:pic>
       <p:sp>
         <p:nvSpPr>
-          <p:cNvPr id="5" name="ZoneTexte 4">
+          <p:cNvPr id="7" name="ZoneTexte 6">
             <a:extLst>
               <a:ext uri="{FF2B5EF4-FFF2-40B4-BE49-F238E27FC236}">
-                <a16:creationId xmlns:a16="http://schemas.microsoft.com/office/drawing/2014/main" id="{8F9F4FC5-8DC8-4546-BE17-A7FBDAD28216}"/>
+                <a16:creationId xmlns:a16="http://schemas.microsoft.com/office/drawing/2014/main" id="{A88213E6-6934-4B6E-823F-61A872EAE5A8}"/>
               </a:ext>
             </a:extLst>
           </p:cNvPr>
@@ -14740,8 +10630,8 @@
         </p:nvSpPr>
         <p:spPr>
           <a:xfrm>
-            <a:off x="1237787" y="153006"/>
-            <a:ext cx="6128726" cy="707886"/>
+            <a:off x="2672576" y="1462750"/>
+            <a:ext cx="3798848" cy="1754326"/>
           </a:xfrm>
           <a:prstGeom prst="rect">
             <a:avLst/>
@@ -14754,700 +10644,65 @@
           </a:bodyPr>
           <a:lstStyle/>
           <a:p>
-            <a:pPr algn="ctr"/>
+            <a:pPr marL="114300" lvl="0" algn="ctr" rtl="0">
+              <a:spcBef>
+                <a:spcPts val="0"/>
+              </a:spcBef>
+              <a:spcAft>
+                <a:spcPts val="0"/>
+              </a:spcAft>
+              <a:buSzPts val="1800"/>
+            </a:pPr>
             <a:r>
-              <a:rPr lang="en-GB" sz="4000" dirty="0">
+              <a:rPr lang="en-GB" sz="3600" dirty="0">
                 <a:solidFill>
                   <a:schemeClr val="bg1"/>
                 </a:solidFill>
               </a:rPr>
-              <a:t>State – Declarative UI</a:t>
+              <a:t>Thanks</a:t>
             </a:r>
           </a:p>
-        </p:txBody>
-      </p:sp>
-      <p:sp>
-        <p:nvSpPr>
-          <p:cNvPr id="6" name="Google Shape;595;p17">
-            <a:extLst>
-              <a:ext uri="{FF2B5EF4-FFF2-40B4-BE49-F238E27FC236}">
-                <a16:creationId xmlns:a16="http://schemas.microsoft.com/office/drawing/2014/main" id="{F130A763-8215-40A3-99CE-15755CF72539}"/>
-              </a:ext>
-            </a:extLst>
-          </p:cNvPr>
-          <p:cNvSpPr txBox="1"/>
-          <p:nvPr/>
-        </p:nvSpPr>
-        <p:spPr>
-          <a:xfrm>
-            <a:off x="1330782" y="2527755"/>
-            <a:ext cx="6750670" cy="2031318"/>
-          </a:xfrm>
-          <a:prstGeom prst="rect">
-            <a:avLst/>
-          </a:prstGeom>
-          <a:noFill/>
-          <a:ln>
-            <a:noFill/>
-          </a:ln>
-        </p:spPr>
-        <p:txBody>
-          <a:bodyPr wrap="square" lIns="0" tIns="0" rIns="0" bIns="0" anchor="t" anchorCtr="0">
-            <a:noAutofit/>
-          </a:bodyPr>
-          <a:lstStyle>
-            <a:defPPr marR="0" lvl="0" algn="l" rtl="0">
-              <a:lnSpc>
-                <a:spcPct val="100000"/>
-              </a:lnSpc>
-              <a:spcBef>
-                <a:spcPts val="0"/>
-              </a:spcBef>
-              <a:spcAft>
-                <a:spcPts val="0"/>
-              </a:spcAft>
-            </a:defPPr>
-            <a:lvl1pPr marL="457200" marR="0" lvl="0" indent="-342900" algn="l" rtl="0">
-              <a:lnSpc>
-                <a:spcPct val="110000"/>
-              </a:lnSpc>
-              <a:spcBef>
-                <a:spcPts val="600"/>
-              </a:spcBef>
-              <a:spcAft>
-                <a:spcPts val="0"/>
-              </a:spcAft>
-              <a:buClr>
-                <a:schemeClr val="accent1"/>
-              </a:buClr>
+          <a:p>
+            <a:pPr marL="114300" lvl="0" algn="ctr" rtl="0">
+              <a:spcBef>
+                <a:spcPts val="0"/>
+              </a:spcBef>
+              <a:spcAft>
+                <a:spcPts val="0"/>
+              </a:spcAft>
               <a:buSzPts val="1800"/>
-              <a:buFont typeface="Barlow Light"/>
-              <a:buChar char="▸"/>
-              <a:defRPr sz="2000" b="0" i="0" u="none" strike="noStrike" cap="none">
-                <a:solidFill>
-                  <a:schemeClr val="dk1"/>
-                </a:solidFill>
-                <a:latin typeface="Barlow Light"/>
-                <a:ea typeface="Barlow Light"/>
-                <a:cs typeface="Barlow Light"/>
-                <a:sym typeface="Barlow Light"/>
-              </a:defRPr>
-            </a:lvl1pPr>
-            <a:lvl2pPr marL="914400" marR="0" lvl="1" indent="-342900" algn="l" rtl="0">
-              <a:lnSpc>
-                <a:spcPct val="110000"/>
-              </a:lnSpc>
-              <a:spcBef>
-                <a:spcPts val="600"/>
-              </a:spcBef>
-              <a:spcAft>
-                <a:spcPts val="0"/>
-              </a:spcAft>
-              <a:buClr>
-                <a:schemeClr val="accent1"/>
-              </a:buClr>
-              <a:buSzPts val="1800"/>
-              <a:buFont typeface="Barlow Light"/>
-              <a:buChar char="▹"/>
-              <a:defRPr sz="2000" b="0" i="0" u="none" strike="noStrike" cap="none">
-                <a:solidFill>
-                  <a:schemeClr val="dk1"/>
-                </a:solidFill>
-                <a:latin typeface="Barlow Light"/>
-                <a:ea typeface="Barlow Light"/>
-                <a:cs typeface="Barlow Light"/>
-                <a:sym typeface="Barlow Light"/>
-              </a:defRPr>
-            </a:lvl2pPr>
-            <a:lvl3pPr marL="1371600" marR="0" lvl="2" indent="-342900" algn="l" rtl="0">
-              <a:lnSpc>
-                <a:spcPct val="110000"/>
-              </a:lnSpc>
-              <a:spcBef>
-                <a:spcPts val="600"/>
-              </a:spcBef>
-              <a:spcAft>
-                <a:spcPts val="0"/>
-              </a:spcAft>
-              <a:buClr>
-                <a:schemeClr val="accent1"/>
-              </a:buClr>
-              <a:buSzPts val="1800"/>
-              <a:buFont typeface="Barlow Light"/>
-              <a:buChar char="▹"/>
-              <a:defRPr sz="2000" b="0" i="0" u="none" strike="noStrike" cap="none">
-                <a:solidFill>
-                  <a:schemeClr val="dk1"/>
-                </a:solidFill>
-                <a:latin typeface="Barlow Light"/>
-                <a:ea typeface="Barlow Light"/>
-                <a:cs typeface="Barlow Light"/>
-                <a:sym typeface="Barlow Light"/>
-              </a:defRPr>
-            </a:lvl3pPr>
-            <a:lvl4pPr marL="1828800" marR="0" lvl="3" indent="-355600" algn="l" rtl="0">
-              <a:lnSpc>
-                <a:spcPct val="110000"/>
-              </a:lnSpc>
-              <a:spcBef>
-                <a:spcPts val="600"/>
-              </a:spcBef>
-              <a:spcAft>
-                <a:spcPts val="0"/>
-              </a:spcAft>
-              <a:buClr>
-                <a:schemeClr val="dk1"/>
-              </a:buClr>
-              <a:buSzPts val="2000"/>
-              <a:buFont typeface="Barlow Light"/>
-              <a:buChar char="▹"/>
-              <a:defRPr sz="2000" b="0" i="0" u="none" strike="noStrike" cap="none">
-                <a:solidFill>
-                  <a:schemeClr val="dk1"/>
-                </a:solidFill>
-                <a:latin typeface="Barlow Light"/>
-                <a:ea typeface="Barlow Light"/>
-                <a:cs typeface="Barlow Light"/>
-                <a:sym typeface="Barlow Light"/>
-              </a:defRPr>
-            </a:lvl4pPr>
-            <a:lvl5pPr marL="2286000" marR="0" lvl="4" indent="-355600" algn="l" rtl="0">
-              <a:lnSpc>
-                <a:spcPct val="110000"/>
-              </a:lnSpc>
-              <a:spcBef>
-                <a:spcPts val="600"/>
-              </a:spcBef>
-              <a:spcAft>
-                <a:spcPts val="0"/>
-              </a:spcAft>
-              <a:buClr>
-                <a:schemeClr val="dk1"/>
-              </a:buClr>
-              <a:buSzPts val="2000"/>
-              <a:buFont typeface="Barlow Light"/>
-              <a:buChar char="▹"/>
-              <a:defRPr sz="2000" b="0" i="0" u="none" strike="noStrike" cap="none">
-                <a:solidFill>
-                  <a:schemeClr val="dk1"/>
-                </a:solidFill>
-                <a:latin typeface="Barlow Light"/>
-                <a:ea typeface="Barlow Light"/>
-                <a:cs typeface="Barlow Light"/>
-                <a:sym typeface="Barlow Light"/>
-              </a:defRPr>
-            </a:lvl5pPr>
-            <a:lvl6pPr marL="2743200" marR="0" lvl="5" indent="-355600" algn="l" rtl="0">
-              <a:lnSpc>
-                <a:spcPct val="110000"/>
-              </a:lnSpc>
-              <a:spcBef>
-                <a:spcPts val="600"/>
-              </a:spcBef>
-              <a:spcAft>
-                <a:spcPts val="0"/>
-              </a:spcAft>
-              <a:buClr>
-                <a:schemeClr val="dk1"/>
-              </a:buClr>
-              <a:buSzPts val="2000"/>
-              <a:buFont typeface="Barlow Light"/>
-              <a:buChar char="▹"/>
-              <a:defRPr sz="2000" b="0" i="0" u="none" strike="noStrike" cap="none">
-                <a:solidFill>
-                  <a:schemeClr val="dk1"/>
-                </a:solidFill>
-                <a:latin typeface="Barlow Light"/>
-                <a:ea typeface="Barlow Light"/>
-                <a:cs typeface="Barlow Light"/>
-                <a:sym typeface="Barlow Light"/>
-              </a:defRPr>
-            </a:lvl6pPr>
-            <a:lvl7pPr marL="3200400" marR="0" lvl="6" indent="-355600" algn="l" rtl="0">
-              <a:lnSpc>
-                <a:spcPct val="110000"/>
-              </a:lnSpc>
-              <a:spcBef>
-                <a:spcPts val="600"/>
-              </a:spcBef>
-              <a:spcAft>
-                <a:spcPts val="0"/>
-              </a:spcAft>
-              <a:buClr>
-                <a:schemeClr val="dk1"/>
-              </a:buClr>
-              <a:buSzPts val="2000"/>
-              <a:buFont typeface="Barlow Light"/>
-              <a:buChar char="▹"/>
-              <a:defRPr sz="2000" b="0" i="0" u="none" strike="noStrike" cap="none">
-                <a:solidFill>
-                  <a:schemeClr val="dk1"/>
-                </a:solidFill>
-                <a:latin typeface="Barlow Light"/>
-                <a:ea typeface="Barlow Light"/>
-                <a:cs typeface="Barlow Light"/>
-                <a:sym typeface="Barlow Light"/>
-              </a:defRPr>
-            </a:lvl7pPr>
-            <a:lvl8pPr marL="3657600" marR="0" lvl="7" indent="-355600" algn="l" rtl="0">
-              <a:lnSpc>
-                <a:spcPct val="110000"/>
-              </a:lnSpc>
-              <a:spcBef>
-                <a:spcPts val="600"/>
-              </a:spcBef>
-              <a:spcAft>
-                <a:spcPts val="0"/>
-              </a:spcAft>
-              <a:buClr>
-                <a:schemeClr val="dk1"/>
-              </a:buClr>
-              <a:buSzPts val="2000"/>
-              <a:buFont typeface="Barlow Light"/>
-              <a:buChar char="▹"/>
-              <a:defRPr sz="2000" b="0" i="0" u="none" strike="noStrike" cap="none">
-                <a:solidFill>
-                  <a:schemeClr val="dk1"/>
-                </a:solidFill>
-                <a:latin typeface="Barlow Light"/>
-                <a:ea typeface="Barlow Light"/>
-                <a:cs typeface="Barlow Light"/>
-                <a:sym typeface="Barlow Light"/>
-              </a:defRPr>
-            </a:lvl8pPr>
-            <a:lvl9pPr marL="4114800" marR="0" lvl="8" indent="-355600" algn="l" rtl="0">
-              <a:lnSpc>
-                <a:spcPct val="110000"/>
-              </a:lnSpc>
-              <a:spcBef>
-                <a:spcPts val="600"/>
-              </a:spcBef>
-              <a:spcAft>
-                <a:spcPts val="0"/>
-              </a:spcAft>
-              <a:buClr>
-                <a:schemeClr val="dk1"/>
-              </a:buClr>
-              <a:buSzPts val="2000"/>
-              <a:buFont typeface="Barlow Light"/>
-              <a:buChar char="▹"/>
-              <a:defRPr sz="2000" b="0" i="0" u="none" strike="noStrike" cap="none">
-                <a:solidFill>
-                  <a:schemeClr val="dk1"/>
-                </a:solidFill>
-                <a:latin typeface="Barlow Light"/>
-                <a:ea typeface="Barlow Light"/>
-                <a:cs typeface="Barlow Light"/>
-                <a:sym typeface="Barlow Light"/>
-              </a:defRPr>
-            </a:lvl9pPr>
-          </a:lstStyle>
-          <a:p>
-            <a:pPr marL="457200" lvl="0" indent="-342900" algn="l" rtl="0">
-              <a:spcBef>
-                <a:spcPts val="600"/>
-              </a:spcBef>
-              <a:spcAft>
-                <a:spcPts val="0"/>
-              </a:spcAft>
-              <a:buSzPts val="1800"/>
-              <a:buChar char="▸"/>
             </a:pPr>
-            <a:endParaRPr lang="en-US" dirty="0">
+            <a:endParaRPr lang="en-GB" sz="3600" dirty="0">
               <a:solidFill>
                 <a:schemeClr val="bg1"/>
               </a:solidFill>
             </a:endParaRPr>
           </a:p>
           <a:p>
-            <a:pPr marL="114300" lvl="0" indent="0" algn="l" rtl="0">
-              <a:spcBef>
-                <a:spcPts val="600"/>
+            <a:pPr marL="114300" lvl="0" algn="ctr" rtl="0">
+              <a:spcBef>
+                <a:spcPts val="0"/>
               </a:spcBef>
               <a:spcAft>
                 <a:spcPts val="0"/>
               </a:spcAft>
               <a:buSzPts val="1800"/>
-              <a:buNone/>
             </a:pPr>
             <a:r>
-              <a:rPr lang="en-GB" dirty="0">
+              <a:rPr lang="en-GB" sz="3600" dirty="0">
                 <a:solidFill>
                   <a:schemeClr val="bg1"/>
                 </a:solidFill>
               </a:rPr>
-              <a:t>	</a:t>
+              <a:t>Any Questions ?</a:t>
             </a:r>
           </a:p>
         </p:txBody>
       </p:sp>
-      <p:sp>
-        <p:nvSpPr>
-          <p:cNvPr id="14" name="Google Shape;595;p17">
-            <a:extLst>
-              <a:ext uri="{FF2B5EF4-FFF2-40B4-BE49-F238E27FC236}">
-                <a16:creationId xmlns:a16="http://schemas.microsoft.com/office/drawing/2014/main" id="{C1293F83-77BD-4474-9E3A-3C248283CEB2}"/>
-              </a:ext>
-            </a:extLst>
-          </p:cNvPr>
-          <p:cNvSpPr txBox="1"/>
-          <p:nvPr/>
-        </p:nvSpPr>
-        <p:spPr>
-          <a:xfrm>
-            <a:off x="311700" y="1246538"/>
-            <a:ext cx="8520600" cy="3451937"/>
-          </a:xfrm>
-          <a:prstGeom prst="rect">
-            <a:avLst/>
-          </a:prstGeom>
-          <a:noFill/>
-          <a:ln>
-            <a:noFill/>
-          </a:ln>
-        </p:spPr>
-        <p:txBody>
-          <a:bodyPr wrap="square" lIns="0" tIns="0" rIns="0" bIns="0" anchor="t" anchorCtr="0">
-            <a:noAutofit/>
-          </a:bodyPr>
-          <a:lstStyle>
-            <a:defPPr marR="0" lvl="0" algn="l" rtl="0">
-              <a:lnSpc>
-                <a:spcPct val="100000"/>
-              </a:lnSpc>
-              <a:spcBef>
-                <a:spcPts val="0"/>
-              </a:spcBef>
-              <a:spcAft>
-                <a:spcPts val="0"/>
-              </a:spcAft>
-            </a:defPPr>
-            <a:lvl1pPr marL="457200" marR="0" lvl="0" indent="-342900" algn="l" rtl="0">
-              <a:lnSpc>
-                <a:spcPct val="110000"/>
-              </a:lnSpc>
-              <a:spcBef>
-                <a:spcPts val="600"/>
-              </a:spcBef>
-              <a:spcAft>
-                <a:spcPts val="0"/>
-              </a:spcAft>
-              <a:buClr>
-                <a:schemeClr val="accent1"/>
-              </a:buClr>
-              <a:buSzPts val="1800"/>
-              <a:buFont typeface="Barlow Light"/>
-              <a:buChar char="▸"/>
-              <a:defRPr sz="2000" b="0" i="0" u="none" strike="noStrike" cap="none">
-                <a:solidFill>
-                  <a:schemeClr val="dk1"/>
-                </a:solidFill>
-                <a:latin typeface="Barlow Light"/>
-                <a:ea typeface="Barlow Light"/>
-                <a:cs typeface="Barlow Light"/>
-                <a:sym typeface="Barlow Light"/>
-              </a:defRPr>
-            </a:lvl1pPr>
-            <a:lvl2pPr marL="914400" marR="0" lvl="1" indent="-342900" algn="l" rtl="0">
-              <a:lnSpc>
-                <a:spcPct val="110000"/>
-              </a:lnSpc>
-              <a:spcBef>
-                <a:spcPts val="600"/>
-              </a:spcBef>
-              <a:spcAft>
-                <a:spcPts val="0"/>
-              </a:spcAft>
-              <a:buClr>
-                <a:schemeClr val="accent1"/>
-              </a:buClr>
-              <a:buSzPts val="1800"/>
-              <a:buFont typeface="Barlow Light"/>
-              <a:buChar char="▹"/>
-              <a:defRPr sz="2000" b="0" i="0" u="none" strike="noStrike" cap="none">
-                <a:solidFill>
-                  <a:schemeClr val="dk1"/>
-                </a:solidFill>
-                <a:latin typeface="Barlow Light"/>
-                <a:ea typeface="Barlow Light"/>
-                <a:cs typeface="Barlow Light"/>
-                <a:sym typeface="Barlow Light"/>
-              </a:defRPr>
-            </a:lvl2pPr>
-            <a:lvl3pPr marL="1371600" marR="0" lvl="2" indent="-342900" algn="l" rtl="0">
-              <a:lnSpc>
-                <a:spcPct val="110000"/>
-              </a:lnSpc>
-              <a:spcBef>
-                <a:spcPts val="600"/>
-              </a:spcBef>
-              <a:spcAft>
-                <a:spcPts val="0"/>
-              </a:spcAft>
-              <a:buClr>
-                <a:schemeClr val="accent1"/>
-              </a:buClr>
-              <a:buSzPts val="1800"/>
-              <a:buFont typeface="Barlow Light"/>
-              <a:buChar char="▹"/>
-              <a:defRPr sz="2000" b="0" i="0" u="none" strike="noStrike" cap="none">
-                <a:solidFill>
-                  <a:schemeClr val="dk1"/>
-                </a:solidFill>
-                <a:latin typeface="Barlow Light"/>
-                <a:ea typeface="Barlow Light"/>
-                <a:cs typeface="Barlow Light"/>
-                <a:sym typeface="Barlow Light"/>
-              </a:defRPr>
-            </a:lvl3pPr>
-            <a:lvl4pPr marL="1828800" marR="0" lvl="3" indent="-355600" algn="l" rtl="0">
-              <a:lnSpc>
-                <a:spcPct val="110000"/>
-              </a:lnSpc>
-              <a:spcBef>
-                <a:spcPts val="600"/>
-              </a:spcBef>
-              <a:spcAft>
-                <a:spcPts val="0"/>
-              </a:spcAft>
-              <a:buClr>
-                <a:schemeClr val="dk1"/>
-              </a:buClr>
-              <a:buSzPts val="2000"/>
-              <a:buFont typeface="Barlow Light"/>
-              <a:buChar char="▹"/>
-              <a:defRPr sz="2000" b="0" i="0" u="none" strike="noStrike" cap="none">
-                <a:solidFill>
-                  <a:schemeClr val="dk1"/>
-                </a:solidFill>
-                <a:latin typeface="Barlow Light"/>
-                <a:ea typeface="Barlow Light"/>
-                <a:cs typeface="Barlow Light"/>
-                <a:sym typeface="Barlow Light"/>
-              </a:defRPr>
-            </a:lvl4pPr>
-            <a:lvl5pPr marL="2286000" marR="0" lvl="4" indent="-355600" algn="l" rtl="0">
-              <a:lnSpc>
-                <a:spcPct val="110000"/>
-              </a:lnSpc>
-              <a:spcBef>
-                <a:spcPts val="600"/>
-              </a:spcBef>
-              <a:spcAft>
-                <a:spcPts val="0"/>
-              </a:spcAft>
-              <a:buClr>
-                <a:schemeClr val="dk1"/>
-              </a:buClr>
-              <a:buSzPts val="2000"/>
-              <a:buFont typeface="Barlow Light"/>
-              <a:buChar char="▹"/>
-              <a:defRPr sz="2000" b="0" i="0" u="none" strike="noStrike" cap="none">
-                <a:solidFill>
-                  <a:schemeClr val="dk1"/>
-                </a:solidFill>
-                <a:latin typeface="Barlow Light"/>
-                <a:ea typeface="Barlow Light"/>
-                <a:cs typeface="Barlow Light"/>
-                <a:sym typeface="Barlow Light"/>
-              </a:defRPr>
-            </a:lvl5pPr>
-            <a:lvl6pPr marL="2743200" marR="0" lvl="5" indent="-355600" algn="l" rtl="0">
-              <a:lnSpc>
-                <a:spcPct val="110000"/>
-              </a:lnSpc>
-              <a:spcBef>
-                <a:spcPts val="600"/>
-              </a:spcBef>
-              <a:spcAft>
-                <a:spcPts val="0"/>
-              </a:spcAft>
-              <a:buClr>
-                <a:schemeClr val="dk1"/>
-              </a:buClr>
-              <a:buSzPts val="2000"/>
-              <a:buFont typeface="Barlow Light"/>
-              <a:buChar char="▹"/>
-              <a:defRPr sz="2000" b="0" i="0" u="none" strike="noStrike" cap="none">
-                <a:solidFill>
-                  <a:schemeClr val="dk1"/>
-                </a:solidFill>
-                <a:latin typeface="Barlow Light"/>
-                <a:ea typeface="Barlow Light"/>
-                <a:cs typeface="Barlow Light"/>
-                <a:sym typeface="Barlow Light"/>
-              </a:defRPr>
-            </a:lvl6pPr>
-            <a:lvl7pPr marL="3200400" marR="0" lvl="6" indent="-355600" algn="l" rtl="0">
-              <a:lnSpc>
-                <a:spcPct val="110000"/>
-              </a:lnSpc>
-              <a:spcBef>
-                <a:spcPts val="600"/>
-              </a:spcBef>
-              <a:spcAft>
-                <a:spcPts val="0"/>
-              </a:spcAft>
-              <a:buClr>
-                <a:schemeClr val="dk1"/>
-              </a:buClr>
-              <a:buSzPts val="2000"/>
-              <a:buFont typeface="Barlow Light"/>
-              <a:buChar char="▹"/>
-              <a:defRPr sz="2000" b="0" i="0" u="none" strike="noStrike" cap="none">
-                <a:solidFill>
-                  <a:schemeClr val="dk1"/>
-                </a:solidFill>
-                <a:latin typeface="Barlow Light"/>
-                <a:ea typeface="Barlow Light"/>
-                <a:cs typeface="Barlow Light"/>
-                <a:sym typeface="Barlow Light"/>
-              </a:defRPr>
-            </a:lvl7pPr>
-            <a:lvl8pPr marL="3657600" marR="0" lvl="7" indent="-355600" algn="l" rtl="0">
-              <a:lnSpc>
-                <a:spcPct val="110000"/>
-              </a:lnSpc>
-              <a:spcBef>
-                <a:spcPts val="600"/>
-              </a:spcBef>
-              <a:spcAft>
-                <a:spcPts val="0"/>
-              </a:spcAft>
-              <a:buClr>
-                <a:schemeClr val="dk1"/>
-              </a:buClr>
-              <a:buSzPts val="2000"/>
-              <a:buFont typeface="Barlow Light"/>
-              <a:buChar char="▹"/>
-              <a:defRPr sz="2000" b="0" i="0" u="none" strike="noStrike" cap="none">
-                <a:solidFill>
-                  <a:schemeClr val="dk1"/>
-                </a:solidFill>
-                <a:latin typeface="Barlow Light"/>
-                <a:ea typeface="Barlow Light"/>
-                <a:cs typeface="Barlow Light"/>
-                <a:sym typeface="Barlow Light"/>
-              </a:defRPr>
-            </a:lvl8pPr>
-            <a:lvl9pPr marL="4114800" marR="0" lvl="8" indent="-355600" algn="l" rtl="0">
-              <a:lnSpc>
-                <a:spcPct val="110000"/>
-              </a:lnSpc>
-              <a:spcBef>
-                <a:spcPts val="600"/>
-              </a:spcBef>
-              <a:spcAft>
-                <a:spcPts val="0"/>
-              </a:spcAft>
-              <a:buClr>
-                <a:schemeClr val="dk1"/>
-              </a:buClr>
-              <a:buSzPts val="2000"/>
-              <a:buFont typeface="Barlow Light"/>
-              <a:buChar char="▹"/>
-              <a:defRPr sz="2000" b="0" i="0" u="none" strike="noStrike" cap="none">
-                <a:solidFill>
-                  <a:schemeClr val="dk1"/>
-                </a:solidFill>
-                <a:latin typeface="Barlow Light"/>
-                <a:ea typeface="Barlow Light"/>
-                <a:cs typeface="Barlow Light"/>
-                <a:sym typeface="Barlow Light"/>
-              </a:defRPr>
-            </a:lvl9pPr>
-          </a:lstStyle>
-          <a:p>
-            <a:pPr marL="457200" lvl="0" indent="-342900" algn="l" rtl="0">
-              <a:spcBef>
-                <a:spcPts val="600"/>
-              </a:spcBef>
-              <a:spcAft>
-                <a:spcPts val="0"/>
-              </a:spcAft>
-              <a:buSzPts val="1800"/>
-              <a:buChar char="▸"/>
-            </a:pPr>
-            <a:endParaRPr lang="en-US" dirty="0">
-              <a:solidFill>
-                <a:schemeClr val="bg1"/>
-              </a:solidFill>
-            </a:endParaRPr>
-          </a:p>
-          <a:p>
-            <a:pPr lvl="1">
-              <a:buChar char="▸"/>
-            </a:pPr>
-            <a:r>
-              <a:rPr lang="en-US" dirty="0">
-                <a:solidFill>
-                  <a:schemeClr val="bg1"/>
-                </a:solidFill>
-              </a:rPr>
-              <a:t>Flutter is declarative. This means that Flutter builds its user interface to reflect the current state of your app.</a:t>
-            </a:r>
-            <a:r>
-              <a:rPr lang="en-GB" dirty="0">
-                <a:solidFill>
-                  <a:schemeClr val="bg1"/>
-                </a:solidFill>
-              </a:rPr>
-              <a:t>	</a:t>
-            </a:r>
-          </a:p>
-        </p:txBody>
-      </p:sp>
-      <p:pic>
-        <p:nvPicPr>
-          <p:cNvPr id="2050" name="Picture 2" descr="A mathematical formula of UI = f(state). 'UI' is the layout on the screen. 'f' is your build methods. 'state' is the application state.">
-            <a:extLst>
-              <a:ext uri="{FF2B5EF4-FFF2-40B4-BE49-F238E27FC236}">
-                <a16:creationId xmlns:a16="http://schemas.microsoft.com/office/drawing/2014/main" id="{E8BB60C0-DD40-4136-95E7-492926358FA8}"/>
-              </a:ext>
-            </a:extLst>
-          </p:cNvPr>
-          <p:cNvPicPr>
-            <a:picLocks noChangeAspect="1" noChangeArrowheads="1"/>
-          </p:cNvPicPr>
-          <p:nvPr/>
-        </p:nvPicPr>
-        <p:blipFill>
-          <a:blip r:embed="rId4">
-            <a:extLst>
-              <a:ext uri="{28A0092B-C50C-407E-A947-70E740481C1C}">
-                <a14:useLocalDpi xmlns:a14="http://schemas.microsoft.com/office/drawing/2010/main" val="0"/>
-              </a:ext>
-            </a:extLst>
-          </a:blip>
-          <a:srcRect/>
-          <a:stretch>
-            <a:fillRect/>
-          </a:stretch>
-        </p:blipFill>
-        <p:spPr bwMode="auto">
-          <a:xfrm>
-            <a:off x="784011" y="2292088"/>
-            <a:ext cx="7258050" cy="2628900"/>
-          </a:xfrm>
-          <a:prstGeom prst="rect">
-            <a:avLst/>
-          </a:prstGeom>
-          <a:noFill/>
-          <a:extLst>
-            <a:ext uri="{909E8E84-426E-40DD-AFC4-6F175D3DCCD1}">
-              <a14:hiddenFill xmlns:a14="http://schemas.microsoft.com/office/drawing/2010/main">
-                <a:solidFill>
-                  <a:srgbClr val="FFFFFF"/>
-                </a:solidFill>
-              </a14:hiddenFill>
-            </a:ext>
-          </a:extLst>
-        </p:spPr>
-      </p:pic>
     </p:spTree>
     <p:extLst>
       <p:ext uri="{BB962C8B-B14F-4D97-AF65-F5344CB8AC3E}">
-        <p14:creationId xmlns:p14="http://schemas.microsoft.com/office/powerpoint/2010/main" val="1348047864"/>
+        <p14:creationId xmlns:p14="http://schemas.microsoft.com/office/powerpoint/2010/main" val="1942402422"/>
       </p:ext>
     </p:extLst>
   </p:cSld>
